--- a/Editorial/Overall/Editorial_of_NNSZCP-2023.pptx
+++ b/Editorial/Overall/Editorial_of_NNSZCP-2023.pptx
@@ -5,10 +5,10 @@
     <p:sldMasterId id="2147483648" r:id="rId1"/>
   </p:sldMasterIdLst>
   <p:notesMasterIdLst>
-    <p:notesMasterId r:id="rId56"/>
+    <p:notesMasterId r:id="rId57"/>
   </p:notesMasterIdLst>
   <p:handoutMasterIdLst>
-    <p:handoutMasterId r:id="rId57"/>
+    <p:handoutMasterId r:id="rId58"/>
   </p:handoutMasterIdLst>
   <p:sldIdLst>
     <p:sldId id="257" r:id="rId2"/>
@@ -53,18 +53,19 @@
     <p:sldId id="301" r:id="rId41"/>
     <p:sldId id="265" r:id="rId42"/>
     <p:sldId id="302" r:id="rId43"/>
-    <p:sldId id="304" r:id="rId44"/>
-    <p:sldId id="305" r:id="rId45"/>
-    <p:sldId id="306" r:id="rId46"/>
-    <p:sldId id="307" r:id="rId47"/>
-    <p:sldId id="308" r:id="rId48"/>
-    <p:sldId id="266" r:id="rId49"/>
-    <p:sldId id="303" r:id="rId50"/>
-    <p:sldId id="309" r:id="rId51"/>
-    <p:sldId id="310" r:id="rId52"/>
-    <p:sldId id="311" r:id="rId53"/>
-    <p:sldId id="312" r:id="rId54"/>
-    <p:sldId id="314" r:id="rId55"/>
+    <p:sldId id="316" r:id="rId44"/>
+    <p:sldId id="304" r:id="rId45"/>
+    <p:sldId id="305" r:id="rId46"/>
+    <p:sldId id="306" r:id="rId47"/>
+    <p:sldId id="307" r:id="rId48"/>
+    <p:sldId id="308" r:id="rId49"/>
+    <p:sldId id="266" r:id="rId50"/>
+    <p:sldId id="303" r:id="rId51"/>
+    <p:sldId id="309" r:id="rId52"/>
+    <p:sldId id="310" r:id="rId53"/>
+    <p:sldId id="311" r:id="rId54"/>
+    <p:sldId id="312" r:id="rId55"/>
+    <p:sldId id="314" r:id="rId56"/>
   </p:sldIdLst>
   <p:sldSz cx="12192000" cy="6858000"/>
   <p:notesSz cx="6858000" cy="9144000"/>
@@ -246,6 +247,7 @@
           <p14:sldIdLst>
             <p14:sldId id="265"/>
             <p14:sldId id="302"/>
+            <p14:sldId id="316"/>
             <p14:sldId id="304"/>
             <p14:sldId id="305"/>
             <p14:sldId id="306"/>
@@ -367,7 +369,7 @@
           <a:p>
             <a:fld id="{73758899-22E7-4591-BDD7-C8AA5B876820}" type="datetimeFigureOut">
               <a:rPr lang="zh-CN" altLang="en-US" smtClean="0"/>
-              <a:t>2023/11/28</a:t>
+              <a:t>2023/12/5</a:t>
             </a:fld>
             <a:endParaRPr lang="zh-CN" altLang="en-US"/>
           </a:p>
@@ -545,7 +547,7 @@
           <a:p>
             <a:fld id="{DFDF4618-D8AC-490D-BA34-3334B1630D16}" type="datetimeFigureOut">
               <a:rPr lang="zh-CN" altLang="en-US" smtClean="0"/>
-              <a:t>2023/11/28</a:t>
+              <a:t>2023/12/5</a:t>
             </a:fld>
             <a:endParaRPr lang="zh-CN" altLang="en-US"/>
           </a:p>
@@ -960,7 +962,7 @@
           <a:p>
             <a:fld id="{65D60EDF-DA54-473C-BED2-689F224E51C8}" type="datetime2">
               <a:rPr lang="en-US" altLang="zh-CN" smtClean="0"/>
-              <a:t>Tuesday, November 28, 2023</a:t>
+              <a:t>Tuesday, December 5, 2023</a:t>
             </a:fld>
             <a:endParaRPr lang="zh-CN" altLang="en-US"/>
           </a:p>
@@ -1165,7 +1167,7 @@
           <a:p>
             <a:fld id="{FEE83AAF-7E1E-43AF-A9D6-A6CB33A705CD}" type="datetime2">
               <a:rPr lang="en-US" altLang="zh-CN" smtClean="0"/>
-              <a:t>Tuesday, November 28, 2023</a:t>
+              <a:t>Tuesday, December 5, 2023</a:t>
             </a:fld>
             <a:endParaRPr lang="zh-CN" altLang="en-US"/>
           </a:p>
@@ -1380,7 +1382,7 @@
           <a:p>
             <a:fld id="{60DB73B5-112B-491F-8974-6C4093E8476D}" type="datetime2">
               <a:rPr lang="en-US" altLang="zh-CN" smtClean="0"/>
-              <a:t>Tuesday, November 28, 2023</a:t>
+              <a:t>Tuesday, December 5, 2023</a:t>
             </a:fld>
             <a:endParaRPr lang="zh-CN" altLang="en-US"/>
           </a:p>
@@ -1585,7 +1587,7 @@
           <a:p>
             <a:fld id="{B37DC8DE-B46A-4467-94E3-12962304A7C6}" type="datetime2">
               <a:rPr lang="en-US" altLang="zh-CN" smtClean="0"/>
-              <a:t>Tuesday, November 28, 2023</a:t>
+              <a:t>Tuesday, December 5, 2023</a:t>
             </a:fld>
             <a:endParaRPr lang="zh-CN" altLang="en-US"/>
           </a:p>
@@ -1867,7 +1869,7 @@
           <a:p>
             <a:fld id="{5932CE07-503A-4A78-8286-F9F47CD19219}" type="datetime2">
               <a:rPr lang="en-US" altLang="zh-CN" smtClean="0"/>
-              <a:t>Tuesday, November 28, 2023</a:t>
+              <a:t>Tuesday, December 5, 2023</a:t>
             </a:fld>
             <a:endParaRPr lang="zh-CN" altLang="en-US"/>
           </a:p>
@@ -2139,7 +2141,7 @@
           <a:p>
             <a:fld id="{2CF6E99F-A71E-4150-88CE-A814DF3FF534}" type="datetime2">
               <a:rPr lang="en-US" altLang="zh-CN" smtClean="0"/>
-              <a:t>Tuesday, November 28, 2023</a:t>
+              <a:t>Tuesday, December 5, 2023</a:t>
             </a:fld>
             <a:endParaRPr lang="zh-CN" altLang="en-US"/>
           </a:p>
@@ -2558,7 +2560,7 @@
           <a:p>
             <a:fld id="{B5671570-65F3-41AC-9941-22A92A9326F2}" type="datetime2">
               <a:rPr lang="en-US" altLang="zh-CN" smtClean="0"/>
-              <a:t>Tuesday, November 28, 2023</a:t>
+              <a:t>Tuesday, December 5, 2023</a:t>
             </a:fld>
             <a:endParaRPr lang="zh-CN" altLang="en-US"/>
           </a:p>
@@ -2706,7 +2708,7 @@
           <a:p>
             <a:fld id="{B50D074F-576F-4AAB-87BC-DF8D6F697AF6}" type="datetime2">
               <a:rPr lang="en-US" altLang="zh-CN" smtClean="0"/>
-              <a:t>Tuesday, November 28, 2023</a:t>
+              <a:t>Tuesday, December 5, 2023</a:t>
             </a:fld>
             <a:endParaRPr lang="zh-CN" altLang="en-US"/>
           </a:p>
@@ -2826,7 +2828,7 @@
           <a:p>
             <a:fld id="{388C3B57-FBB1-4335-86BE-50F0CEBDB920}" type="datetime2">
               <a:rPr lang="en-US" altLang="zh-CN" smtClean="0"/>
-              <a:t>Tuesday, November 28, 2023</a:t>
+              <a:t>Tuesday, December 5, 2023</a:t>
             </a:fld>
             <a:endParaRPr lang="zh-CN" altLang="en-US"/>
           </a:p>
@@ -3144,7 +3146,7 @@
           <a:p>
             <a:fld id="{3BDF29C3-078F-4F7F-815A-22EA00A1AAD8}" type="datetime2">
               <a:rPr lang="en-US" altLang="zh-CN" smtClean="0"/>
-              <a:t>Tuesday, November 28, 2023</a:t>
+              <a:t>Tuesday, December 5, 2023</a:t>
             </a:fld>
             <a:endParaRPr lang="zh-CN" altLang="en-US"/>
           </a:p>
@@ -3439,7 +3441,7 @@
           <a:p>
             <a:fld id="{7B1D2B56-0052-433A-AAFE-52187A34CB57}" type="datetime2">
               <a:rPr lang="en-US" altLang="zh-CN" smtClean="0"/>
-              <a:t>Tuesday, November 28, 2023</a:t>
+              <a:t>Tuesday, December 5, 2023</a:t>
             </a:fld>
             <a:endParaRPr lang="zh-CN" altLang="en-US"/>
           </a:p>
@@ -3695,7 +3697,7 @@
           <a:p>
             <a:fld id="{F62504C5-F577-439D-98AD-CB45D4708AF1}" type="datetime2">
               <a:rPr lang="en-US" altLang="zh-CN" smtClean="0"/>
-              <a:t>Tuesday, November 28, 2023</a:t>
+              <a:t>Tuesday, December 5, 2023</a:t>
             </a:fld>
             <a:endParaRPr lang="zh-CN" altLang="en-US"/>
           </a:p>
@@ -4282,7 +4284,7 @@
           <a:p>
             <a:fld id="{82D464C3-3737-405E-AC0A-3AA7C23B611C}" type="datetime2">
               <a:rPr lang="en-US" altLang="zh-CN" smtClean="0"/>
-              <a:t>Tuesday, November 28, 2023</a:t>
+              <a:t>Tuesday, December 5, 2023</a:t>
             </a:fld>
             <a:endParaRPr lang="en-US" dirty="0"/>
           </a:p>
@@ -4937,7 +4939,7 @@
           <a:p>
             <a:fld id="{83BB475F-BA1F-4010-9108-34F0F2424F25}" type="datetime2">
               <a:rPr lang="en-US" altLang="zh-CN" smtClean="0"/>
-              <a:t>Tuesday, November 28, 2023</a:t>
+              <a:t>Tuesday, December 5, 2023</a:t>
             </a:fld>
             <a:endParaRPr lang="en-US" dirty="0"/>
           </a:p>
@@ -5354,7 +5356,7 @@
           <a:p>
             <a:fld id="{D7F5DE1C-971E-41EC-B2C7-C9FEF32A8A80}" type="datetime2">
               <a:rPr lang="en-US" altLang="zh-CN" smtClean="0"/>
-              <a:t>Tuesday, November 28, 2023</a:t>
+              <a:t>Tuesday, December 5, 2023</a:t>
             </a:fld>
             <a:endParaRPr lang="en-US" dirty="0"/>
           </a:p>
@@ -6319,7 +6321,7 @@
           <a:p>
             <a:fld id="{0D900A54-6163-4DE4-8B6D-283B5097EF7A}" type="datetime2">
               <a:rPr lang="en-US" altLang="zh-CN" smtClean="0"/>
-              <a:t>Tuesday, November 28, 2023</a:t>
+              <a:t>Tuesday, December 5, 2023</a:t>
             </a:fld>
             <a:endParaRPr lang="en-US" dirty="0"/>
           </a:p>
@@ -7517,7 +7519,7 @@
           <a:p>
             <a:fld id="{AFCF2D4A-709C-4945-9F35-22E1EFFB5B95}" type="datetime2">
               <a:rPr lang="en-US" altLang="zh-CN" smtClean="0"/>
-              <a:t>Tuesday, November 28, 2023</a:t>
+              <a:t>Tuesday, December 5, 2023</a:t>
             </a:fld>
             <a:endParaRPr lang="en-US" dirty="0"/>
           </a:p>
@@ -7672,7 +7674,7 @@
           <a:p>
             <a:fld id="{0EC92A74-4158-4E34-8A41-299AB263769D}" type="datetime2">
               <a:rPr lang="en-US" altLang="zh-CN" smtClean="0"/>
-              <a:t>Tuesday, November 28, 2023</a:t>
+              <a:t>Tuesday, December 5, 2023</a:t>
             </a:fld>
             <a:endParaRPr lang="en-US" dirty="0"/>
           </a:p>
@@ -7953,7 +7955,7 @@
           <a:p>
             <a:fld id="{B434508E-625F-4BDD-8936-371A8BFB8F0E}" type="datetime2">
               <a:rPr lang="en-US" altLang="zh-CN" smtClean="0"/>
-              <a:t>Tuesday, November 28, 2023</a:t>
+              <a:t>Tuesday, December 5, 2023</a:t>
             </a:fld>
             <a:endParaRPr lang="en-US" dirty="0"/>
           </a:p>
@@ -8269,7 +8271,7 @@
           <a:p>
             <a:fld id="{B238BAF6-2056-4044-9F12-01C9EF86860A}" type="datetime2">
               <a:rPr lang="en-US" altLang="zh-CN" smtClean="0"/>
-              <a:t>Tuesday, November 28, 2023</a:t>
+              <a:t>Tuesday, December 5, 2023</a:t>
             </a:fld>
             <a:endParaRPr lang="en-US" dirty="0"/>
           </a:p>
@@ -10150,7 +10152,7 @@
           <a:p>
             <a:fld id="{5692E47A-E8CA-4837-A31F-B0443D31B584}" type="datetime2">
               <a:rPr lang="en-US" altLang="zh-CN" smtClean="0"/>
-              <a:t>Tuesday, November 28, 2023</a:t>
+              <a:t>Tuesday, December 5, 2023</a:t>
             </a:fld>
             <a:endParaRPr lang="en-US" dirty="0"/>
           </a:p>
@@ -10305,7 +10307,7 @@
           <a:p>
             <a:fld id="{153EF9B0-5B6F-4B8A-B05A-2E35459CDBB2}" type="datetime2">
               <a:rPr lang="en-US" altLang="zh-CN" smtClean="0"/>
-              <a:t>Tuesday, November 28, 2023</a:t>
+              <a:t>Tuesday, December 5, 2023</a:t>
             </a:fld>
             <a:endParaRPr lang="en-US" dirty="0"/>
           </a:p>
@@ -10461,7 +10463,7 @@
           <a:p>
             <a:fld id="{606886CF-AA41-4483-869D-B97B93D80DA2}" type="datetime2">
               <a:rPr lang="en-US" altLang="zh-CN" smtClean="0"/>
-              <a:t>Tuesday, November 28, 2023</a:t>
+              <a:t>Tuesday, December 5, 2023</a:t>
             </a:fld>
             <a:endParaRPr lang="en-US" dirty="0"/>
           </a:p>
@@ -10820,7 +10822,7 @@
           <a:p>
             <a:fld id="{1509B516-0134-417A-8851-C89355BA2FE9}" type="datetime2">
               <a:rPr lang="en-US" altLang="zh-CN" smtClean="0"/>
-              <a:t>Tuesday, November 28, 2023</a:t>
+              <a:t>Tuesday, December 5, 2023</a:t>
             </a:fld>
             <a:endParaRPr lang="en-US" dirty="0"/>
           </a:p>
@@ -11504,7 +11506,7 @@
           <a:p>
             <a:fld id="{E0779AC6-A35C-4EE0-B876-8BEEA548038B}" type="datetime2">
               <a:rPr lang="en-US" altLang="zh-CN" smtClean="0"/>
-              <a:t>Tuesday, November 28, 2023</a:t>
+              <a:t>Tuesday, December 5, 2023</a:t>
             </a:fld>
             <a:endParaRPr lang="en-US" dirty="0"/>
           </a:p>
@@ -12205,7 +12207,7 @@
           <a:p>
             <a:fld id="{1D1877BB-88BC-472D-B523-33E2E0D9BBC8}" type="datetime2">
               <a:rPr lang="en-US" altLang="zh-CN" smtClean="0"/>
-              <a:t>Tuesday, November 28, 2023</a:t>
+              <a:t>Tuesday, December 5, 2023</a:t>
             </a:fld>
             <a:endParaRPr lang="en-US" dirty="0"/>
           </a:p>
@@ -13776,7 +13778,7 @@
           <a:p>
             <a:fld id="{4019BF4C-61F7-4978-8238-C84E8DFB0C45}" type="datetime2">
               <a:rPr lang="en-US" altLang="zh-CN" smtClean="0"/>
-              <a:t>Tuesday, November 28, 2023</a:t>
+              <a:t>Tuesday, December 5, 2023</a:t>
             </a:fld>
             <a:endParaRPr lang="en-US" dirty="0"/>
           </a:p>
@@ -13931,7 +13933,7 @@
           <a:p>
             <a:fld id="{BC49EFA3-9D48-4087-9951-0CD5222E6A70}" type="datetime2">
               <a:rPr lang="en-US" altLang="zh-CN" smtClean="0"/>
-              <a:t>Tuesday, November 28, 2023</a:t>
+              <a:t>Tuesday, December 5, 2023</a:t>
             </a:fld>
             <a:endParaRPr lang="en-US" dirty="0"/>
           </a:p>
@@ -14477,7 +14479,7 @@
           <a:p>
             <a:fld id="{24C36ACC-8CDF-4F30-BAE5-BA42AAAE183B}" type="datetime2">
               <a:rPr lang="en-US" altLang="zh-CN" smtClean="0"/>
-              <a:t>Tuesday, November 28, 2023</a:t>
+              <a:t>Tuesday, December 5, 2023</a:t>
             </a:fld>
             <a:endParaRPr lang="en-US" dirty="0"/>
           </a:p>
@@ -15415,7 +15417,7 @@
           <a:p>
             <a:fld id="{648105FB-ACA2-41BA-9DC0-EA522E82CA6A}" type="datetime2">
               <a:rPr lang="en-US" altLang="zh-CN" smtClean="0"/>
-              <a:t>Tuesday, November 28, 2023</a:t>
+              <a:t>Tuesday, December 5, 2023</a:t>
             </a:fld>
             <a:endParaRPr lang="en-US" dirty="0"/>
           </a:p>
@@ -16394,7 +16396,7 @@
           <a:p>
             <a:fld id="{AE503A1F-880E-4E32-853C-C6E0255D1161}" type="datetime2">
               <a:rPr lang="en-US" altLang="zh-CN" smtClean="0"/>
-              <a:t>Tuesday, November 28, 2023</a:t>
+              <a:t>Tuesday, December 5, 2023</a:t>
             </a:fld>
             <a:endParaRPr lang="en-US" dirty="0"/>
           </a:p>
@@ -16549,7 +16551,7 @@
           <a:p>
             <a:fld id="{C3438D52-E9E4-46FF-A4D3-F7679275C909}" type="datetime2">
               <a:rPr lang="en-US" altLang="zh-CN" smtClean="0"/>
-              <a:t>Tuesday, November 28, 2023</a:t>
+              <a:t>Tuesday, December 5, 2023</a:t>
             </a:fld>
             <a:endParaRPr lang="en-US" dirty="0"/>
           </a:p>
@@ -17000,7 +17002,7 @@
           <a:p>
             <a:fld id="{9C374B08-6258-4EED-8BE8-4E0AF61A3600}" type="datetime2">
               <a:rPr lang="en-US" altLang="zh-CN" smtClean="0"/>
-              <a:t>Tuesday, November 28, 2023</a:t>
+              <a:t>Tuesday, December 5, 2023</a:t>
             </a:fld>
             <a:endParaRPr lang="en-US" dirty="0"/>
           </a:p>
@@ -17846,7 +17848,7 @@
           <a:p>
             <a:fld id="{D26B74AE-47AB-4757-BCF2-49AF53191564}" type="datetime2">
               <a:rPr lang="en-US" altLang="zh-CN" smtClean="0"/>
-              <a:t>Tuesday, November 28, 2023</a:t>
+              <a:t>Tuesday, December 5, 2023</a:t>
             </a:fld>
             <a:endParaRPr lang="en-US" dirty="0"/>
           </a:p>
@@ -18175,7 +18177,7 @@
           <a:p>
             <a:fld id="{A02688F3-E544-436D-9043-E5C459751A9D}" type="datetime2">
               <a:rPr lang="en-US" altLang="zh-CN" smtClean="0"/>
-              <a:t>Tuesday, November 28, 2023</a:t>
+              <a:t>Tuesday, December 5, 2023</a:t>
             </a:fld>
             <a:endParaRPr lang="en-US" dirty="0"/>
           </a:p>
@@ -19048,7 +19050,7 @@
           <a:p>
             <a:fld id="{A7959756-58A0-488F-94EE-2822D7C42B55}" type="datetime2">
               <a:rPr lang="en-US" altLang="zh-CN" smtClean="0"/>
-              <a:t>Tuesday, November 28, 2023</a:t>
+              <a:t>Tuesday, December 5, 2023</a:t>
             </a:fld>
             <a:endParaRPr lang="en-US" dirty="0"/>
           </a:p>
@@ -19834,7 +19836,7 @@
           <a:p>
             <a:fld id="{5A640763-96C5-44E4-A979-9C62B793A665}" type="datetime2">
               <a:rPr lang="en-US" altLang="zh-CN" smtClean="0"/>
-              <a:t>Tuesday, November 28, 2023</a:t>
+              <a:t>Tuesday, December 5, 2023</a:t>
             </a:fld>
             <a:endParaRPr lang="en-US" dirty="0"/>
           </a:p>
@@ -20347,7 +20349,7 @@
           <a:p>
             <a:fld id="{5AB32416-6ADA-4293-BC8C-CB9C3A16C4E0}" type="datetime2">
               <a:rPr lang="en-US" altLang="zh-CN" smtClean="0"/>
-              <a:t>Tuesday, November 28, 2023</a:t>
+              <a:t>Tuesday, December 5, 2023</a:t>
             </a:fld>
             <a:endParaRPr lang="en-US" dirty="0"/>
           </a:p>
@@ -20502,7 +20504,7 @@
           <a:p>
             <a:fld id="{518DD105-C958-46E2-9073-D994991209C9}" type="datetime2">
               <a:rPr lang="en-US" altLang="zh-CN" smtClean="0"/>
-              <a:t>Tuesday, November 28, 2023</a:t>
+              <a:t>Tuesday, December 5, 2023</a:t>
             </a:fld>
             <a:endParaRPr lang="en-US" dirty="0"/>
           </a:p>
@@ -20873,7 +20875,7 @@
           <a:p>
             <a:fld id="{645FA6F8-7AF1-4AE1-B12F-44E5EB3F4DAA}" type="datetime2">
               <a:rPr lang="en-US" altLang="zh-CN" smtClean="0"/>
-              <a:t>Tuesday, November 28, 2023</a:t>
+              <a:t>Tuesday, December 5, 2023</a:t>
             </a:fld>
             <a:endParaRPr lang="en-US" dirty="0"/>
           </a:p>
@@ -21175,7 +21177,7 @@
           <a:p>
             <a:fld id="{0BC61FCC-6412-4E22-B85F-F72C0920CA91}" type="datetime2">
               <a:rPr lang="en-US" altLang="zh-CN" smtClean="0"/>
-              <a:t>Tuesday, November 28, 2023</a:t>
+              <a:t>Tuesday, December 5, 2023</a:t>
             </a:fld>
             <a:endParaRPr lang="en-US" dirty="0"/>
           </a:p>
@@ -21750,7 +21752,7 @@
           <a:p>
             <a:fld id="{960718B3-B82E-4EC7-87FB-4F1033D532CC}" type="datetime2">
               <a:rPr lang="en-US" altLang="zh-CN" smtClean="0"/>
-              <a:t>Tuesday, November 28, 2023</a:t>
+              <a:t>Tuesday, December 5, 2023</a:t>
             </a:fld>
             <a:endParaRPr lang="en-US" dirty="0"/>
           </a:p>
@@ -22410,7 +22412,7 @@
           <a:p>
             <a:fld id="{C98F11B9-1AAF-47F3-9D34-A9317C50C62F}" type="datetime2">
               <a:rPr lang="en-US" altLang="zh-CN" smtClean="0"/>
-              <a:t>Tuesday, November 28, 2023</a:t>
+              <a:t>Tuesday, December 5, 2023</a:t>
             </a:fld>
             <a:endParaRPr lang="en-US" dirty="0"/>
           </a:p>
@@ -23829,7 +23831,7 @@
           <a:p>
             <a:fld id="{7A4372DE-4919-4B11-81BD-5A63526C220A}" type="datetime2">
               <a:rPr lang="en-US" altLang="zh-CN" smtClean="0"/>
-              <a:t>Tuesday, November 28, 2023</a:t>
+              <a:t>Tuesday, December 5, 2023</a:t>
             </a:fld>
             <a:endParaRPr lang="en-US" dirty="0"/>
           </a:p>
@@ -24624,7 +24626,7 @@
           <a:p>
             <a:fld id="{B719E099-0212-4082-89FA-C8F21D9DAF84}" type="datetime2">
               <a:rPr lang="en-US" altLang="zh-CN" smtClean="0"/>
-              <a:t>Tuesday, November 28, 2023</a:t>
+              <a:t>Tuesday, December 5, 2023</a:t>
             </a:fld>
             <a:endParaRPr lang="en-US" dirty="0"/>
           </a:p>
@@ -25991,7 +25993,7 @@
           <a:p>
             <a:fld id="{B9C14B13-0BC0-43D8-A9C4-AFEE37688083}" type="datetime2">
               <a:rPr lang="en-US" altLang="zh-CN" smtClean="0"/>
-              <a:t>Tuesday, November 28, 2023</a:t>
+              <a:t>Tuesday, December 5, 2023</a:t>
             </a:fld>
             <a:endParaRPr lang="en-US" dirty="0"/>
           </a:p>
@@ -26543,7 +26545,7 @@
             </a:r>
             <a:r>
               <a:rPr lang="zh-CN" altLang="en-US" sz="5400" dirty="0"/>
-              <a:t>花腔星云</a:t>
+              <a:t>花卉培育</a:t>
             </a:r>
           </a:p>
         </p:txBody>
@@ -26571,7 +26573,7 @@
           <a:p>
             <a:fld id="{9AC3B265-EB6B-42CF-9B04-A65B0439A0FC}" type="datetime2">
               <a:rPr lang="en-US" altLang="zh-CN" smtClean="0"/>
-              <a:t>Tuesday, November 28, 2023</a:t>
+              <a:t>Tuesday, December 5, 2023</a:t>
             </a:fld>
             <a:endParaRPr lang="en-US" dirty="0"/>
           </a:p>
@@ -26698,8 +26700,8 @@
           </a:p>
         </p:txBody>
       </p:sp>
-      <mc:AlternateContent xmlns:mc="http://schemas.openxmlformats.org/markup-compatibility/2006" xmlns:a14="http://schemas.microsoft.com/office/drawing/2010/main">
-        <mc:Choice Requires="a14">
+      <mc:AlternateContent xmlns:mc="http://schemas.openxmlformats.org/markup-compatibility/2006">
+        <mc:Choice xmlns:a14="http://schemas.microsoft.com/office/drawing/2010/main" Requires="a14">
           <p:sp>
             <p:nvSpPr>
               <p:cNvPr id="5" name="内容占位符 4">
@@ -26723,26 +26725,81 @@
               </a:bodyPr>
               <a:lstStyle/>
               <a:p>
+                <a:pPr marL="0" indent="0">
+                  <a:buNone/>
+                </a:pPr>
                 <a:r>
                   <a:rPr lang="zh-CN" altLang="en-US" sz="2400" dirty="0"/>
-                  <a:t>给定 </a:t>
+                  <a:t>构造序列 </a:t>
+                </a:r>
+                <a14:m>
+                  <m:oMath xmlns:m="http://schemas.openxmlformats.org/officeDocument/2006/math">
+                    <m:sSub>
+                      <m:sSubPr>
+                        <m:ctrlPr>
+                          <a:rPr lang="en-US" altLang="zh-CN" sz="2400" i="1" dirty="0" err="1" smtClean="0">
+                            <a:latin typeface="Cambria Math" panose="02040503050406030204" pitchFamily="18" charset="0"/>
+                          </a:rPr>
+                        </m:ctrlPr>
+                      </m:sSubPr>
+                      <m:e>
+                        <m:r>
+                          <a:rPr lang="en-US" altLang="zh-CN" sz="2400" i="1" dirty="0" err="1" smtClean="0">
+                            <a:latin typeface="Cambria Math" panose="02040503050406030204" pitchFamily="18" charset="0"/>
+                          </a:rPr>
+                          <m:t>𝑎</m:t>
+                        </m:r>
+                      </m:e>
+                      <m:sub>
+                        <m:r>
+                          <a:rPr lang="en-US" altLang="zh-CN" sz="2400" b="0" i="1" dirty="0" smtClean="0">
+                            <a:latin typeface="Cambria Math" panose="02040503050406030204" pitchFamily="18" charset="0"/>
+                          </a:rPr>
+                          <m:t>𝑖</m:t>
+                        </m:r>
+                      </m:sub>
+                    </m:sSub>
+                  </m:oMath>
+                </a14:m>
+                <a:r>
+                  <a:rPr lang="zh-CN" altLang="en-US" sz="2400" dirty="0"/>
+                  <a:t> 使得其满足条件，或判断无解：</a:t>
+                </a:r>
+                <a:endParaRPr lang="en-US" altLang="zh-CN" sz="2400" dirty="0"/>
+              </a:p>
+              <a:p>
+                <a:r>
+                  <a:rPr lang="zh-CN" altLang="en-US" sz="2400" dirty="0"/>
+                  <a:t>对每个 </a:t>
                 </a:r>
                 <a14:m>
                   <m:oMath xmlns:m="http://schemas.openxmlformats.org/officeDocument/2006/math">
                     <m:r>
-                      <a:rPr lang="en-US" altLang="zh-CN" sz="2400" i="1">
+                      <a:rPr lang="en-US" altLang="zh-CN" sz="2400" b="0" i="0" dirty="0" smtClean="0">
                         <a:latin typeface="Cambria Math" panose="02040503050406030204" pitchFamily="18" charset="0"/>
                       </a:rPr>
-                      <m:t>𝑛</m:t>
+                      <m:t>1</m:t>
                     </m:r>
                     <m:r>
-                      <a:rPr lang="en-US" altLang="zh-CN" sz="2400" i="1">
+                      <a:rPr lang="en-US" altLang="zh-CN" sz="2400" i="1" dirty="0" smtClean="0">
                         <a:latin typeface="Cambria Math" panose="02040503050406030204" pitchFamily="18" charset="0"/>
                       </a:rPr>
-                      <m:t>, </m:t>
+                      <m:t>≤</m:t>
                     </m:r>
                     <m:r>
-                      <a:rPr lang="en-US" altLang="zh-CN" sz="2400" i="1">
+                      <a:rPr lang="en-US" altLang="zh-CN" sz="2400" b="0" i="1" dirty="0" smtClean="0">
+                        <a:latin typeface="Cambria Math" panose="02040503050406030204" pitchFamily="18" charset="0"/>
+                      </a:rPr>
+                      <m:t>𝑗</m:t>
+                    </m:r>
+                    <m:r>
+                      <a:rPr lang="en-US" altLang="zh-CN" sz="2400" i="1" dirty="0" smtClean="0">
+                        <a:latin typeface="Cambria Math" panose="02040503050406030204" pitchFamily="18" charset="0"/>
+                      </a:rPr>
+                      <m:t>≤</m:t>
+                    </m:r>
+                    <m:r>
+                      <a:rPr lang="en-US" altLang="zh-CN" sz="2400" i="1" dirty="0" smtClean="0">
                         <a:latin typeface="Cambria Math" panose="02040503050406030204" pitchFamily="18" charset="0"/>
                       </a:rPr>
                       <m:t>𝑞</m:t>
@@ -26751,122 +26808,185 @@
                 </a14:m>
                 <a:r>
                   <a:rPr lang="zh-CN" altLang="en-US" sz="2400" dirty="0"/>
-                  <a:t>，和 </a:t>
-                </a:r>
-                <a14:m>
-                  <m:oMath xmlns:m="http://schemas.openxmlformats.org/officeDocument/2006/math">
-                    <m:r>
-                      <a:rPr lang="en-US" altLang="zh-CN" sz="2400" i="1">
-                        <a:latin typeface="Cambria Math" panose="02040503050406030204" pitchFamily="18" charset="0"/>
-                      </a:rPr>
-                      <m:t>𝑞</m:t>
-                    </m:r>
-                  </m:oMath>
-                </a14:m>
-                <a:r>
-                  <a:rPr lang="zh-CN" altLang="en-US" sz="2400" dirty="0"/>
-                  <a:t> 个三元组 </a:t>
+                  <a:t>，</a:t>
                 </a:r>
                 <a14:m>
                   <m:oMath xmlns:m="http://schemas.openxmlformats.org/officeDocument/2006/math">
                     <m:d>
                       <m:dPr>
                         <m:ctrlPr>
-                          <a:rPr lang="en-US" altLang="zh-CN" sz="2400" i="1">
+                          <a:rPr lang="en-US" altLang="zh-CN" sz="2400" b="0" i="0" dirty="0" smtClean="0">
                             <a:latin typeface="Cambria Math" panose="02040503050406030204" pitchFamily="18" charset="0"/>
                           </a:rPr>
                         </m:ctrlPr>
                       </m:dPr>
                       <m:e>
-                        <m:sSub>
-                          <m:sSubPr>
+                        <m:nary>
+                          <m:naryPr>
+                            <m:chr m:val="∏"/>
                             <m:ctrlPr>
-                              <a:rPr lang="en-US" altLang="zh-CN" sz="2400" i="1">
+                              <a:rPr lang="zh-CN" altLang="en-US" sz="2400" i="1" dirty="0">
                                 <a:latin typeface="Cambria Math" panose="02040503050406030204" pitchFamily="18" charset="0"/>
                               </a:rPr>
                             </m:ctrlPr>
-                          </m:sSubPr>
-                          <m:e>
-                            <m:r>
-                              <a:rPr lang="en-US" altLang="zh-CN" sz="2400" i="1">
-                                <a:latin typeface="Cambria Math" panose="02040503050406030204" pitchFamily="18" charset="0"/>
-                              </a:rPr>
-                              <m:t>𝑙</m:t>
-                            </m:r>
-                          </m:e>
+                          </m:naryPr>
                           <m:sub>
                             <m:r>
-                              <a:rPr lang="en-US" altLang="zh-CN" sz="2400" i="1">
+                              <m:rPr>
+                                <m:brk m:alnAt="23"/>
+                              </m:rPr>
+                              <a:rPr lang="en-US" altLang="zh-CN" sz="2400" i="1" dirty="0">
                                 <a:latin typeface="Cambria Math" panose="02040503050406030204" pitchFamily="18" charset="0"/>
                               </a:rPr>
                               <m:t>𝑖</m:t>
                             </m:r>
+                            <m:r>
+                              <a:rPr lang="en-US" altLang="zh-CN" sz="2400" i="1" dirty="0">
+                                <a:latin typeface="Cambria Math" panose="02040503050406030204" pitchFamily="18" charset="0"/>
+                              </a:rPr>
+                              <m:t>=</m:t>
+                            </m:r>
+                            <m:sSub>
+                              <m:sSubPr>
+                                <m:ctrlPr>
+                                  <a:rPr lang="en-US" altLang="zh-CN" sz="2400" i="1" dirty="0">
+                                    <a:latin typeface="Cambria Math" panose="02040503050406030204" pitchFamily="18" charset="0"/>
+                                  </a:rPr>
+                                </m:ctrlPr>
+                              </m:sSubPr>
+                              <m:e>
+                                <m:r>
+                                  <m:rPr>
+                                    <m:brk m:alnAt="23"/>
+                                  </m:rPr>
+                                  <a:rPr lang="en-US" altLang="zh-CN" sz="2400" i="1" dirty="0">
+                                    <a:latin typeface="Cambria Math" panose="02040503050406030204" pitchFamily="18" charset="0"/>
+                                  </a:rPr>
+                                  <m:t>𝑙</m:t>
+                                </m:r>
+                              </m:e>
+                              <m:sub>
+                                <m:r>
+                                  <m:rPr>
+                                    <m:brk m:alnAt="23"/>
+                                  </m:rPr>
+                                  <a:rPr lang="en-US" altLang="zh-CN" sz="2400" i="1" dirty="0">
+                                    <a:latin typeface="Cambria Math" panose="02040503050406030204" pitchFamily="18" charset="0"/>
+                                  </a:rPr>
+                                  <m:t>𝑗</m:t>
+                                </m:r>
+                              </m:sub>
+                            </m:sSub>
                           </m:sub>
-                        </m:sSub>
-                        <m:r>
-                          <a:rPr lang="en-US" altLang="zh-CN" sz="2400" i="1">
+                          <m:sup>
+                            <m:sSub>
+                              <m:sSubPr>
+                                <m:ctrlPr>
+                                  <a:rPr lang="en-US" altLang="zh-CN" sz="2400" i="1" dirty="0">
+                                    <a:latin typeface="Cambria Math" panose="02040503050406030204" pitchFamily="18" charset="0"/>
+                                  </a:rPr>
+                                </m:ctrlPr>
+                              </m:sSubPr>
+                              <m:e>
+                                <m:r>
+                                  <a:rPr lang="en-US" altLang="zh-CN" sz="2400" i="1" dirty="0">
+                                    <a:latin typeface="Cambria Math" panose="02040503050406030204" pitchFamily="18" charset="0"/>
+                                  </a:rPr>
+                                  <m:t>𝑟</m:t>
+                                </m:r>
+                              </m:e>
+                              <m:sub>
+                                <m:r>
+                                  <a:rPr lang="en-US" altLang="zh-CN" sz="2400" i="1" dirty="0">
+                                    <a:latin typeface="Cambria Math" panose="02040503050406030204" pitchFamily="18" charset="0"/>
+                                  </a:rPr>
+                                  <m:t>𝑗</m:t>
+                                </m:r>
+                              </m:sub>
+                            </m:sSub>
+                          </m:sup>
+                          <m:e>
+                            <m:sSub>
+                              <m:sSubPr>
+                                <m:ctrlPr>
+                                  <a:rPr lang="en-US" altLang="zh-CN" sz="2400" i="1" dirty="0">
+                                    <a:latin typeface="Cambria Math" panose="02040503050406030204" pitchFamily="18" charset="0"/>
+                                  </a:rPr>
+                                </m:ctrlPr>
+                              </m:sSubPr>
+                              <m:e>
+                                <m:r>
+                                  <a:rPr lang="en-US" altLang="zh-CN" sz="2400" i="1" dirty="0">
+                                    <a:latin typeface="Cambria Math" panose="02040503050406030204" pitchFamily="18" charset="0"/>
+                                  </a:rPr>
+                                  <m:t>𝑎</m:t>
+                                </m:r>
+                              </m:e>
+                              <m:sub>
+                                <m:r>
+                                  <a:rPr lang="en-US" altLang="zh-CN" sz="2400" i="1" dirty="0">
+                                    <a:latin typeface="Cambria Math" panose="02040503050406030204" pitchFamily="18" charset="0"/>
+                                  </a:rPr>
+                                  <m:t>𝑖</m:t>
+                                </m:r>
+                              </m:sub>
+                            </m:sSub>
+                          </m:e>
+                        </m:nary>
+                      </m:e>
+                    </m:d>
+                    <m:r>
+                      <a:rPr lang="en-US" altLang="zh-CN" sz="2400" b="0" i="1" dirty="0" smtClean="0">
+                        <a:latin typeface="Cambria Math" panose="02040503050406030204" pitchFamily="18" charset="0"/>
+                      </a:rPr>
+                      <m:t> </m:t>
+                    </m:r>
+                    <m:r>
+                      <m:rPr>
+                        <m:sty m:val="p"/>
+                      </m:rPr>
+                      <a:rPr lang="en-US" altLang="zh-CN" sz="2400" b="0" i="0" dirty="0" smtClean="0">
+                        <a:latin typeface="Cambria Math" panose="02040503050406030204" pitchFamily="18" charset="0"/>
+                      </a:rPr>
+                      <m:t>mod</m:t>
+                    </m:r>
+                    <m:r>
+                      <a:rPr lang="en-US" altLang="zh-CN" sz="2400" b="0" i="0" dirty="0" smtClean="0">
+                        <a:latin typeface="Cambria Math" panose="02040503050406030204" pitchFamily="18" charset="0"/>
+                      </a:rPr>
+                      <m:t> 3=</m:t>
+                    </m:r>
+                    <m:sSub>
+                      <m:sSubPr>
+                        <m:ctrlPr>
+                          <a:rPr lang="en-US" altLang="zh-CN" sz="2400" b="0" i="0" dirty="0" smtClean="0">
                             <a:latin typeface="Cambria Math" panose="02040503050406030204" pitchFamily="18" charset="0"/>
                           </a:rPr>
-                          <m:t>, </m:t>
-                        </m:r>
-                        <m:sSub>
-                          <m:sSubPr>
-                            <m:ctrlPr>
-                              <a:rPr lang="en-US" altLang="zh-CN" sz="2400" i="1">
-                                <a:latin typeface="Cambria Math" panose="02040503050406030204" pitchFamily="18" charset="0"/>
-                              </a:rPr>
-                            </m:ctrlPr>
-                          </m:sSubPr>
-                          <m:e>
-                            <m:r>
-                              <a:rPr lang="en-US" altLang="zh-CN" sz="2400" i="1">
-                                <a:latin typeface="Cambria Math" panose="02040503050406030204" pitchFamily="18" charset="0"/>
-                              </a:rPr>
-                              <m:t>𝑟</m:t>
-                            </m:r>
-                          </m:e>
-                          <m:sub>
-                            <m:r>
-                              <a:rPr lang="en-US" altLang="zh-CN" sz="2400" i="1">
-                                <a:latin typeface="Cambria Math" panose="02040503050406030204" pitchFamily="18" charset="0"/>
-                              </a:rPr>
-                              <m:t>𝑖</m:t>
-                            </m:r>
-                          </m:sub>
-                        </m:sSub>
+                        </m:ctrlPr>
+                      </m:sSubPr>
+                      <m:e>
                         <m:r>
-                          <a:rPr lang="en-US" altLang="zh-CN" sz="2400" i="1">
+                          <m:rPr>
+                            <m:sty m:val="p"/>
+                          </m:rPr>
+                          <a:rPr lang="en-US" altLang="zh-CN" sz="2400" b="0" i="0" dirty="0" smtClean="0">
                             <a:latin typeface="Cambria Math" panose="02040503050406030204" pitchFamily="18" charset="0"/>
                           </a:rPr>
-                          <m:t>, </m:t>
+                          <m:t>v</m:t>
                         </m:r>
-                        <m:sSub>
-                          <m:sSubPr>
-                            <m:ctrlPr>
-                              <a:rPr lang="en-US" altLang="zh-CN" sz="2400" i="1">
-                                <a:latin typeface="Cambria Math" panose="02040503050406030204" pitchFamily="18" charset="0"/>
-                              </a:rPr>
-                            </m:ctrlPr>
-                          </m:sSubPr>
-                          <m:e>
-                            <m:r>
-                              <a:rPr lang="en-US" altLang="zh-CN" sz="2400" i="1">
-                                <a:latin typeface="Cambria Math" panose="02040503050406030204" pitchFamily="18" charset="0"/>
-                              </a:rPr>
-                              <m:t>𝑣</m:t>
-                            </m:r>
-                          </m:e>
-                          <m:sub>
-                            <m:r>
-                              <a:rPr lang="en-US" altLang="zh-CN" sz="2400" i="1">
-                                <a:latin typeface="Cambria Math" panose="02040503050406030204" pitchFamily="18" charset="0"/>
-                              </a:rPr>
-                              <m:t>𝑖</m:t>
-                            </m:r>
-                          </m:sub>
-                        </m:sSub>
                       </m:e>
-                    </m:d>
+                      <m:sub>
+                        <m:r>
+                          <m:rPr>
+                            <m:sty m:val="p"/>
+                          </m:rPr>
+                          <a:rPr lang="en-US" altLang="zh-CN" sz="2400" b="0" i="0" dirty="0" smtClean="0">
+                            <a:latin typeface="Cambria Math" panose="02040503050406030204" pitchFamily="18" charset="0"/>
+                          </a:rPr>
+                          <m:t>j</m:t>
+                        </m:r>
+                      </m:sub>
+                    </m:sSub>
                   </m:oMath>
                 </a14:m>
                 <a:r>
@@ -26876,274 +26996,9 @@
                 <a:endParaRPr lang="en-US" altLang="zh-CN" sz="2400" dirty="0"/>
               </a:p>
               <a:p>
-                <a:r>
-                  <a:rPr lang="zh-CN" altLang="en-US" sz="2400" dirty="0"/>
-                  <a:t>构造长度为 </a:t>
-                </a:r>
-                <a14:m>
-                  <m:oMath xmlns:m="http://schemas.openxmlformats.org/officeDocument/2006/math">
-                    <m:r>
-                      <a:rPr lang="en-US" altLang="zh-CN" sz="2400" i="1">
-                        <a:latin typeface="Cambria Math" panose="02040503050406030204" pitchFamily="18" charset="0"/>
-                      </a:rPr>
-                      <m:t>𝑛</m:t>
-                    </m:r>
-                  </m:oMath>
-                </a14:m>
-                <a:r>
-                  <a:rPr lang="zh-CN" altLang="en-US" sz="2400" dirty="0"/>
-                  <a:t> 且值域为 </a:t>
-                </a:r>
-                <a14:m>
-                  <m:oMath xmlns:m="http://schemas.openxmlformats.org/officeDocument/2006/math">
-                    <m:d>
-                      <m:dPr>
-                        <m:begChr m:val="{"/>
-                        <m:endChr m:val="}"/>
-                        <m:ctrlPr>
-                          <a:rPr lang="en-US" altLang="zh-CN" sz="2400" i="1">
-                            <a:latin typeface="Cambria Math" panose="02040503050406030204" pitchFamily="18" charset="0"/>
-                          </a:rPr>
-                        </m:ctrlPr>
-                      </m:dPr>
-                      <m:e>
-                        <m:r>
-                          <a:rPr lang="en-US" altLang="zh-CN" sz="2400" i="1">
-                            <a:latin typeface="Cambria Math" panose="02040503050406030204" pitchFamily="18" charset="0"/>
-                          </a:rPr>
-                          <m:t>1, 2, 3</m:t>
-                        </m:r>
-                      </m:e>
-                    </m:d>
-                  </m:oMath>
-                </a14:m>
-                <a:r>
-                  <a:rPr lang="zh-CN" altLang="en-US" sz="2400" dirty="0"/>
-                  <a:t> 的序列，使得 </a:t>
-                </a:r>
-                <a14:m>
-                  <m:oMath xmlns:m="http://schemas.openxmlformats.org/officeDocument/2006/math">
-                    <m:r>
-                      <a:rPr lang="en-US" altLang="zh-CN" sz="2400" i="1">
-                        <a:latin typeface="Cambria Math" panose="02040503050406030204" pitchFamily="18" charset="0"/>
-                      </a:rPr>
-                      <m:t>∀</m:t>
-                    </m:r>
-                    <m:r>
-                      <a:rPr lang="en-US" altLang="zh-CN" sz="2400" i="1">
-                        <a:latin typeface="Cambria Math" panose="02040503050406030204" pitchFamily="18" charset="0"/>
-                      </a:rPr>
-                      <m:t>𝑖</m:t>
-                    </m:r>
-                  </m:oMath>
-                </a14:m>
-                <a:r>
-                  <a:rPr lang="zh-CN" altLang="en-US" sz="2400" dirty="0"/>
-                  <a:t>：</a:t>
-                </a:r>
-                <a:endParaRPr lang="en-US" altLang="zh-CN" sz="2400" dirty="0"/>
-              </a:p>
-              <a:p>
-                <a:endParaRPr lang="en-US" altLang="zh-CN" sz="2400" dirty="0"/>
-              </a:p>
-              <a:p>
-                <a:pPr marL="0" indent="0" algn="ctr">
+                <a:pPr marL="0" indent="0">
                   <a:buNone/>
                 </a:pPr>
-                <a14:m>
-                  <m:oMathPara xmlns:m="http://schemas.openxmlformats.org/officeDocument/2006/math">
-                    <m:oMathParaPr>
-                      <m:jc m:val="centerGroup"/>
-                    </m:oMathParaPr>
-                    <m:oMath xmlns:m="http://schemas.openxmlformats.org/officeDocument/2006/math">
-                      <m:d>
-                        <m:dPr>
-                          <m:ctrlPr>
-                            <a:rPr lang="en-US" altLang="zh-CN" sz="2400" i="1">
-                              <a:latin typeface="Cambria Math" panose="02040503050406030204" pitchFamily="18" charset="0"/>
-                            </a:rPr>
-                          </m:ctrlPr>
-                        </m:dPr>
-                        <m:e>
-                          <m:nary>
-                            <m:naryPr>
-                              <m:chr m:val="∏"/>
-                              <m:ctrlPr>
-                                <a:rPr lang="en-US" altLang="zh-CN" sz="2400" i="1">
-                                  <a:latin typeface="Cambria Math" panose="02040503050406030204" pitchFamily="18" charset="0"/>
-                                </a:rPr>
-                              </m:ctrlPr>
-                            </m:naryPr>
-                            <m:sub>
-                              <m:r>
-                                <m:rPr>
-                                  <m:brk m:alnAt="23"/>
-                                </m:rPr>
-                                <a:rPr lang="en-US" altLang="zh-CN" sz="2400" i="1">
-                                  <a:latin typeface="Cambria Math" panose="02040503050406030204" pitchFamily="18" charset="0"/>
-                                </a:rPr>
-                                <m:t>𝑗</m:t>
-                              </m:r>
-                              <m:r>
-                                <a:rPr lang="en-US" altLang="zh-CN" sz="2400" i="1">
-                                  <a:latin typeface="Cambria Math" panose="02040503050406030204" pitchFamily="18" charset="0"/>
-                                </a:rPr>
-                                <m:t>=</m:t>
-                              </m:r>
-                              <m:sSub>
-                                <m:sSubPr>
-                                  <m:ctrlPr>
-                                    <a:rPr lang="en-US" altLang="zh-CN" sz="2400" i="1">
-                                      <a:latin typeface="Cambria Math" panose="02040503050406030204" pitchFamily="18" charset="0"/>
-                                    </a:rPr>
-                                  </m:ctrlPr>
-                                </m:sSubPr>
-                                <m:e>
-                                  <m:r>
-                                    <m:rPr>
-                                      <m:brk m:alnAt="23"/>
-                                    </m:rPr>
-                                    <a:rPr lang="en-US" altLang="zh-CN" sz="2400" i="1">
-                                      <a:latin typeface="Cambria Math" panose="02040503050406030204" pitchFamily="18" charset="0"/>
-                                    </a:rPr>
-                                    <m:t>𝑙</m:t>
-                                  </m:r>
-                                </m:e>
-                                <m:sub>
-                                  <m:r>
-                                    <m:rPr>
-                                      <m:brk m:alnAt="23"/>
-                                    </m:rPr>
-                                    <a:rPr lang="en-US" altLang="zh-CN" sz="2400" i="1">
-                                      <a:latin typeface="Cambria Math" panose="02040503050406030204" pitchFamily="18" charset="0"/>
-                                    </a:rPr>
-                                    <m:t>𝑖</m:t>
-                                  </m:r>
-                                </m:sub>
-                              </m:sSub>
-                            </m:sub>
-                            <m:sup>
-                              <m:sSub>
-                                <m:sSubPr>
-                                  <m:ctrlPr>
-                                    <a:rPr lang="en-US" altLang="zh-CN" sz="2400" i="1">
-                                      <a:latin typeface="Cambria Math" panose="02040503050406030204" pitchFamily="18" charset="0"/>
-                                    </a:rPr>
-                                  </m:ctrlPr>
-                                </m:sSubPr>
-                                <m:e>
-                                  <m:r>
-                                    <a:rPr lang="en-US" altLang="zh-CN" sz="2400" i="1">
-                                      <a:latin typeface="Cambria Math" panose="02040503050406030204" pitchFamily="18" charset="0"/>
-                                    </a:rPr>
-                                    <m:t>𝑟</m:t>
-                                  </m:r>
-                                </m:e>
-                                <m:sub>
-                                  <m:r>
-                                    <a:rPr lang="en-US" altLang="zh-CN" sz="2400" i="1">
-                                      <a:latin typeface="Cambria Math" panose="02040503050406030204" pitchFamily="18" charset="0"/>
-                                    </a:rPr>
-                                    <m:t>𝑖</m:t>
-                                  </m:r>
-                                </m:sub>
-                              </m:sSub>
-                            </m:sup>
-                            <m:e>
-                              <m:sSub>
-                                <m:sSubPr>
-                                  <m:ctrlPr>
-                                    <a:rPr lang="en-US" altLang="zh-CN" sz="2400" i="1">
-                                      <a:latin typeface="Cambria Math" panose="02040503050406030204" pitchFamily="18" charset="0"/>
-                                    </a:rPr>
-                                  </m:ctrlPr>
-                                </m:sSubPr>
-                                <m:e>
-                                  <m:r>
-                                    <a:rPr lang="en-US" altLang="zh-CN" sz="2400" i="1">
-                                      <a:latin typeface="Cambria Math" panose="02040503050406030204" pitchFamily="18" charset="0"/>
-                                    </a:rPr>
-                                    <m:t>𝑎</m:t>
-                                  </m:r>
-                                </m:e>
-                                <m:sub>
-                                  <m:r>
-                                    <a:rPr lang="en-US" altLang="zh-CN" sz="2400" i="1">
-                                      <a:latin typeface="Cambria Math" panose="02040503050406030204" pitchFamily="18" charset="0"/>
-                                    </a:rPr>
-                                    <m:t>𝑖</m:t>
-                                  </m:r>
-                                </m:sub>
-                              </m:sSub>
-                            </m:e>
-                          </m:nary>
-                        </m:e>
-                      </m:d>
-                      <m:r>
-                        <a:rPr lang="en-US" altLang="zh-CN" sz="2400" i="1">
-                          <a:latin typeface="Cambria Math" panose="02040503050406030204" pitchFamily="18" charset="0"/>
-                        </a:rPr>
-                        <m:t> </m:t>
-                      </m:r>
-                      <m:r>
-                        <m:rPr>
-                          <m:sty m:val="p"/>
-                        </m:rPr>
-                        <a:rPr lang="en-US" altLang="zh-CN" sz="2400">
-                          <a:latin typeface="Cambria Math" panose="02040503050406030204" pitchFamily="18" charset="0"/>
-                        </a:rPr>
-                        <m:t>mod</m:t>
-                      </m:r>
-                      <m:r>
-                        <a:rPr lang="en-US" altLang="zh-CN" sz="2400">
-                          <a:latin typeface="Cambria Math" panose="02040503050406030204" pitchFamily="18" charset="0"/>
-                        </a:rPr>
-                        <m:t> </m:t>
-                      </m:r>
-                      <m:r>
-                        <a:rPr lang="en-US" altLang="zh-CN" sz="2400" i="1">
-                          <a:latin typeface="Cambria Math" panose="02040503050406030204" pitchFamily="18" charset="0"/>
-                        </a:rPr>
-                        <m:t>4=</m:t>
-                      </m:r>
-                      <m:sSub>
-                        <m:sSubPr>
-                          <m:ctrlPr>
-                            <a:rPr lang="en-US" altLang="zh-CN" sz="2400" i="1">
-                              <a:latin typeface="Cambria Math" panose="02040503050406030204" pitchFamily="18" charset="0"/>
-                            </a:rPr>
-                          </m:ctrlPr>
-                        </m:sSubPr>
-                        <m:e>
-                          <m:r>
-                            <a:rPr lang="en-US" altLang="zh-CN" sz="2400" i="1">
-                              <a:latin typeface="Cambria Math" panose="02040503050406030204" pitchFamily="18" charset="0"/>
-                            </a:rPr>
-                            <m:t>𝑣</m:t>
-                          </m:r>
-                        </m:e>
-                        <m:sub>
-                          <m:r>
-                            <a:rPr lang="en-US" altLang="zh-CN" sz="2400" i="1">
-                              <a:latin typeface="Cambria Math" panose="02040503050406030204" pitchFamily="18" charset="0"/>
-                            </a:rPr>
-                            <m:t>𝑖</m:t>
-                          </m:r>
-                        </m:sub>
-                      </m:sSub>
-                    </m:oMath>
-                  </m:oMathPara>
-                </a14:m>
-                <a:endParaRPr lang="en-US" altLang="zh-CN" sz="2400" i="1" dirty="0"/>
-              </a:p>
-              <a:p>
-                <a:endParaRPr lang="en-US" altLang="zh-CN" sz="2400" dirty="0"/>
-              </a:p>
-              <a:p>
-                <a:r>
-                  <a:rPr lang="zh-CN" altLang="en-US" sz="2400" dirty="0"/>
-                  <a:t>保证有解。</a:t>
-                </a:r>
                 <a14:m>
                   <m:oMath xmlns:m="http://schemas.openxmlformats.org/officeDocument/2006/math">
                     <m:r>
@@ -27174,7 +27029,7 @@
                       <a:rPr lang="en-US" altLang="zh-CN" sz="2400" i="1">
                         <a:latin typeface="Cambria Math" panose="02040503050406030204" pitchFamily="18" charset="0"/>
                       </a:rPr>
-                      <m:t>≤2×</m:t>
+                      <m:t>≤3×</m:t>
                     </m:r>
                     <m:sSup>
                       <m:sSupPr>
@@ -27194,10 +27049,10 @@
                       </m:e>
                       <m:sup>
                         <m:r>
-                          <a:rPr lang="en-US" altLang="zh-CN" sz="2400" i="1">
+                          <a:rPr lang="en-US" altLang="zh-CN" sz="2400" b="0" i="1" smtClean="0">
                             <a:latin typeface="Cambria Math" panose="02040503050406030204" pitchFamily="18" charset="0"/>
                           </a:rPr>
-                          <m:t>4</m:t>
+                          <m:t>5</m:t>
                         </m:r>
                       </m:sup>
                     </m:sSup>
@@ -27211,7 +27066,7 @@
             </p:txBody>
           </p:sp>
         </mc:Choice>
-        <mc:Fallback xmlns="">
+        <mc:Fallback>
           <p:sp>
             <p:nvSpPr>
               <p:cNvPr id="5" name="内容占位符 4">
@@ -27232,7 +27087,7 @@
               <a:blipFill>
                 <a:blip r:embed="rId2"/>
                 <a:stretch>
-                  <a:fillRect l="-464" t="-1684"/>
+                  <a:fillRect l="-928" t="-2381"/>
                 </a:stretch>
               </a:blipFill>
             </p:spPr>
@@ -27274,7 +27129,7 @@
           <a:p>
             <a:fld id="{113C7600-EA15-482D-B5BB-106F7E1E95A4}" type="datetime2">
               <a:rPr lang="en-US" altLang="zh-CN" smtClean="0"/>
-              <a:t>Tuesday, November 28, 2023</a:t>
+              <a:t>Tuesday, December 5, 2023</a:t>
             </a:fld>
             <a:endParaRPr lang="en-US" dirty="0"/>
           </a:p>
@@ -27395,6 +27250,439 @@
           <a:p>
             <a:r>
               <a:rPr lang="zh-CN" altLang="en-US" dirty="0"/>
+              <a:t>观察 </a:t>
+            </a:r>
+            <a:r>
+              <a:rPr lang="en-US" altLang="zh-CN" dirty="0"/>
+              <a:t>1</a:t>
+            </a:r>
+            <a:endParaRPr lang="zh-CN" altLang="en-US" dirty="0"/>
+          </a:p>
+        </p:txBody>
+      </p:sp>
+      <mc:AlternateContent xmlns:mc="http://schemas.openxmlformats.org/markup-compatibility/2006">
+        <mc:Choice xmlns:a14="http://schemas.microsoft.com/office/drawing/2010/main" Requires="a14">
+          <p:sp>
+            <p:nvSpPr>
+              <p:cNvPr id="3" name="内容占位符 2">
+                <a:extLst>
+                  <a:ext uri="{FF2B5EF4-FFF2-40B4-BE49-F238E27FC236}">
+                    <a16:creationId xmlns:a16="http://schemas.microsoft.com/office/drawing/2014/main" id="{20F8BB65-9D58-B310-D7D0-D5C9283B3BCB}"/>
+                  </a:ext>
+                </a:extLst>
+              </p:cNvPr>
+              <p:cNvSpPr>
+                <a:spLocks noGrp="1"/>
+              </p:cNvSpPr>
+              <p:nvPr>
+                <p:ph idx="1"/>
+              </p:nvPr>
+            </p:nvSpPr>
+            <p:spPr/>
+            <p:txBody>
+              <a:bodyPr>
+                <a:normAutofit/>
+              </a:bodyPr>
+              <a:lstStyle/>
+              <a:p>
+                <a14:m>
+                  <m:oMath xmlns:m="http://schemas.openxmlformats.org/officeDocument/2006/math">
+                    <m:r>
+                      <a:rPr lang="en-US" altLang="zh-CN" sz="2400" b="0" i="1" smtClean="0">
+                        <a:latin typeface="Cambria Math" panose="02040503050406030204" pitchFamily="18" charset="0"/>
+                      </a:rPr>
+                      <m:t>0≤</m:t>
+                    </m:r>
+                    <m:sSub>
+                      <m:sSubPr>
+                        <m:ctrlPr>
+                          <a:rPr lang="en-US" altLang="zh-CN" sz="2400" b="0" i="1" smtClean="0">
+                            <a:latin typeface="Cambria Math" panose="02040503050406030204" pitchFamily="18" charset="0"/>
+                          </a:rPr>
+                        </m:ctrlPr>
+                      </m:sSubPr>
+                      <m:e>
+                        <m:r>
+                          <a:rPr lang="en-US" altLang="zh-CN" sz="2400" b="0" i="1" smtClean="0">
+                            <a:latin typeface="Cambria Math" panose="02040503050406030204" pitchFamily="18" charset="0"/>
+                          </a:rPr>
+                          <m:t>𝑎</m:t>
+                        </m:r>
+                      </m:e>
+                      <m:sub>
+                        <m:r>
+                          <a:rPr lang="en-US" altLang="zh-CN" sz="2400" b="0" i="1" smtClean="0">
+                            <a:latin typeface="Cambria Math" panose="02040503050406030204" pitchFamily="18" charset="0"/>
+                          </a:rPr>
+                          <m:t>𝑖</m:t>
+                        </m:r>
+                      </m:sub>
+                    </m:sSub>
+                    <m:r>
+                      <a:rPr lang="en-US" altLang="zh-CN" sz="2400" b="0" i="1" smtClean="0">
+                        <a:latin typeface="Cambria Math" panose="02040503050406030204" pitchFamily="18" charset="0"/>
+                      </a:rPr>
+                      <m:t>≤</m:t>
+                    </m:r>
+                    <m:sSup>
+                      <m:sSupPr>
+                        <m:ctrlPr>
+                          <a:rPr lang="en-US" altLang="zh-CN" sz="2400" b="0" i="1" smtClean="0">
+                            <a:latin typeface="Cambria Math" panose="02040503050406030204" pitchFamily="18" charset="0"/>
+                          </a:rPr>
+                        </m:ctrlPr>
+                      </m:sSupPr>
+                      <m:e>
+                        <m:r>
+                          <a:rPr lang="en-US" altLang="zh-CN" sz="2400" b="0" i="1" smtClean="0">
+                            <a:latin typeface="Cambria Math" panose="02040503050406030204" pitchFamily="18" charset="0"/>
+                          </a:rPr>
+                          <m:t>10</m:t>
+                        </m:r>
+                      </m:e>
+                      <m:sup>
+                        <m:r>
+                          <a:rPr lang="en-US" altLang="zh-CN" sz="2400" b="0" i="1" smtClean="0">
+                            <a:latin typeface="Cambria Math" panose="02040503050406030204" pitchFamily="18" charset="0"/>
+                          </a:rPr>
+                          <m:t>9</m:t>
+                        </m:r>
+                      </m:sup>
+                    </m:sSup>
+                  </m:oMath>
+                </a14:m>
+                <a:r>
+                  <a:rPr lang="en-US" altLang="zh-CN" sz="2400" dirty="0"/>
+                  <a:t> </a:t>
+                </a:r>
+                <a:r>
+                  <a:rPr lang="zh-CN" altLang="en-US" sz="2400" dirty="0"/>
+                  <a:t>等价于 </a:t>
+                </a:r>
+                <a14:m>
+                  <m:oMath xmlns:m="http://schemas.openxmlformats.org/officeDocument/2006/math">
+                    <m:r>
+                      <a:rPr lang="en-US" altLang="zh-CN" sz="2400" b="0" i="0" smtClean="0">
+                        <a:latin typeface="Cambria Math" panose="02040503050406030204" pitchFamily="18" charset="0"/>
+                      </a:rPr>
+                      <m:t>0</m:t>
+                    </m:r>
+                    <m:r>
+                      <a:rPr lang="en-US" altLang="zh-CN" sz="2400" b="0" i="1" smtClean="0">
+                        <a:latin typeface="Cambria Math" panose="02040503050406030204" pitchFamily="18" charset="0"/>
+                      </a:rPr>
+                      <m:t>≤</m:t>
+                    </m:r>
+                    <m:sSub>
+                      <m:sSubPr>
+                        <m:ctrlPr>
+                          <a:rPr lang="en-US" altLang="zh-CN" sz="2400" b="0" i="1" smtClean="0">
+                            <a:latin typeface="Cambria Math" panose="02040503050406030204" pitchFamily="18" charset="0"/>
+                          </a:rPr>
+                        </m:ctrlPr>
+                      </m:sSubPr>
+                      <m:e>
+                        <m:r>
+                          <a:rPr lang="en-US" altLang="zh-CN" sz="2400" b="0" i="1" smtClean="0">
+                            <a:latin typeface="Cambria Math" panose="02040503050406030204" pitchFamily="18" charset="0"/>
+                          </a:rPr>
+                          <m:t>𝑎</m:t>
+                        </m:r>
+                      </m:e>
+                      <m:sub>
+                        <m:r>
+                          <a:rPr lang="en-US" altLang="zh-CN" sz="2400" b="0" i="1" smtClean="0">
+                            <a:latin typeface="Cambria Math" panose="02040503050406030204" pitchFamily="18" charset="0"/>
+                          </a:rPr>
+                          <m:t>𝑖</m:t>
+                        </m:r>
+                      </m:sub>
+                    </m:sSub>
+                    <m:r>
+                      <a:rPr lang="en-US" altLang="zh-CN" sz="2400" b="0" i="1" smtClean="0">
+                        <a:latin typeface="Cambria Math" panose="02040503050406030204" pitchFamily="18" charset="0"/>
+                      </a:rPr>
+                      <m:t>≤2</m:t>
+                    </m:r>
+                    <m:r>
+                      <a:rPr lang="zh-CN" altLang="en-US" sz="2400" i="1">
+                        <a:latin typeface="Cambria Math" panose="02040503050406030204" pitchFamily="18" charset="0"/>
+                      </a:rPr>
+                      <m:t>。</m:t>
+                    </m:r>
+                  </m:oMath>
+                </a14:m>
+                <a:endParaRPr lang="en-US" altLang="zh-CN" sz="2400" dirty="0"/>
+              </a:p>
+            </p:txBody>
+          </p:sp>
+        </mc:Choice>
+        <mc:Fallback>
+          <p:sp>
+            <p:nvSpPr>
+              <p:cNvPr id="3" name="内容占位符 2">
+                <a:extLst>
+                  <a:ext uri="{FF2B5EF4-FFF2-40B4-BE49-F238E27FC236}">
+                    <a16:creationId xmlns:a16="http://schemas.microsoft.com/office/drawing/2014/main" id="{20F8BB65-9D58-B310-D7D0-D5C9283B3BCB}"/>
+                  </a:ext>
+                </a:extLst>
+              </p:cNvPr>
+              <p:cNvSpPr>
+                <a:spLocks noGrp="1" noRot="1" noChangeAspect="1" noMove="1" noResize="1" noEditPoints="1" noAdjustHandles="1" noChangeArrowheads="1" noChangeShapeType="1" noTextEdit="1"/>
+              </p:cNvSpPr>
+              <p:nvPr>
+                <p:ph idx="1"/>
+              </p:nvPr>
+            </p:nvSpPr>
+            <p:spPr>
+              <a:blipFill>
+                <a:blip r:embed="rId2"/>
+                <a:stretch>
+                  <a:fillRect l="-812" t="-2381"/>
+                </a:stretch>
+              </a:blipFill>
+            </p:spPr>
+            <p:txBody>
+              <a:bodyPr/>
+              <a:lstStyle/>
+              <a:p>
+                <a:r>
+                  <a:rPr lang="zh-CN" altLang="en-US">
+                    <a:noFill/>
+                  </a:rPr>
+                  <a:t> </a:t>
+                </a:r>
+              </a:p>
+            </p:txBody>
+          </p:sp>
+        </mc:Fallback>
+      </mc:AlternateContent>
+      <p:sp>
+        <p:nvSpPr>
+          <p:cNvPr id="4" name="日期占位符 3">
+            <a:extLst>
+              <a:ext uri="{FF2B5EF4-FFF2-40B4-BE49-F238E27FC236}">
+                <a16:creationId xmlns:a16="http://schemas.microsoft.com/office/drawing/2014/main" id="{615F4677-C992-226D-CF81-5AFD38415B7A}"/>
+              </a:ext>
+            </a:extLst>
+          </p:cNvPr>
+          <p:cNvSpPr>
+            <a:spLocks noGrp="1"/>
+          </p:cNvSpPr>
+          <p:nvPr>
+            <p:ph type="dt" sz="half" idx="10"/>
+          </p:nvPr>
+        </p:nvSpPr>
+        <p:spPr/>
+        <p:txBody>
+          <a:bodyPr/>
+          <a:lstStyle/>
+          <a:p>
+            <a:fld id="{BBCE70C7-BC16-498F-BFC4-7961AF2E0FAC}" type="datetime2">
+              <a:rPr lang="en-US" altLang="zh-CN" smtClean="0"/>
+              <a:t>Tuesday, December 5, 2023</a:t>
+            </a:fld>
+            <a:endParaRPr lang="en-US" dirty="0"/>
+          </a:p>
+        </p:txBody>
+      </p:sp>
+      <p:sp>
+        <p:nvSpPr>
+          <p:cNvPr id="5" name="页脚占位符 4">
+            <a:extLst>
+              <a:ext uri="{FF2B5EF4-FFF2-40B4-BE49-F238E27FC236}">
+                <a16:creationId xmlns:a16="http://schemas.microsoft.com/office/drawing/2014/main" id="{0C147EF3-28D7-B67B-F0DF-29DB3834F357}"/>
+              </a:ext>
+            </a:extLst>
+          </p:cNvPr>
+          <p:cNvSpPr>
+            <a:spLocks noGrp="1"/>
+          </p:cNvSpPr>
+          <p:nvPr>
+            <p:ph type="ftr" sz="quarter" idx="11"/>
+          </p:nvPr>
+        </p:nvSpPr>
+        <p:spPr/>
+        <p:txBody>
+          <a:bodyPr/>
+          <a:lstStyle/>
+          <a:p>
+            <a:r>
+              <a:rPr lang="en-US"/>
+              <a:t>NNSZCP-2023 </a:t>
+            </a:r>
+            <a:r>
+              <a:rPr lang="zh-CN" altLang="en-US"/>
+              <a:t>赛后题解</a:t>
+            </a:r>
+            <a:endParaRPr lang="en-US" dirty="0"/>
+          </a:p>
+        </p:txBody>
+      </p:sp>
+      <p:sp>
+        <p:nvSpPr>
+          <p:cNvPr id="6" name="灯片编号占位符 5">
+            <a:extLst>
+              <a:ext uri="{FF2B5EF4-FFF2-40B4-BE49-F238E27FC236}">
+                <a16:creationId xmlns:a16="http://schemas.microsoft.com/office/drawing/2014/main" id="{6BBD6B71-E679-7591-CA19-830BE757D560}"/>
+              </a:ext>
+            </a:extLst>
+          </p:cNvPr>
+          <p:cNvSpPr>
+            <a:spLocks noGrp="1"/>
+          </p:cNvSpPr>
+          <p:nvPr>
+            <p:ph type="sldNum" sz="quarter" idx="12"/>
+          </p:nvPr>
+        </p:nvSpPr>
+        <p:spPr/>
+        <p:txBody>
+          <a:bodyPr/>
+          <a:lstStyle/>
+          <a:p>
+            <a:fld id="{69E57DC2-970A-4B3E-BB1C-7A09969E49DF}" type="slidenum">
+              <a:rPr lang="en-US" smtClean="0"/>
+              <a:t>43</a:t>
+            </a:fld>
+            <a:endParaRPr lang="en-US" dirty="0"/>
+          </a:p>
+        </p:txBody>
+      </p:sp>
+    </p:spTree>
+    <p:extLst>
+      <p:ext uri="{BB962C8B-B14F-4D97-AF65-F5344CB8AC3E}">
+        <p14:creationId xmlns:p14="http://schemas.microsoft.com/office/powerpoint/2010/main" val="3360808947"/>
+      </p:ext>
+    </p:extLst>
+  </p:cSld>
+  <p:clrMapOvr>
+    <a:masterClrMapping/>
+  </p:clrMapOvr>
+  <p:timing>
+    <p:tnLst>
+      <p:par>
+        <p:cTn id="1" dur="indefinite" restart="never" nodeType="tmRoot">
+          <p:childTnLst>
+            <p:seq concurrent="1" nextAc="seek">
+              <p:cTn id="2" dur="indefinite" nodeType="mainSeq">
+                <p:childTnLst>
+                  <p:par>
+                    <p:cTn id="3" fill="hold">
+                      <p:stCondLst>
+                        <p:cond delay="indefinite"/>
+                      </p:stCondLst>
+                      <p:childTnLst>
+                        <p:par>
+                          <p:cTn id="4" fill="hold">
+                            <p:stCondLst>
+                              <p:cond delay="0"/>
+                            </p:stCondLst>
+                            <p:childTnLst>
+                              <p:par>
+                                <p:cTn id="5" presetID="1" presetClass="entr" presetSubtype="0" fill="hold" grpId="0" nodeType="clickEffect">
+                                  <p:stCondLst>
+                                    <p:cond delay="0"/>
+                                  </p:stCondLst>
+                                  <p:childTnLst>
+                                    <p:set>
+                                      <p:cBhvr>
+                                        <p:cTn id="6" dur="1" fill="hold">
+                                          <p:stCondLst>
+                                            <p:cond delay="0"/>
+                                          </p:stCondLst>
+                                        </p:cTn>
+                                        <p:tgtEl>
+                                          <p:spTgt spid="3">
+                                            <p:txEl>
+                                              <p:pRg st="0" end="0"/>
+                                            </p:txEl>
+                                          </p:spTgt>
+                                        </p:tgtEl>
+                                        <p:attrNameLst>
+                                          <p:attrName>style.visibility</p:attrName>
+                                        </p:attrNameLst>
+                                      </p:cBhvr>
+                                      <p:to>
+                                        <p:strVal val="visible"/>
+                                      </p:to>
+                                    </p:set>
+                                  </p:childTnLst>
+                                </p:cTn>
+                              </p:par>
+                            </p:childTnLst>
+                          </p:cTn>
+                        </p:par>
+                      </p:childTnLst>
+                    </p:cTn>
+                  </p:par>
+                </p:childTnLst>
+              </p:cTn>
+              <p:prevCondLst>
+                <p:cond evt="onPrev" delay="0">
+                  <p:tgtEl>
+                    <p:sldTgt/>
+                  </p:tgtEl>
+                </p:cond>
+              </p:prevCondLst>
+              <p:nextCondLst>
+                <p:cond evt="onNext" delay="0">
+                  <p:tgtEl>
+                    <p:sldTgt/>
+                  </p:tgtEl>
+                </p:cond>
+              </p:nextCondLst>
+            </p:seq>
+          </p:childTnLst>
+        </p:cTn>
+      </p:par>
+    </p:tnLst>
+    <p:bldLst>
+      <p:bldP spid="3" grpId="0" build="p"/>
+    </p:bldLst>
+  </p:timing>
+</p:sld>
+</file>
+
+<file path=ppt/slides/slide44.xml><?xml version="1.0" encoding="utf-8"?>
+<p:sld xmlns:a="http://schemas.openxmlformats.org/drawingml/2006/main" xmlns:r="http://schemas.openxmlformats.org/officeDocument/2006/relationships" xmlns:p="http://schemas.openxmlformats.org/presentationml/2006/main">
+  <p:cSld>
+    <p:spTree>
+      <p:nvGrpSpPr>
+        <p:cNvPr id="1" name=""/>
+        <p:cNvGrpSpPr/>
+        <p:nvPr/>
+      </p:nvGrpSpPr>
+      <p:grpSpPr>
+        <a:xfrm>
+          <a:off x="0" y="0"/>
+          <a:ext cx="0" cy="0"/>
+          <a:chOff x="0" y="0"/>
+          <a:chExt cx="0" cy="0"/>
+        </a:xfrm>
+      </p:grpSpPr>
+      <p:sp>
+        <p:nvSpPr>
+          <p:cNvPr id="2" name="标题 1">
+            <a:extLst>
+              <a:ext uri="{FF2B5EF4-FFF2-40B4-BE49-F238E27FC236}">
+                <a16:creationId xmlns:a16="http://schemas.microsoft.com/office/drawing/2014/main" id="{960F86D0-2FFA-B7BB-D0CA-552E8A40922D}"/>
+              </a:ext>
+            </a:extLst>
+          </p:cNvPr>
+          <p:cNvSpPr>
+            <a:spLocks noGrp="1"/>
+          </p:cNvSpPr>
+          <p:nvPr>
+            <p:ph type="title"/>
+          </p:nvPr>
+        </p:nvSpPr>
+        <p:spPr/>
+        <p:txBody>
+          <a:bodyPr/>
+          <a:lstStyle/>
+          <a:p>
+            <a:r>
+              <a:rPr lang="zh-CN" altLang="en-US" dirty="0"/>
               <a:t>算法 </a:t>
             </a:r>
             <a:r>
@@ -27569,7 +27857,7 @@
           <a:p>
             <a:fld id="{AC1315BA-7F44-48D2-9DBE-CE4F62DF3782}" type="datetime2">
               <a:rPr lang="en-US" altLang="zh-CN" smtClean="0"/>
-              <a:t>Tuesday, November 28, 2023</a:t>
+              <a:t>Tuesday, December 5, 2023</a:t>
             </a:fld>
             <a:endParaRPr lang="en-US" dirty="0"/>
           </a:p>
@@ -27631,7 +27919,7 @@
           <a:p>
             <a:fld id="{69E57DC2-970A-4B3E-BB1C-7A09969E49DF}" type="slidenum">
               <a:rPr lang="en-US" smtClean="0"/>
-              <a:t>43</a:t>
+              <a:t>44</a:t>
             </a:fld>
             <a:endParaRPr lang="en-US" dirty="0"/>
           </a:p>
@@ -27830,7 +28118,7 @@
 </p:sld>
 </file>
 
-<file path=ppt/slides/slide44.xml><?xml version="1.0" encoding="utf-8"?>
+<file path=ppt/slides/slide45.xml><?xml version="1.0" encoding="utf-8"?>
 <p:sld xmlns:a="http://schemas.openxmlformats.org/drawingml/2006/main" xmlns:r="http://schemas.openxmlformats.org/officeDocument/2006/relationships" xmlns:p="http://schemas.openxmlformats.org/presentationml/2006/main">
   <p:cSld>
     <p:spTree>
@@ -27880,8 +28168,8 @@
           </a:p>
         </p:txBody>
       </p:sp>
-      <mc:AlternateContent xmlns:mc="http://schemas.openxmlformats.org/markup-compatibility/2006" xmlns:a14="http://schemas.microsoft.com/office/drawing/2010/main">
-        <mc:Choice Requires="a14">
+      <mc:AlternateContent xmlns:mc="http://schemas.openxmlformats.org/markup-compatibility/2006">
+        <mc:Choice xmlns:a14="http://schemas.microsoft.com/office/drawing/2010/main" Requires="a14">
           <p:sp>
             <p:nvSpPr>
               <p:cNvPr id="3" name="内容占位符 2">
@@ -28037,30 +28325,14 @@
                 </a14:m>
                 <a:r>
                   <a:rPr lang="zh-CN" altLang="en-US" sz="2400" dirty="0"/>
-                  <a:t>。结合算法 </a:t>
-                </a:r>
-                <a:r>
-                  <a:rPr lang="en-US" altLang="zh-CN" sz="2400" dirty="0"/>
-                  <a:t>0</a:t>
-                </a:r>
-                <a:r>
-                  <a:rPr lang="zh-CN" altLang="en-US" sz="2400" dirty="0"/>
-                  <a:t>，期望得分 </a:t>
-                </a:r>
-                <a:r>
-                  <a:rPr lang="en-US" altLang="zh-CN" sz="2400" dirty="0"/>
-                  <a:t>15 </a:t>
-                </a:r>
-                <a:r>
-                  <a:rPr lang="zh-CN" altLang="en-US" sz="2400" dirty="0"/>
-                  <a:t>分。</a:t>
+                  <a:t>。</a:t>
                 </a:r>
                 <a:endParaRPr lang="zh-CN" altLang="en-US" sz="3600" dirty="0"/>
               </a:p>
             </p:txBody>
           </p:sp>
         </mc:Choice>
-        <mc:Fallback xmlns="">
+        <mc:Fallback>
           <p:sp>
             <p:nvSpPr>
               <p:cNvPr id="3" name="内容占位符 2">
@@ -28081,7 +28353,7 @@
               <a:blipFill>
                 <a:blip r:embed="rId2"/>
                 <a:stretch>
-                  <a:fillRect l="-464" t="-1684"/>
+                  <a:fillRect l="-812" t="-2381"/>
                 </a:stretch>
               </a:blipFill>
             </p:spPr>
@@ -28123,7 +28395,7 @@
           <a:p>
             <a:fld id="{18BC2CA3-27FA-4AE9-A3BA-CA82483E8E1F}" type="datetime2">
               <a:rPr lang="en-US" altLang="zh-CN" smtClean="0"/>
-              <a:t>Tuesday, November 28, 2023</a:t>
+              <a:t>Tuesday, December 5, 2023</a:t>
             </a:fld>
             <a:endParaRPr lang="en-US" dirty="0"/>
           </a:p>
@@ -28185,7 +28457,7 @@
           <a:p>
             <a:fld id="{69E57DC2-970A-4B3E-BB1C-7A09969E49DF}" type="slidenum">
               <a:rPr lang="en-US" smtClean="0"/>
-              <a:t>44</a:t>
+              <a:t>45</a:t>
             </a:fld>
             <a:endParaRPr lang="en-US" dirty="0"/>
           </a:p>
@@ -28433,7 +28705,7 @@
 </p:sld>
 </file>
 
-<file path=ppt/slides/slide45.xml><?xml version="1.0" encoding="utf-8"?>
+<file path=ppt/slides/slide46.xml><?xml version="1.0" encoding="utf-8"?>
 <p:sld xmlns:a="http://schemas.openxmlformats.org/drawingml/2006/main" xmlns:r="http://schemas.openxmlformats.org/officeDocument/2006/relationships" xmlns:p="http://schemas.openxmlformats.org/presentationml/2006/main">
   <p:cSld>
     <p:spTree>
@@ -28473,7 +28745,7 @@
           <a:p>
             <a:r>
               <a:rPr lang="zh-CN" altLang="en-US" dirty="0"/>
-              <a:t>算法 </a:t>
+              <a:t>观察 </a:t>
             </a:r>
             <a:r>
               <a:rPr lang="en-US" altLang="zh-CN" dirty="0"/>
@@ -28483,8 +28755,8 @@
           </a:p>
         </p:txBody>
       </p:sp>
-      <mc:AlternateContent xmlns:mc="http://schemas.openxmlformats.org/markup-compatibility/2006" xmlns:a14="http://schemas.microsoft.com/office/drawing/2010/main">
-        <mc:Choice Requires="a14">
+      <mc:AlternateContent xmlns:mc="http://schemas.openxmlformats.org/markup-compatibility/2006">
+        <mc:Choice xmlns:a14="http://schemas.microsoft.com/office/drawing/2010/main" Requires="a14">
           <p:sp>
             <p:nvSpPr>
               <p:cNvPr id="3" name="内容占位符 2">
@@ -28519,177 +28791,6 @@
                   <a:rPr lang="zh-CN" altLang="en-US" sz="2400" dirty="0"/>
                   <a:t>注意到：</a:t>
                 </a:r>
-                <a:endParaRPr lang="en-US" altLang="zh-CN" sz="2400" dirty="0"/>
-              </a:p>
-              <a:p>
-                <a:pPr marL="0" indent="0">
-                  <a:buNone/>
-                </a:pPr>
-                <a14:m>
-                  <m:oMathPara xmlns:m="http://schemas.openxmlformats.org/officeDocument/2006/math">
-                    <m:oMathParaPr>
-                      <m:jc m:val="center"/>
-                    </m:oMathParaPr>
-                    <m:oMath xmlns:m="http://schemas.openxmlformats.org/officeDocument/2006/math">
-                      <m:sSup>
-                        <m:sSupPr>
-                          <m:ctrlPr>
-                            <a:rPr lang="en-US" altLang="zh-CN" sz="2400" i="1" dirty="0">
-                              <a:latin typeface="Cambria Math" panose="02040503050406030204" pitchFamily="18" charset="0"/>
-                            </a:rPr>
-                          </m:ctrlPr>
-                        </m:sSupPr>
-                        <m:e>
-                          <m:r>
-                            <a:rPr lang="en-US" altLang="zh-CN" sz="2400" i="1" dirty="0">
-                              <a:latin typeface="Cambria Math" panose="02040503050406030204" pitchFamily="18" charset="0"/>
-                            </a:rPr>
-                            <m:t>3</m:t>
-                          </m:r>
-                        </m:e>
-                        <m:sup>
-                          <m:r>
-                            <a:rPr lang="en-US" altLang="zh-CN" sz="2400" i="1" dirty="0" err="1">
-                              <a:latin typeface="Cambria Math" panose="02040503050406030204" pitchFamily="18" charset="0"/>
-                            </a:rPr>
-                            <m:t>𝑖</m:t>
-                          </m:r>
-                        </m:sup>
-                      </m:sSup>
-                      <m:r>
-                        <a:rPr lang="en-US" altLang="zh-CN" sz="2400" i="1" dirty="0">
-                          <a:latin typeface="Cambria Math" panose="02040503050406030204" pitchFamily="18" charset="0"/>
-                        </a:rPr>
-                        <m:t> </m:t>
-                      </m:r>
-                      <m:r>
-                        <m:rPr>
-                          <m:sty m:val="p"/>
-                        </m:rPr>
-                        <a:rPr lang="en-US" altLang="zh-CN" sz="2400" dirty="0">
-                          <a:latin typeface="Cambria Math" panose="02040503050406030204" pitchFamily="18" charset="0"/>
-                        </a:rPr>
-                        <m:t>mod</m:t>
-                      </m:r>
-                      <m:r>
-                        <a:rPr lang="en-US" altLang="zh-CN" sz="2400" i="1" dirty="0">
-                          <a:latin typeface="Cambria Math" panose="02040503050406030204" pitchFamily="18" charset="0"/>
-                        </a:rPr>
-                        <m:t> 4 = </m:t>
-                      </m:r>
-                      <m:d>
-                        <m:dPr>
-                          <m:begChr m:val="{"/>
-                          <m:endChr m:val=""/>
-                          <m:ctrlPr>
-                            <a:rPr lang="en-US" altLang="zh-CN" sz="2400" i="1" dirty="0">
-                              <a:latin typeface="Cambria Math" panose="02040503050406030204" pitchFamily="18" charset="0"/>
-                            </a:rPr>
-                          </m:ctrlPr>
-                        </m:dPr>
-                        <m:e>
-                          <m:eqArr>
-                            <m:eqArrPr>
-                              <m:ctrlPr>
-                                <a:rPr lang="en-US" altLang="zh-CN" sz="2400" i="1" dirty="0">
-                                  <a:latin typeface="Cambria Math" panose="02040503050406030204" pitchFamily="18" charset="0"/>
-                                </a:rPr>
-                              </m:ctrlPr>
-                            </m:eqArrPr>
-                            <m:e>
-                              <m:r>
-                                <a:rPr lang="en-US" altLang="zh-CN" sz="2400" i="1" dirty="0">
-                                  <a:latin typeface="Cambria Math" panose="02040503050406030204" pitchFamily="18" charset="0"/>
-                                </a:rPr>
-                                <m:t>1,    </m:t>
-                              </m:r>
-                              <m:r>
-                                <a:rPr lang="en-US" altLang="zh-CN" sz="2400" i="1" dirty="0">
-                                  <a:latin typeface="Cambria Math" panose="02040503050406030204" pitchFamily="18" charset="0"/>
-                                </a:rPr>
-                                <m:t>𝑖</m:t>
-                              </m:r>
-                              <m:r>
-                                <a:rPr lang="en-US" altLang="zh-CN" sz="2400" i="1" dirty="0">
-                                  <a:latin typeface="Cambria Math" panose="02040503050406030204" pitchFamily="18" charset="0"/>
-                                </a:rPr>
-                                <m:t> </m:t>
-                              </m:r>
-                              <m:r>
-                                <m:rPr>
-                                  <m:sty m:val="p"/>
-                                </m:rPr>
-                                <a:rPr lang="en-US" altLang="zh-CN" sz="2400" dirty="0">
-                                  <a:latin typeface="Cambria Math" panose="02040503050406030204" pitchFamily="18" charset="0"/>
-                                </a:rPr>
-                                <m:t>mod</m:t>
-                              </m:r>
-                              <m:r>
-                                <a:rPr lang="en-US" altLang="zh-CN" sz="2400" dirty="0">
-                                  <a:latin typeface="Cambria Math" panose="02040503050406030204" pitchFamily="18" charset="0"/>
-                                </a:rPr>
-                                <m:t> </m:t>
-                              </m:r>
-                              <m:r>
-                                <a:rPr lang="en-US" altLang="zh-CN" sz="2400" i="1" dirty="0">
-                                  <a:latin typeface="Cambria Math" panose="02040503050406030204" pitchFamily="18" charset="0"/>
-                                </a:rPr>
-                                <m:t>2=0</m:t>
-                              </m:r>
-                            </m:e>
-                            <m:e>
-                              <m:r>
-                                <a:rPr lang="en-US" altLang="zh-CN" sz="2400" i="1" dirty="0">
-                                  <a:latin typeface="Cambria Math" panose="02040503050406030204" pitchFamily="18" charset="0"/>
-                                </a:rPr>
-                                <m:t>3,   </m:t>
-                              </m:r>
-                              <m:r>
-                                <a:rPr lang="en-US" altLang="zh-CN" sz="2400" i="1" dirty="0">
-                                  <a:latin typeface="Cambria Math" panose="02040503050406030204" pitchFamily="18" charset="0"/>
-                                </a:rPr>
-                                <m:t>𝑖</m:t>
-                              </m:r>
-                              <m:r>
-                                <a:rPr lang="en-US" altLang="zh-CN" sz="2400" i="1" dirty="0">
-                                  <a:latin typeface="Cambria Math" panose="02040503050406030204" pitchFamily="18" charset="0"/>
-                                </a:rPr>
-                                <m:t> </m:t>
-                              </m:r>
-                              <m:r>
-                                <m:rPr>
-                                  <m:sty m:val="p"/>
-                                </m:rPr>
-                                <a:rPr lang="en-US" altLang="zh-CN" sz="2400" dirty="0">
-                                  <a:latin typeface="Cambria Math" panose="02040503050406030204" pitchFamily="18" charset="0"/>
-                                </a:rPr>
-                                <m:t>mod</m:t>
-                              </m:r>
-                              <m:r>
-                                <a:rPr lang="en-US" altLang="zh-CN" sz="2400" dirty="0">
-                                  <a:latin typeface="Cambria Math" panose="02040503050406030204" pitchFamily="18" charset="0"/>
-                                </a:rPr>
-                                <m:t> </m:t>
-                              </m:r>
-                              <m:r>
-                                <a:rPr lang="en-US" altLang="zh-CN" sz="2400" i="1" dirty="0">
-                                  <a:latin typeface="Cambria Math" panose="02040503050406030204" pitchFamily="18" charset="0"/>
-                                </a:rPr>
-                                <m:t>2=1</m:t>
-                              </m:r>
-                            </m:e>
-                          </m:eqArr>
-                        </m:e>
-                      </m:d>
-                      <m:r>
-                        <a:rPr lang="en-US" altLang="zh-CN" sz="2400" i="1" dirty="0">
-                          <a:latin typeface="Cambria Math" panose="02040503050406030204" pitchFamily="18" charset="0"/>
-                        </a:rPr>
-                        <m:t> </m:t>
-                      </m:r>
-                    </m:oMath>
-                  </m:oMathPara>
-                </a14:m>
                 <a:endParaRPr lang="en-US" altLang="zh-CN" sz="2400" dirty="0"/>
               </a:p>
               <a:p>
@@ -28752,53 +28853,19 @@
                         <a:rPr lang="en-US" altLang="zh-CN" sz="2400" i="1" dirty="0">
                           <a:latin typeface="Cambria Math" panose="02040503050406030204" pitchFamily="18" charset="0"/>
                         </a:rPr>
-                        <m:t> 4 =3·</m:t>
-                      </m:r>
-                      <m:sSup>
-                        <m:sSupPr>
-                          <m:ctrlPr>
-                            <a:rPr lang="en-US" altLang="zh-CN" sz="2400" i="1" dirty="0">
-                              <a:latin typeface="Cambria Math" panose="02040503050406030204" pitchFamily="18" charset="0"/>
-                            </a:rPr>
-                          </m:ctrlPr>
-                        </m:sSupPr>
-                        <m:e>
-                          <m:r>
-                            <a:rPr lang="en-US" altLang="zh-CN" sz="2400" i="1" dirty="0">
-                              <a:latin typeface="Cambria Math" panose="02040503050406030204" pitchFamily="18" charset="0"/>
-                            </a:rPr>
-                            <m:t>2</m:t>
-                          </m:r>
-                        </m:e>
-                        <m:sup>
-                          <m:r>
-                            <a:rPr lang="en-US" altLang="zh-CN" sz="2400" i="1" dirty="0" err="1">
-                              <a:latin typeface="Cambria Math" panose="02040503050406030204" pitchFamily="18" charset="0"/>
-                            </a:rPr>
-                            <m:t>𝑖</m:t>
-                          </m:r>
-                        </m:sup>
-                      </m:sSup>
-                      <m:r>
-                        <a:rPr lang="en-US" altLang="zh-CN" sz="2400" i="1" dirty="0">
-                          <a:latin typeface="Cambria Math" panose="02040503050406030204" pitchFamily="18" charset="0"/>
-                        </a:rPr>
                         <m:t> </m:t>
                       </m:r>
                       <m:r>
-                        <m:rPr>
-                          <m:sty m:val="p"/>
-                        </m:rPr>
-                        <a:rPr lang="en-US" altLang="zh-CN" sz="2400" dirty="0">
+                        <a:rPr lang="en-US" altLang="zh-CN" sz="2400" b="0" i="1" dirty="0" smtClean="0">
                           <a:latin typeface="Cambria Math" panose="02040503050406030204" pitchFamily="18" charset="0"/>
                         </a:rPr>
-                        <m:t>mod</m:t>
+                        <m:t>3</m:t>
                       </m:r>
                       <m:r>
                         <a:rPr lang="en-US" altLang="zh-CN" sz="2400" i="1" dirty="0">
                           <a:latin typeface="Cambria Math" panose="02040503050406030204" pitchFamily="18" charset="0"/>
                         </a:rPr>
-                        <m:t> 4=</m:t>
+                        <m:t> =</m:t>
                       </m:r>
                       <m:d>
                         <m:dPr>
@@ -28833,10 +28900,28 @@
                                 <m:t>𝑖</m:t>
                               </m:r>
                               <m:r>
-                                <a:rPr lang="en-US" altLang="zh-CN" sz="2400" i="1" dirty="0">
+                                <a:rPr lang="en-US" altLang="zh-CN" sz="2400" b="0" i="1" dirty="0" smtClean="0">
                                   <a:latin typeface="Cambria Math" panose="02040503050406030204" pitchFamily="18" charset="0"/>
                                 </a:rPr>
-                                <m:t>=1</m:t>
+                                <m:t> </m:t>
+                              </m:r>
+                              <m:r>
+                                <a:rPr lang="zh-CN" altLang="en-US" sz="2400" i="1" dirty="0">
+                                  <a:latin typeface="Cambria Math" panose="02040503050406030204" pitchFamily="18" charset="0"/>
+                                </a:rPr>
+                                <m:t>是</m:t>
+                              </m:r>
+                              <m:r>
+                                <a:rPr lang="zh-CN" altLang="en-US" sz="2400" i="1" dirty="0" smtClean="0">
+                                  <a:latin typeface="Cambria Math" panose="02040503050406030204" pitchFamily="18" charset="0"/>
+                                </a:rPr>
+                                <m:t>奇数</m:t>
+                              </m:r>
+                              <m:r>
+                                <a:rPr lang="zh-CN" altLang="en-US" sz="2400" i="1" dirty="0">
+                                  <a:latin typeface="Cambria Math" panose="02040503050406030204" pitchFamily="18" charset="0"/>
+                                </a:rPr>
+                                <m:t>；</m:t>
                               </m:r>
                             </m:e>
                             <m:e>
@@ -28844,19 +28929,49 @@
                                 <a:rPr lang="en-US" altLang="zh-CN" sz="2400" i="1" dirty="0">
                                   <a:latin typeface="Cambria Math" panose="02040503050406030204" pitchFamily="18" charset="0"/>
                                 </a:rPr>
-                                <m:t> 0,  </m:t>
+                                <m:t> </m:t>
+                              </m:r>
+                              <m:r>
+                                <a:rPr lang="en-US" altLang="zh-CN" sz="2400" b="0" i="1" dirty="0" smtClean="0">
+                                  <a:latin typeface="Cambria Math" panose="02040503050406030204" pitchFamily="18" charset="0"/>
+                                </a:rPr>
+                                <m:t>1</m:t>
                               </m:r>
                               <m:r>
                                 <a:rPr lang="en-US" altLang="zh-CN" sz="2400" i="1" dirty="0">
                                   <a:latin typeface="Cambria Math" panose="02040503050406030204" pitchFamily="18" charset="0"/>
                                 </a:rPr>
+                                <m:t>,  </m:t>
+                              </m:r>
+                              <m:r>
+                                <a:rPr lang="en-US" altLang="zh-CN" sz="2400" b="0" i="1" dirty="0" smtClean="0">
+                                  <a:latin typeface="Cambria Math" panose="02040503050406030204" pitchFamily="18" charset="0"/>
+                                </a:rPr>
                                 <m:t>𝑖</m:t>
                               </m:r>
                               <m:r>
-                                <a:rPr lang="en-US" altLang="zh-CN" sz="2400" i="1" dirty="0">
+                                <a:rPr lang="en-US" altLang="zh-CN" sz="2400" b="0" i="1" dirty="0" smtClean="0">
                                   <a:latin typeface="Cambria Math" panose="02040503050406030204" pitchFamily="18" charset="0"/>
                                 </a:rPr>
-                                <m:t>≥2</m:t>
+                                <m:t> </m:t>
+                              </m:r>
+                              <m:r>
+                                <a:rPr lang="zh-CN" altLang="en-US" sz="2400" i="1" dirty="0">
+                                  <a:latin typeface="Cambria Math" panose="02040503050406030204" pitchFamily="18" charset="0"/>
+                                </a:rPr>
+                                <m:t>是</m:t>
+                              </m:r>
+                              <m:r>
+                                <a:rPr lang="zh-CN" altLang="en-US" sz="2400" i="1" dirty="0" smtClean="0">
+                                  <a:latin typeface="Cambria Math" panose="02040503050406030204" pitchFamily="18" charset="0"/>
+                                </a:rPr>
+                                <m:t>偶数</m:t>
+                              </m:r>
+                              <m:r>
+                                <a:rPr lang="zh-CN" altLang="en-US" sz="2400" i="1" dirty="0">
+                                  <a:latin typeface="Cambria Math" panose="02040503050406030204" pitchFamily="18" charset="0"/>
+                                </a:rPr>
+                                <m:t>；</m:t>
                               </m:r>
                             </m:e>
                           </m:eqArr>
@@ -28874,10 +28989,652 @@
                 <a:endParaRPr lang="en-US" altLang="zh-CN" sz="2400" dirty="0"/>
               </a:p>
               <a:p>
+                <a:pPr/>
                 <a:r>
                   <a:rPr lang="zh-CN" altLang="en-US" sz="2400" dirty="0"/>
-                  <a:t>所以 </a:t>
-                </a:r>
+                  <a:t>并且对 </a:t>
+                </a:r>
+                <a14:m>
+                  <m:oMath xmlns:m="http://schemas.openxmlformats.org/officeDocument/2006/math">
+                    <m:sSub>
+                      <m:sSubPr>
+                        <m:ctrlPr>
+                          <a:rPr lang="en-US" altLang="zh-CN" sz="2400" b="0" i="1" smtClean="0">
+                            <a:latin typeface="Cambria Math" panose="02040503050406030204" pitchFamily="18" charset="0"/>
+                          </a:rPr>
+                        </m:ctrlPr>
+                      </m:sSubPr>
+                      <m:e>
+                        <m:r>
+                          <a:rPr lang="en-US" altLang="zh-CN" sz="2400" b="0" i="1" smtClean="0">
+                            <a:latin typeface="Cambria Math" panose="02040503050406030204" pitchFamily="18" charset="0"/>
+                          </a:rPr>
+                          <m:t>𝑣</m:t>
+                        </m:r>
+                      </m:e>
+                      <m:sub>
+                        <m:r>
+                          <a:rPr lang="en-US" altLang="zh-CN" sz="2400" b="0" i="1" smtClean="0">
+                            <a:latin typeface="Cambria Math" panose="02040503050406030204" pitchFamily="18" charset="0"/>
+                          </a:rPr>
+                          <m:t>𝑖</m:t>
+                        </m:r>
+                      </m:sub>
+                    </m:sSub>
+                    <m:r>
+                      <a:rPr lang="en-US" altLang="zh-CN" sz="2400" b="0" i="1" smtClean="0">
+                        <a:latin typeface="Cambria Math" panose="02040503050406030204" pitchFamily="18" charset="0"/>
+                      </a:rPr>
+                      <m:t>=0</m:t>
+                    </m:r>
+                  </m:oMath>
+                </a14:m>
+                <a:r>
+                  <a:rPr lang="zh-CN" altLang="en-US" sz="2400" dirty="0"/>
+                  <a:t> 的询问，只需要让这之间有 </a:t>
+                </a:r>
+                <a14:m>
+                  <m:oMath xmlns:m="http://schemas.openxmlformats.org/officeDocument/2006/math">
+                    <m:r>
+                      <a:rPr lang="en-US" altLang="zh-CN" sz="2400" b="0" i="1" smtClean="0">
+                        <a:latin typeface="Cambria Math" panose="02040503050406030204" pitchFamily="18" charset="0"/>
+                      </a:rPr>
+                      <m:t>0</m:t>
+                    </m:r>
+                  </m:oMath>
+                </a14:m>
+                <a:r>
+                  <a:rPr lang="en-US" altLang="zh-CN" sz="2400" dirty="0"/>
+                  <a:t> </a:t>
+                </a:r>
+                <a:r>
+                  <a:rPr lang="zh-CN" altLang="en-US" sz="2400" dirty="0"/>
+                  <a:t>即可。</a:t>
+                </a:r>
+                <a:endParaRPr lang="en-US" altLang="zh-CN" sz="2400" dirty="0"/>
+              </a:p>
+            </p:txBody>
+          </p:sp>
+        </mc:Choice>
+        <mc:Fallback>
+          <p:sp>
+            <p:nvSpPr>
+              <p:cNvPr id="3" name="内容占位符 2">
+                <a:extLst>
+                  <a:ext uri="{FF2B5EF4-FFF2-40B4-BE49-F238E27FC236}">
+                    <a16:creationId xmlns:a16="http://schemas.microsoft.com/office/drawing/2014/main" id="{20F8BB65-9D58-B310-D7D0-D5C9283B3BCB}"/>
+                  </a:ext>
+                </a:extLst>
+              </p:cNvPr>
+              <p:cNvSpPr>
+                <a:spLocks noGrp="1" noRot="1" noChangeAspect="1" noMove="1" noResize="1" noEditPoints="1" noAdjustHandles="1" noChangeArrowheads="1" noChangeShapeType="1" noTextEdit="1"/>
+              </p:cNvSpPr>
+              <p:nvPr>
+                <p:ph idx="1"/>
+              </p:nvPr>
+            </p:nvSpPr>
+            <p:spPr>
+              <a:blipFill>
+                <a:blip r:embed="rId2"/>
+                <a:stretch>
+                  <a:fillRect l="-812" t="-2381"/>
+                </a:stretch>
+              </a:blipFill>
+            </p:spPr>
+            <p:txBody>
+              <a:bodyPr/>
+              <a:lstStyle/>
+              <a:p>
+                <a:r>
+                  <a:rPr lang="zh-CN" altLang="en-US">
+                    <a:noFill/>
+                  </a:rPr>
+                  <a:t> </a:t>
+                </a:r>
+              </a:p>
+            </p:txBody>
+          </p:sp>
+        </mc:Fallback>
+      </mc:AlternateContent>
+      <p:sp>
+        <p:nvSpPr>
+          <p:cNvPr id="4" name="日期占位符 3">
+            <a:extLst>
+              <a:ext uri="{FF2B5EF4-FFF2-40B4-BE49-F238E27FC236}">
+                <a16:creationId xmlns:a16="http://schemas.microsoft.com/office/drawing/2014/main" id="{615F4677-C992-226D-CF81-5AFD38415B7A}"/>
+              </a:ext>
+            </a:extLst>
+          </p:cNvPr>
+          <p:cNvSpPr>
+            <a:spLocks noGrp="1"/>
+          </p:cNvSpPr>
+          <p:nvPr>
+            <p:ph type="dt" sz="half" idx="10"/>
+          </p:nvPr>
+        </p:nvSpPr>
+        <p:spPr/>
+        <p:txBody>
+          <a:bodyPr/>
+          <a:lstStyle/>
+          <a:p>
+            <a:fld id="{BBCE70C7-BC16-498F-BFC4-7961AF2E0FAC}" type="datetime2">
+              <a:rPr lang="en-US" altLang="zh-CN" smtClean="0"/>
+              <a:t>Tuesday, December 5, 2023</a:t>
+            </a:fld>
+            <a:endParaRPr lang="en-US" dirty="0"/>
+          </a:p>
+        </p:txBody>
+      </p:sp>
+      <p:sp>
+        <p:nvSpPr>
+          <p:cNvPr id="5" name="页脚占位符 4">
+            <a:extLst>
+              <a:ext uri="{FF2B5EF4-FFF2-40B4-BE49-F238E27FC236}">
+                <a16:creationId xmlns:a16="http://schemas.microsoft.com/office/drawing/2014/main" id="{0C147EF3-28D7-B67B-F0DF-29DB3834F357}"/>
+              </a:ext>
+            </a:extLst>
+          </p:cNvPr>
+          <p:cNvSpPr>
+            <a:spLocks noGrp="1"/>
+          </p:cNvSpPr>
+          <p:nvPr>
+            <p:ph type="ftr" sz="quarter" idx="11"/>
+          </p:nvPr>
+        </p:nvSpPr>
+        <p:spPr/>
+        <p:txBody>
+          <a:bodyPr/>
+          <a:lstStyle/>
+          <a:p>
+            <a:r>
+              <a:rPr lang="en-US"/>
+              <a:t>NNSZCP-2023 </a:t>
+            </a:r>
+            <a:r>
+              <a:rPr lang="zh-CN" altLang="en-US"/>
+              <a:t>赛后题解</a:t>
+            </a:r>
+            <a:endParaRPr lang="en-US" dirty="0"/>
+          </a:p>
+        </p:txBody>
+      </p:sp>
+      <p:sp>
+        <p:nvSpPr>
+          <p:cNvPr id="6" name="灯片编号占位符 5">
+            <a:extLst>
+              <a:ext uri="{FF2B5EF4-FFF2-40B4-BE49-F238E27FC236}">
+                <a16:creationId xmlns:a16="http://schemas.microsoft.com/office/drawing/2014/main" id="{6BBD6B71-E679-7591-CA19-830BE757D560}"/>
+              </a:ext>
+            </a:extLst>
+          </p:cNvPr>
+          <p:cNvSpPr>
+            <a:spLocks noGrp="1"/>
+          </p:cNvSpPr>
+          <p:nvPr>
+            <p:ph type="sldNum" sz="quarter" idx="12"/>
+          </p:nvPr>
+        </p:nvSpPr>
+        <p:spPr/>
+        <p:txBody>
+          <a:bodyPr/>
+          <a:lstStyle/>
+          <a:p>
+            <a:fld id="{69E57DC2-970A-4B3E-BB1C-7A09969E49DF}" type="slidenum">
+              <a:rPr lang="en-US" smtClean="0"/>
+              <a:t>46</a:t>
+            </a:fld>
+            <a:endParaRPr lang="en-US" dirty="0"/>
+          </a:p>
+        </p:txBody>
+      </p:sp>
+    </p:spTree>
+    <p:extLst>
+      <p:ext uri="{BB962C8B-B14F-4D97-AF65-F5344CB8AC3E}">
+        <p14:creationId xmlns:p14="http://schemas.microsoft.com/office/powerpoint/2010/main" val="2583142024"/>
+      </p:ext>
+    </p:extLst>
+  </p:cSld>
+  <p:clrMapOvr>
+    <a:masterClrMapping/>
+  </p:clrMapOvr>
+  <p:timing>
+    <p:tnLst>
+      <p:par>
+        <p:cTn id="1" dur="indefinite" restart="never" nodeType="tmRoot">
+          <p:childTnLst>
+            <p:seq concurrent="1" nextAc="seek">
+              <p:cTn id="2" dur="indefinite" nodeType="mainSeq">
+                <p:childTnLst>
+                  <p:par>
+                    <p:cTn id="3" fill="hold">
+                      <p:stCondLst>
+                        <p:cond delay="indefinite"/>
+                      </p:stCondLst>
+                      <p:childTnLst>
+                        <p:par>
+                          <p:cTn id="4" fill="hold">
+                            <p:stCondLst>
+                              <p:cond delay="0"/>
+                            </p:stCondLst>
+                            <p:childTnLst>
+                              <p:par>
+                                <p:cTn id="5" presetID="1" presetClass="entr" presetSubtype="0" fill="hold" grpId="0" nodeType="clickEffect">
+                                  <p:stCondLst>
+                                    <p:cond delay="0"/>
+                                  </p:stCondLst>
+                                  <p:childTnLst>
+                                    <p:set>
+                                      <p:cBhvr>
+                                        <p:cTn id="6" dur="1" fill="hold">
+                                          <p:stCondLst>
+                                            <p:cond delay="0"/>
+                                          </p:stCondLst>
+                                        </p:cTn>
+                                        <p:tgtEl>
+                                          <p:spTgt spid="3">
+                                            <p:txEl>
+                                              <p:pRg st="0" end="0"/>
+                                            </p:txEl>
+                                          </p:spTgt>
+                                        </p:tgtEl>
+                                        <p:attrNameLst>
+                                          <p:attrName>style.visibility</p:attrName>
+                                        </p:attrNameLst>
+                                      </p:cBhvr>
+                                      <p:to>
+                                        <p:strVal val="visible"/>
+                                      </p:to>
+                                    </p:set>
+                                  </p:childTnLst>
+                                </p:cTn>
+                              </p:par>
+                            </p:childTnLst>
+                          </p:cTn>
+                        </p:par>
+                      </p:childTnLst>
+                    </p:cTn>
+                  </p:par>
+                  <p:par>
+                    <p:cTn id="7" fill="hold">
+                      <p:stCondLst>
+                        <p:cond delay="indefinite"/>
+                      </p:stCondLst>
+                      <p:childTnLst>
+                        <p:par>
+                          <p:cTn id="8" fill="hold">
+                            <p:stCondLst>
+                              <p:cond delay="0"/>
+                            </p:stCondLst>
+                            <p:childTnLst>
+                              <p:par>
+                                <p:cTn id="9" presetID="1" presetClass="entr" presetSubtype="0" fill="hold" grpId="0" nodeType="clickEffect">
+                                  <p:stCondLst>
+                                    <p:cond delay="0"/>
+                                  </p:stCondLst>
+                                  <p:childTnLst>
+                                    <p:set>
+                                      <p:cBhvr>
+                                        <p:cTn id="10" dur="1" fill="hold">
+                                          <p:stCondLst>
+                                            <p:cond delay="0"/>
+                                          </p:stCondLst>
+                                        </p:cTn>
+                                        <p:tgtEl>
+                                          <p:spTgt spid="3">
+                                            <p:txEl>
+                                              <p:pRg st="1" end="1"/>
+                                            </p:txEl>
+                                          </p:spTgt>
+                                        </p:tgtEl>
+                                        <p:attrNameLst>
+                                          <p:attrName>style.visibility</p:attrName>
+                                        </p:attrNameLst>
+                                      </p:cBhvr>
+                                      <p:to>
+                                        <p:strVal val="visible"/>
+                                      </p:to>
+                                    </p:set>
+                                  </p:childTnLst>
+                                </p:cTn>
+                              </p:par>
+                            </p:childTnLst>
+                          </p:cTn>
+                        </p:par>
+                      </p:childTnLst>
+                    </p:cTn>
+                  </p:par>
+                  <p:par>
+                    <p:cTn id="11" fill="hold">
+                      <p:stCondLst>
+                        <p:cond delay="indefinite"/>
+                      </p:stCondLst>
+                      <p:childTnLst>
+                        <p:par>
+                          <p:cTn id="12" fill="hold">
+                            <p:stCondLst>
+                              <p:cond delay="0"/>
+                            </p:stCondLst>
+                            <p:childTnLst>
+                              <p:par>
+                                <p:cTn id="13" presetID="1" presetClass="entr" presetSubtype="0" fill="hold" grpId="0" nodeType="clickEffect">
+                                  <p:stCondLst>
+                                    <p:cond delay="0"/>
+                                  </p:stCondLst>
+                                  <p:childTnLst>
+                                    <p:set>
+                                      <p:cBhvr>
+                                        <p:cTn id="14" dur="1" fill="hold">
+                                          <p:stCondLst>
+                                            <p:cond delay="0"/>
+                                          </p:stCondLst>
+                                        </p:cTn>
+                                        <p:tgtEl>
+                                          <p:spTgt spid="3">
+                                            <p:txEl>
+                                              <p:pRg st="3" end="3"/>
+                                            </p:txEl>
+                                          </p:spTgt>
+                                        </p:tgtEl>
+                                        <p:attrNameLst>
+                                          <p:attrName>style.visibility</p:attrName>
+                                        </p:attrNameLst>
+                                      </p:cBhvr>
+                                      <p:to>
+                                        <p:strVal val="visible"/>
+                                      </p:to>
+                                    </p:set>
+                                  </p:childTnLst>
+                                </p:cTn>
+                              </p:par>
+                            </p:childTnLst>
+                          </p:cTn>
+                        </p:par>
+                      </p:childTnLst>
+                    </p:cTn>
+                  </p:par>
+                  <p:par>
+                    <p:cTn id="15" fill="hold">
+                      <p:stCondLst>
+                        <p:cond delay="indefinite"/>
+                      </p:stCondLst>
+                      <p:childTnLst>
+                        <p:par>
+                          <p:cTn id="16" fill="hold">
+                            <p:stCondLst>
+                              <p:cond delay="0"/>
+                            </p:stCondLst>
+                            <p:childTnLst>
+                              <p:par>
+                                <p:cTn id="17" presetID="1" presetClass="entr" presetSubtype="0" fill="hold" grpId="0" nodeType="clickEffect">
+                                  <p:stCondLst>
+                                    <p:cond delay="0"/>
+                                  </p:stCondLst>
+                                  <p:childTnLst>
+                                    <p:set>
+                                      <p:cBhvr>
+                                        <p:cTn id="18" dur="1" fill="hold">
+                                          <p:stCondLst>
+                                            <p:cond delay="0"/>
+                                          </p:stCondLst>
+                                        </p:cTn>
+                                        <p:tgtEl>
+                                          <p:spTgt spid="3">
+                                            <p:txEl>
+                                              <p:pRg st="5" end="5"/>
+                                            </p:txEl>
+                                          </p:spTgt>
+                                        </p:tgtEl>
+                                        <p:attrNameLst>
+                                          <p:attrName>style.visibility</p:attrName>
+                                        </p:attrNameLst>
+                                      </p:cBhvr>
+                                      <p:to>
+                                        <p:strVal val="visible"/>
+                                      </p:to>
+                                    </p:set>
+                                  </p:childTnLst>
+                                </p:cTn>
+                              </p:par>
+                            </p:childTnLst>
+                          </p:cTn>
+                        </p:par>
+                      </p:childTnLst>
+                    </p:cTn>
+                  </p:par>
+                </p:childTnLst>
+              </p:cTn>
+              <p:prevCondLst>
+                <p:cond evt="onPrev" delay="0">
+                  <p:tgtEl>
+                    <p:sldTgt/>
+                  </p:tgtEl>
+                </p:cond>
+              </p:prevCondLst>
+              <p:nextCondLst>
+                <p:cond evt="onNext" delay="0">
+                  <p:tgtEl>
+                    <p:sldTgt/>
+                  </p:tgtEl>
+                </p:cond>
+              </p:nextCondLst>
+            </p:seq>
+          </p:childTnLst>
+        </p:cTn>
+      </p:par>
+    </p:tnLst>
+    <p:bldLst>
+      <p:bldP spid="3" grpId="0" build="p"/>
+    </p:bldLst>
+  </p:timing>
+</p:sld>
+</file>
+
+<file path=ppt/slides/slide47.xml><?xml version="1.0" encoding="utf-8"?>
+<p:sld xmlns:a="http://schemas.openxmlformats.org/drawingml/2006/main" xmlns:r="http://schemas.openxmlformats.org/officeDocument/2006/relationships" xmlns:p="http://schemas.openxmlformats.org/presentationml/2006/main">
+  <p:cSld>
+    <p:spTree>
+      <p:nvGrpSpPr>
+        <p:cNvPr id="1" name=""/>
+        <p:cNvGrpSpPr/>
+        <p:nvPr/>
+      </p:nvGrpSpPr>
+      <p:grpSpPr>
+        <a:xfrm>
+          <a:off x="0" y="0"/>
+          <a:ext cx="0" cy="0"/>
+          <a:chOff x="0" y="0"/>
+          <a:chExt cx="0" cy="0"/>
+        </a:xfrm>
+      </p:grpSpPr>
+      <p:sp>
+        <p:nvSpPr>
+          <p:cNvPr id="2" name="标题 1">
+            <a:extLst>
+              <a:ext uri="{FF2B5EF4-FFF2-40B4-BE49-F238E27FC236}">
+                <a16:creationId xmlns:a16="http://schemas.microsoft.com/office/drawing/2014/main" id="{960F86D0-2FFA-B7BB-D0CA-552E8A40922D}"/>
+              </a:ext>
+            </a:extLst>
+          </p:cNvPr>
+          <p:cNvSpPr>
+            <a:spLocks noGrp="1"/>
+          </p:cNvSpPr>
+          <p:nvPr>
+            <p:ph type="title"/>
+          </p:nvPr>
+        </p:nvSpPr>
+        <p:spPr/>
+        <p:txBody>
+          <a:bodyPr/>
+          <a:lstStyle/>
+          <a:p>
+            <a:r>
+              <a:rPr lang="zh-CN" altLang="en-US" dirty="0"/>
+              <a:t>算法 </a:t>
+            </a:r>
+            <a:r>
+              <a:rPr lang="en-US" altLang="zh-CN" dirty="0"/>
+              <a:t>3</a:t>
+            </a:r>
+            <a:endParaRPr lang="zh-CN" altLang="en-US" dirty="0"/>
+          </a:p>
+        </p:txBody>
+      </p:sp>
+      <mc:AlternateContent xmlns:mc="http://schemas.openxmlformats.org/markup-compatibility/2006">
+        <mc:Choice xmlns:a14="http://schemas.microsoft.com/office/drawing/2010/main" Requires="a14">
+          <p:sp>
+            <p:nvSpPr>
+              <p:cNvPr id="3" name="内容占位符 2">
+                <a:extLst>
+                  <a:ext uri="{FF2B5EF4-FFF2-40B4-BE49-F238E27FC236}">
+                    <a16:creationId xmlns:a16="http://schemas.microsoft.com/office/drawing/2014/main" id="{20F8BB65-9D58-B310-D7D0-D5C9283B3BCB}"/>
+                  </a:ext>
+                </a:extLst>
+              </p:cNvPr>
+              <p:cNvSpPr>
+                <a:spLocks noGrp="1"/>
+              </p:cNvSpPr>
+              <p:nvPr>
+                <p:ph idx="1"/>
+              </p:nvPr>
+            </p:nvSpPr>
+            <p:spPr>
+              <a:xfrm>
+                <a:off x="838200" y="1825625"/>
+                <a:ext cx="10515600" cy="4901051"/>
+              </a:xfrm>
+            </p:spPr>
+            <p:txBody>
+              <a:bodyPr>
+                <a:normAutofit/>
+              </a:bodyPr>
+              <a:lstStyle/>
+              <a:p>
+                <a:r>
+                  <a:rPr lang="zh-CN" altLang="en-US" sz="2400" dirty="0"/>
+                  <a:t>考虑设 </a:t>
+                </a:r>
+                <a14:m>
+                  <m:oMath xmlns:m="http://schemas.openxmlformats.org/officeDocument/2006/math">
+                    <m:sSub>
+                      <m:sSubPr>
+                        <m:ctrlPr>
+                          <a:rPr lang="en-US" altLang="zh-CN" sz="2400" i="1" dirty="0">
+                            <a:latin typeface="Cambria Math" panose="02040503050406030204" pitchFamily="18" charset="0"/>
+                          </a:rPr>
+                        </m:ctrlPr>
+                      </m:sSubPr>
+                      <m:e>
+                        <m:r>
+                          <a:rPr lang="en-US" altLang="zh-CN" sz="2400" i="1" dirty="0">
+                            <a:latin typeface="Cambria Math" panose="02040503050406030204" pitchFamily="18" charset="0"/>
+                          </a:rPr>
+                          <m:t>𝑥</m:t>
+                        </m:r>
+                      </m:e>
+                      <m:sub>
+                        <m:r>
+                          <a:rPr lang="en-US" altLang="zh-CN" sz="2400" i="1" dirty="0">
+                            <a:latin typeface="Cambria Math" panose="02040503050406030204" pitchFamily="18" charset="0"/>
+                          </a:rPr>
+                          <m:t>𝑖</m:t>
+                        </m:r>
+                      </m:sub>
+                    </m:sSub>
+                  </m:oMath>
+                </a14:m>
+                <a:r>
+                  <a:rPr lang="en-US" altLang="zh-CN" sz="2400" dirty="0"/>
+                  <a:t> </a:t>
+                </a:r>
+                <a:r>
+                  <a:rPr lang="zh-CN" altLang="en-US" sz="2400" dirty="0"/>
+                  <a:t>代表第 </a:t>
+                </a:r>
+                <a14:m>
+                  <m:oMath xmlns:m="http://schemas.openxmlformats.org/officeDocument/2006/math">
+                    <m:r>
+                      <a:rPr lang="en-US" altLang="zh-CN" sz="2400" i="1" dirty="0">
+                        <a:latin typeface="Cambria Math" panose="02040503050406030204" pitchFamily="18" charset="0"/>
+                      </a:rPr>
+                      <m:t>𝑖</m:t>
+                    </m:r>
+                  </m:oMath>
+                </a14:m>
+                <a:r>
+                  <a:rPr lang="en-US" altLang="zh-CN" sz="2400" dirty="0"/>
+                  <a:t> </a:t>
+                </a:r>
+                <a:r>
+                  <a:rPr lang="zh-CN" altLang="en-US" sz="2400" dirty="0"/>
+                  <a:t>个位置填 </a:t>
+                </a:r>
+                <a14:m>
+                  <m:oMath xmlns:m="http://schemas.openxmlformats.org/officeDocument/2006/math">
+                    <m:r>
+                      <a:rPr lang="en-US" altLang="zh-CN" sz="2400" i="1" dirty="0">
+                        <a:latin typeface="Cambria Math" panose="02040503050406030204" pitchFamily="18" charset="0"/>
+                      </a:rPr>
+                      <m:t>1</m:t>
+                    </m:r>
+                  </m:oMath>
+                </a14:m>
+                <a:r>
+                  <a:rPr lang="en-US" altLang="zh-CN" sz="2400" dirty="0"/>
+                  <a:t> </a:t>
+                </a:r>
+                <a:r>
+                  <a:rPr lang="zh-CN" altLang="en-US" sz="2400" dirty="0"/>
+                  <a:t>或 </a:t>
+                </a:r>
+                <a14:m>
+                  <m:oMath xmlns:m="http://schemas.openxmlformats.org/officeDocument/2006/math">
+                    <m:r>
+                      <a:rPr lang="en-US" altLang="zh-CN" sz="2400" b="0" i="1" dirty="0" smtClean="0">
+                        <a:latin typeface="Cambria Math" panose="02040503050406030204" pitchFamily="18" charset="0"/>
+                      </a:rPr>
+                      <m:t>2</m:t>
+                    </m:r>
+                  </m:oMath>
+                </a14:m>
+                <a:r>
+                  <a:rPr lang="zh-CN" altLang="en-US" sz="2400" dirty="0"/>
+                  <a:t>，分别为 </a:t>
+                </a:r>
+                <a14:m>
+                  <m:oMath xmlns:m="http://schemas.openxmlformats.org/officeDocument/2006/math">
+                    <m:r>
+                      <a:rPr lang="en-US" altLang="zh-CN" sz="2400" i="1" dirty="0">
+                        <a:latin typeface="Cambria Math" panose="02040503050406030204" pitchFamily="18" charset="0"/>
+                      </a:rPr>
+                      <m:t>0</m:t>
+                    </m:r>
+                  </m:oMath>
+                </a14:m>
+                <a:r>
+                  <a:rPr lang="en-US" altLang="zh-CN" sz="2400" dirty="0"/>
+                  <a:t> </a:t>
+                </a:r>
+                <a:r>
+                  <a:rPr lang="zh-CN" altLang="en-US" sz="2400" dirty="0"/>
+                  <a:t>或 </a:t>
+                </a:r>
+                <a14:m>
+                  <m:oMath xmlns:m="http://schemas.openxmlformats.org/officeDocument/2006/math">
+                    <m:r>
+                      <a:rPr lang="en-US" altLang="zh-CN" sz="2400" i="1" dirty="0">
+                        <a:latin typeface="Cambria Math" panose="02040503050406030204" pitchFamily="18" charset="0"/>
+                      </a:rPr>
+                      <m:t>1</m:t>
+                    </m:r>
+                  </m:oMath>
+                </a14:m>
+                <a:r>
+                  <a:rPr lang="zh-CN" altLang="en-US" sz="2400" dirty="0"/>
+                  <a:t>。</a:t>
+                </a:r>
+                <a:endParaRPr lang="en-US" altLang="zh-CN" sz="2400" dirty="0"/>
+              </a:p>
+              <a:p>
                 <a14:m>
                   <m:oMath xmlns:m="http://schemas.openxmlformats.org/officeDocument/2006/math">
                     <m:sSub>
@@ -28909,7 +29666,7 @@
                       <a:rPr lang="en-US" altLang="zh-CN" sz="2400" i="1" dirty="0">
                         <a:latin typeface="Cambria Math" panose="02040503050406030204" pitchFamily="18" charset="0"/>
                       </a:rPr>
-                      <m:t> = 2</m:t>
+                      <m:t> = 1</m:t>
                     </m:r>
                   </m:oMath>
                 </a14:m>
@@ -28919,7 +29676,161 @@
                 </a:r>
                 <a:r>
                   <a:rPr lang="zh-CN" altLang="en-US" sz="2400" dirty="0"/>
-                  <a:t>意味着区间中有且仅有一个 </a:t>
+                  <a:t>代表有偶数个 </a:t>
+                </a:r>
+                <a14:m>
+                  <m:oMath xmlns:m="http://schemas.openxmlformats.org/officeDocument/2006/math">
+                    <m:sSub>
+                      <m:sSubPr>
+                        <m:ctrlPr>
+                          <a:rPr lang="en-US" altLang="zh-CN" sz="2400" i="1" dirty="0">
+                            <a:latin typeface="Cambria Math" panose="02040503050406030204" pitchFamily="18" charset="0"/>
+                          </a:rPr>
+                        </m:ctrlPr>
+                      </m:sSubPr>
+                      <m:e>
+                        <m:r>
+                          <a:rPr lang="en-US" altLang="zh-CN" sz="2400" i="1" dirty="0">
+                            <a:latin typeface="Cambria Math" panose="02040503050406030204" pitchFamily="18" charset="0"/>
+                          </a:rPr>
+                          <m:t>𝑥</m:t>
+                        </m:r>
+                      </m:e>
+                      <m:sub>
+                        <m:r>
+                          <a:rPr lang="en-US" altLang="zh-CN" sz="2400" i="1" dirty="0">
+                            <a:latin typeface="Cambria Math" panose="02040503050406030204" pitchFamily="18" charset="0"/>
+                          </a:rPr>
+                          <m:t>𝑖</m:t>
+                        </m:r>
+                      </m:sub>
+                    </m:sSub>
+                  </m:oMath>
+                </a14:m>
+                <a:r>
+                  <a:rPr lang="en-US" altLang="zh-CN" sz="2400" dirty="0"/>
+                  <a:t> </a:t>
+                </a:r>
+                <a:r>
+                  <a:rPr lang="zh-CN" altLang="en-US" sz="2400" dirty="0"/>
+                  <a:t>为 </a:t>
+                </a:r>
+                <a14:m>
+                  <m:oMath xmlns:m="http://schemas.openxmlformats.org/officeDocument/2006/math">
+                    <m:r>
+                      <a:rPr lang="en-US" altLang="zh-CN" sz="2400" b="0" i="1" dirty="0" smtClean="0">
+                        <a:latin typeface="Cambria Math" panose="02040503050406030204" pitchFamily="18" charset="0"/>
+                      </a:rPr>
+                      <m:t>1</m:t>
+                    </m:r>
+                  </m:oMath>
+                </a14:m>
+                <a:r>
+                  <a:rPr lang="zh-CN" altLang="en-US" sz="2400" dirty="0"/>
+                  <a:t>，而 </a:t>
+                </a:r>
+                <a14:m>
+                  <m:oMath xmlns:m="http://schemas.openxmlformats.org/officeDocument/2006/math">
+                    <m:sSub>
+                      <m:sSubPr>
+                        <m:ctrlPr>
+                          <a:rPr lang="en-US" altLang="zh-CN" sz="2400" i="1" dirty="0">
+                            <a:latin typeface="Cambria Math" panose="02040503050406030204" pitchFamily="18" charset="0"/>
+                          </a:rPr>
+                        </m:ctrlPr>
+                      </m:sSubPr>
+                      <m:e>
+                        <m:r>
+                          <a:rPr lang="en-US" altLang="zh-CN" sz="2400" i="1" dirty="0">
+                            <a:latin typeface="Cambria Math" panose="02040503050406030204" pitchFamily="18" charset="0"/>
+                          </a:rPr>
+                          <m:t>𝑣</m:t>
+                        </m:r>
+                      </m:e>
+                      <m:sub>
+                        <m:r>
+                          <a:rPr lang="en-US" altLang="zh-CN" sz="2400" i="1" dirty="0">
+                            <a:latin typeface="Cambria Math" panose="02040503050406030204" pitchFamily="18" charset="0"/>
+                          </a:rPr>
+                          <m:t>𝑖</m:t>
+                        </m:r>
+                      </m:sub>
+                    </m:sSub>
+                    <m:r>
+                      <a:rPr lang="en-US" altLang="zh-CN" sz="2400" i="1" dirty="0">
+                        <a:latin typeface="Cambria Math" panose="02040503050406030204" pitchFamily="18" charset="0"/>
+                      </a:rPr>
+                      <m:t>=</m:t>
+                    </m:r>
+                    <m:r>
+                      <a:rPr lang="en-US" altLang="zh-CN" sz="2400" b="0" i="1" dirty="0" smtClean="0">
+                        <a:latin typeface="Cambria Math" panose="02040503050406030204" pitchFamily="18" charset="0"/>
+                      </a:rPr>
+                      <m:t>2</m:t>
+                    </m:r>
+                  </m:oMath>
+                </a14:m>
+                <a:r>
+                  <a:rPr lang="zh-CN" altLang="en-US" sz="2400" dirty="0"/>
+                  <a:t> 代表有奇数个 </a:t>
+                </a:r>
+                <a14:m>
+                  <m:oMath xmlns:m="http://schemas.openxmlformats.org/officeDocument/2006/math">
+                    <m:sSub>
+                      <m:sSubPr>
+                        <m:ctrlPr>
+                          <a:rPr lang="en-US" altLang="zh-CN" sz="2400" i="1" dirty="0">
+                            <a:latin typeface="Cambria Math" panose="02040503050406030204" pitchFamily="18" charset="0"/>
+                          </a:rPr>
+                        </m:ctrlPr>
+                      </m:sSubPr>
+                      <m:e>
+                        <m:r>
+                          <a:rPr lang="en-US" altLang="zh-CN" sz="2400" i="1" dirty="0">
+                            <a:latin typeface="Cambria Math" panose="02040503050406030204" pitchFamily="18" charset="0"/>
+                          </a:rPr>
+                          <m:t>𝑥</m:t>
+                        </m:r>
+                      </m:e>
+                      <m:sub>
+                        <m:r>
+                          <a:rPr lang="en-US" altLang="zh-CN" sz="2400" i="1" dirty="0">
+                            <a:latin typeface="Cambria Math" panose="02040503050406030204" pitchFamily="18" charset="0"/>
+                          </a:rPr>
+                          <m:t>𝑖</m:t>
+                        </m:r>
+                      </m:sub>
+                    </m:sSub>
+                  </m:oMath>
+                </a14:m>
+                <a:r>
+                  <a:rPr lang="en-US" altLang="zh-CN" sz="2400" dirty="0"/>
+                  <a:t> </a:t>
+                </a:r>
+                <a:r>
+                  <a:rPr lang="zh-CN" altLang="en-US" sz="2400" dirty="0"/>
+                  <a:t>为 </a:t>
+                </a:r>
+                <a14:m>
+                  <m:oMath xmlns:m="http://schemas.openxmlformats.org/officeDocument/2006/math">
+                    <m:r>
+                      <a:rPr lang="en-US" altLang="zh-CN" sz="2400" b="0" i="1" dirty="0" smtClean="0">
+                        <a:latin typeface="Cambria Math" panose="02040503050406030204" pitchFamily="18" charset="0"/>
+                      </a:rPr>
+                      <m:t>0</m:t>
+                    </m:r>
+                  </m:oMath>
+                </a14:m>
+                <a:r>
+                  <a:rPr lang="zh-CN" altLang="en-US" sz="2400" dirty="0"/>
+                  <a:t>。</a:t>
+                </a:r>
+                <a:endParaRPr lang="en-US" altLang="zh-CN" sz="2400" dirty="0"/>
+              </a:p>
+              <a:p>
+                <a:r>
+                  <a:rPr lang="zh-CN" altLang="en-US" sz="2400" dirty="0"/>
+                  <a:t>考虑 </a:t>
                 </a:r>
                 <a14:m>
                   <m:oMath xmlns:m="http://schemas.openxmlformats.org/officeDocument/2006/math">
@@ -28927,20 +29838,241 @@
                       <a:rPr lang="en-US" altLang="zh-CN" sz="2400" i="1" dirty="0">
                         <a:latin typeface="Cambria Math" panose="02040503050406030204" pitchFamily="18" charset="0"/>
                       </a:rPr>
-                      <m:t>2</m:t>
+                      <m:t>𝑞</m:t>
                     </m:r>
                   </m:oMath>
                 </a14:m>
                 <a:r>
+                  <a:rPr lang="en-US" altLang="zh-CN" sz="2400" dirty="0"/>
+                  <a:t> </a:t>
+                </a:r>
+                <a:r>
                   <a:rPr lang="zh-CN" altLang="en-US" sz="2400" dirty="0"/>
-                  <a:t>。</a:t>
+                  <a:t>个异或方程：</a:t>
                 </a:r>
                 <a:endParaRPr lang="en-US" altLang="zh-CN" sz="2400" dirty="0"/>
               </a:p>
               <a:p>
+                <a:endParaRPr lang="en-US" altLang="zh-CN" sz="2400" dirty="0"/>
+              </a:p>
+              <a:p>
+                <a:pPr marL="0" indent="0" algn="ctr">
+                  <a:buNone/>
+                </a:pPr>
+                <a14:m>
+                  <m:oMathPara xmlns:m="http://schemas.openxmlformats.org/officeDocument/2006/math">
+                    <m:oMathParaPr>
+                      <m:jc m:val="centerGroup"/>
+                    </m:oMathParaPr>
+                    <m:oMath xmlns:m="http://schemas.openxmlformats.org/officeDocument/2006/math">
+                      <m:sSub>
+                        <m:sSubPr>
+                          <m:ctrlPr>
+                            <a:rPr lang="en-US" altLang="zh-CN" sz="2400" i="1" dirty="0">
+                              <a:latin typeface="Cambria Math" panose="02040503050406030204" pitchFamily="18" charset="0"/>
+                            </a:rPr>
+                          </m:ctrlPr>
+                        </m:sSubPr>
+                        <m:e>
+                          <m:r>
+                            <a:rPr lang="en-US" altLang="zh-CN" sz="2400" i="1" dirty="0">
+                              <a:latin typeface="Cambria Math" panose="02040503050406030204" pitchFamily="18" charset="0"/>
+                            </a:rPr>
+                            <m:t>𝑥</m:t>
+                          </m:r>
+                        </m:e>
+                        <m:sub>
+                          <m:r>
+                            <a:rPr lang="en-US" altLang="zh-CN" sz="2400" i="1" dirty="0">
+                              <a:latin typeface="Cambria Math" panose="02040503050406030204" pitchFamily="18" charset="0"/>
+                            </a:rPr>
+                            <m:t>𝑙</m:t>
+                          </m:r>
+                        </m:sub>
+                      </m:sSub>
+                      <m:r>
+                        <a:rPr lang="en-US" altLang="zh-CN" sz="2400" i="1" dirty="0">
+                          <a:latin typeface="Cambria Math" panose="02040503050406030204" pitchFamily="18" charset="0"/>
+                        </a:rPr>
+                        <m:t>⊕</m:t>
+                      </m:r>
+                      <m:sSub>
+                        <m:sSubPr>
+                          <m:ctrlPr>
+                            <a:rPr lang="en-US" altLang="zh-CN" sz="2400" i="1" dirty="0">
+                              <a:latin typeface="Cambria Math" panose="02040503050406030204" pitchFamily="18" charset="0"/>
+                            </a:rPr>
+                          </m:ctrlPr>
+                        </m:sSubPr>
+                        <m:e>
+                          <m:r>
+                            <a:rPr lang="en-US" altLang="zh-CN" sz="2400" i="1" dirty="0">
+                              <a:latin typeface="Cambria Math" panose="02040503050406030204" pitchFamily="18" charset="0"/>
+                            </a:rPr>
+                            <m:t>𝑥</m:t>
+                          </m:r>
+                        </m:e>
+                        <m:sub>
+                          <m:r>
+                            <a:rPr lang="en-US" altLang="zh-CN" sz="2400" i="1" dirty="0">
+                              <a:latin typeface="Cambria Math" panose="02040503050406030204" pitchFamily="18" charset="0"/>
+                            </a:rPr>
+                            <m:t>𝑙</m:t>
+                          </m:r>
+                          <m:r>
+                            <a:rPr lang="en-US" altLang="zh-CN" sz="2400" i="1" dirty="0">
+                              <a:latin typeface="Cambria Math" panose="02040503050406030204" pitchFamily="18" charset="0"/>
+                            </a:rPr>
+                            <m:t>+1</m:t>
+                          </m:r>
+                        </m:sub>
+                      </m:sSub>
+                      <m:r>
+                        <a:rPr lang="en-US" altLang="zh-CN" sz="2400" i="1" dirty="0">
+                          <a:latin typeface="Cambria Math" panose="02040503050406030204" pitchFamily="18" charset="0"/>
+                        </a:rPr>
+                        <m:t>⊕⋯⊕</m:t>
+                      </m:r>
+                      <m:sSub>
+                        <m:sSubPr>
+                          <m:ctrlPr>
+                            <a:rPr lang="en-US" altLang="zh-CN" sz="2400" i="1" dirty="0">
+                              <a:latin typeface="Cambria Math" panose="02040503050406030204" pitchFamily="18" charset="0"/>
+                            </a:rPr>
+                          </m:ctrlPr>
+                        </m:sSubPr>
+                        <m:e>
+                          <m:r>
+                            <a:rPr lang="en-US" altLang="zh-CN" sz="2400" i="1" dirty="0" err="1">
+                              <a:latin typeface="Cambria Math" panose="02040503050406030204" pitchFamily="18" charset="0"/>
+                            </a:rPr>
+                            <m:t>𝑥</m:t>
+                          </m:r>
+                        </m:e>
+                        <m:sub>
+                          <m:r>
+                            <a:rPr lang="en-US" altLang="zh-CN" sz="2400" i="1" dirty="0" err="1">
+                              <a:latin typeface="Cambria Math" panose="02040503050406030204" pitchFamily="18" charset="0"/>
+                            </a:rPr>
+                            <m:t>𝑟</m:t>
+                          </m:r>
+                        </m:sub>
+                      </m:sSub>
+                      <m:r>
+                        <a:rPr lang="en-US" altLang="zh-CN" sz="2400" i="1" dirty="0">
+                          <a:latin typeface="Cambria Math" panose="02040503050406030204" pitchFamily="18" charset="0"/>
+                        </a:rPr>
+                        <m:t> = </m:t>
+                      </m:r>
+                      <m:r>
+                        <a:rPr lang="en-US" altLang="zh-CN" sz="2400" dirty="0">
+                          <a:latin typeface="Cambria Math" panose="02040503050406030204" pitchFamily="18" charset="0"/>
+                        </a:rPr>
+                        <m:t>0 </m:t>
+                      </m:r>
+                      <m:r>
+                        <m:rPr>
+                          <m:sty m:val="p"/>
+                        </m:rPr>
+                        <a:rPr lang="en-US" altLang="zh-CN" sz="2400" dirty="0">
+                          <a:latin typeface="Cambria Math" panose="02040503050406030204" pitchFamily="18" charset="0"/>
+                        </a:rPr>
+                        <m:t>or</m:t>
+                      </m:r>
+                      <m:r>
+                        <a:rPr lang="en-US" altLang="zh-CN" sz="2400" dirty="0">
+                          <a:latin typeface="Cambria Math" panose="02040503050406030204" pitchFamily="18" charset="0"/>
+                        </a:rPr>
+                        <m:t> 1</m:t>
+                      </m:r>
+                    </m:oMath>
+                  </m:oMathPara>
+                </a14:m>
+                <a:endParaRPr lang="en-US" altLang="zh-CN" sz="2400" dirty="0"/>
+              </a:p>
+              <a:p>
+                <a:pPr marL="0" indent="0">
+                  <a:buNone/>
+                </a:pPr>
+                <a:endParaRPr lang="en-US" altLang="zh-CN" sz="2400" dirty="0"/>
+              </a:p>
+              <a:p>
+                <a:r>
+                  <a:rPr lang="en-US" altLang="zh-CN" sz="2400" dirty="0" err="1"/>
+                  <a:t>Bitset</a:t>
+                </a:r>
+                <a:r>
+                  <a:rPr lang="en-US" altLang="zh-CN" sz="2400" dirty="0"/>
+                  <a:t> </a:t>
+                </a:r>
                 <a:r>
                   <a:rPr lang="zh-CN" altLang="en-US" sz="2400" dirty="0"/>
-                  <a:t>排序后贪心地填 </a:t>
+                  <a:t>优化高斯消元解异或方程组即可。</a:t>
+                </a:r>
+                <a:endParaRPr lang="en-US" altLang="zh-CN" sz="2400" dirty="0"/>
+              </a:p>
+              <a:p>
+                <a:r>
+                  <a:rPr lang="zh-CN" altLang="en-US" sz="2400" dirty="0"/>
+                  <a:t>维护某个点有没有被覆盖，用前缀和 </a:t>
+                </a:r>
+                <a:r>
+                  <a:rPr lang="en-US" altLang="zh-CN" sz="2400" dirty="0"/>
+                  <a:t>+ </a:t>
+                </a:r>
+                <a:r>
+                  <a:rPr lang="zh-CN" altLang="en-US" sz="2400" dirty="0"/>
+                  <a:t>差分可以解决 </a:t>
+                </a:r>
+                <a14:m>
+                  <m:oMath xmlns:m="http://schemas.openxmlformats.org/officeDocument/2006/math">
+                    <m:sSub>
+                      <m:sSubPr>
+                        <m:ctrlPr>
+                          <a:rPr lang="en-US" altLang="zh-CN" sz="2400" b="0" i="1" smtClean="0">
+                            <a:latin typeface="Cambria Math" panose="02040503050406030204" pitchFamily="18" charset="0"/>
+                          </a:rPr>
+                        </m:ctrlPr>
+                      </m:sSubPr>
+                      <m:e>
+                        <m:r>
+                          <a:rPr lang="en-US" altLang="zh-CN" sz="2400" b="0" i="1" smtClean="0">
+                            <a:latin typeface="Cambria Math" panose="02040503050406030204" pitchFamily="18" charset="0"/>
+                          </a:rPr>
+                          <m:t>𝑣</m:t>
+                        </m:r>
+                      </m:e>
+                      <m:sub>
+                        <m:r>
+                          <a:rPr lang="en-US" altLang="zh-CN" sz="2400" b="0" i="1" smtClean="0">
+                            <a:latin typeface="Cambria Math" panose="02040503050406030204" pitchFamily="18" charset="0"/>
+                          </a:rPr>
+                          <m:t>𝑖</m:t>
+                        </m:r>
+                      </m:sub>
+                    </m:sSub>
+                    <m:r>
+                      <a:rPr lang="en-US" altLang="zh-CN" sz="2400" b="0" i="1" smtClean="0">
+                        <a:latin typeface="Cambria Math" panose="02040503050406030204" pitchFamily="18" charset="0"/>
+                      </a:rPr>
+                      <m:t>=0</m:t>
+                    </m:r>
+                  </m:oMath>
+                </a14:m>
+                <a:r>
+                  <a:rPr lang="en-US" altLang="zh-CN" sz="2400" dirty="0"/>
+                  <a:t> </a:t>
+                </a:r>
+                <a:r>
+                  <a:rPr lang="zh-CN" altLang="en-US" sz="2400" dirty="0"/>
+                  <a:t>的询问。</a:t>
+                </a:r>
+                <a:endParaRPr lang="en-US" altLang="zh-CN" sz="2400" dirty="0"/>
+              </a:p>
+              <a:p>
+                <a:r>
+                  <a:rPr lang="zh-CN" altLang="en-US" sz="2400" dirty="0"/>
+                  <a:t>时间复杂度为 </a:t>
                 </a:r>
                 <a14:m>
                   <m:oMath xmlns:m="http://schemas.openxmlformats.org/officeDocument/2006/math">
@@ -28948,40 +30080,76 @@
                       <a:rPr lang="en-US" altLang="zh-CN" sz="2400" i="1" dirty="0">
                         <a:latin typeface="Cambria Math" panose="02040503050406030204" pitchFamily="18" charset="0"/>
                       </a:rPr>
-                      <m:t>2</m:t>
+                      <m:t>𝑂</m:t>
+                    </m:r>
+                    <m:r>
+                      <a:rPr lang="en-US" altLang="zh-CN" sz="2400" i="1" dirty="0">
+                        <a:latin typeface="Cambria Math" panose="02040503050406030204" pitchFamily="18" charset="0"/>
+                      </a:rPr>
+                      <m:t>(</m:t>
+                    </m:r>
+                    <m:f>
+                      <m:fPr>
+                        <m:ctrlPr>
+                          <a:rPr lang="en-US" altLang="zh-CN" sz="2400" i="1" dirty="0">
+                            <a:latin typeface="Cambria Math" panose="02040503050406030204" pitchFamily="18" charset="0"/>
+                          </a:rPr>
+                        </m:ctrlPr>
+                      </m:fPr>
+                      <m:num>
+                        <m:sSup>
+                          <m:sSupPr>
+                            <m:ctrlPr>
+                              <a:rPr lang="en-US" altLang="zh-CN" sz="2400" i="1" dirty="0">
+                                <a:latin typeface="Cambria Math" panose="02040503050406030204" pitchFamily="18" charset="0"/>
+                              </a:rPr>
+                            </m:ctrlPr>
+                          </m:sSupPr>
+                          <m:e>
+                            <m:r>
+                              <a:rPr lang="en-US" altLang="zh-CN" sz="2400" i="1" dirty="0">
+                                <a:latin typeface="Cambria Math" panose="02040503050406030204" pitchFamily="18" charset="0"/>
+                              </a:rPr>
+                              <m:t>𝑛</m:t>
+                            </m:r>
+                          </m:e>
+                          <m:sup>
+                            <m:r>
+                              <a:rPr lang="en-US" altLang="zh-CN" sz="2400" i="1" dirty="0">
+                                <a:latin typeface="Cambria Math" panose="02040503050406030204" pitchFamily="18" charset="0"/>
+                              </a:rPr>
+                              <m:t>3</m:t>
+                            </m:r>
+                          </m:sup>
+                        </m:sSup>
+                      </m:num>
+                      <m:den>
+                        <m:r>
+                          <a:rPr lang="en-US" altLang="zh-CN" sz="2400" i="1" dirty="0">
+                            <a:latin typeface="Cambria Math" panose="02040503050406030204" pitchFamily="18" charset="0"/>
+                          </a:rPr>
+                          <m:t>𝑤</m:t>
+                        </m:r>
+                      </m:den>
+                    </m:f>
+                    <m:r>
+                      <a:rPr lang="en-US" altLang="zh-CN" sz="2400" i="1" dirty="0">
+                        <a:latin typeface="Cambria Math" panose="02040503050406030204" pitchFamily="18" charset="0"/>
+                      </a:rPr>
+                      <m:t> )</m:t>
                     </m:r>
                   </m:oMath>
                 </a14:m>
                 <a:r>
-                  <a:rPr lang="en-US" altLang="zh-CN" sz="2400" dirty="0"/>
-                  <a:t> </a:t>
-                </a:r>
-                <a:r>
                   <a:rPr lang="zh-CN" altLang="en-US" sz="2400" dirty="0"/>
-                  <a:t>即可。结合算法 </a:t>
-                </a:r>
-                <a:r>
-                  <a:rPr lang="en-US" altLang="zh-CN" sz="2400" dirty="0"/>
-                  <a:t>0, 1 </a:t>
-                </a:r>
-                <a:r>
-                  <a:rPr lang="zh-CN" altLang="en-US" sz="2400" dirty="0"/>
-                  <a:t>期望得到 </a:t>
-                </a:r>
-                <a:r>
-                  <a:rPr lang="en-US" altLang="zh-CN" sz="2400" dirty="0"/>
-                  <a:t>32 </a:t>
-                </a:r>
-                <a:r>
-                  <a:rPr lang="zh-CN" altLang="en-US" sz="2400" dirty="0"/>
-                  <a:t>分。</a:t>
-                </a:r>
-                <a:endParaRPr lang="zh-CN" altLang="en-US" sz="3600" dirty="0"/>
+                  <a:t>。</a:t>
+                </a:r>
+                <a:endParaRPr lang="zh-CN" altLang="en-US" sz="4800" dirty="0"/>
               </a:p>
             </p:txBody>
           </p:sp>
         </mc:Choice>
-        <mc:Fallback xmlns="">
+        <mc:Fallback>
           <p:sp>
             <p:nvSpPr>
               <p:cNvPr id="3" name="内容占位符 2">
@@ -28999,10 +30167,14 @@
               </p:nvPr>
             </p:nvSpPr>
             <p:spPr>
+              <a:xfrm>
+                <a:off x="838200" y="1825625"/>
+                <a:ext cx="10515600" cy="4901051"/>
+              </a:xfrm>
               <a:blipFill>
                 <a:blip r:embed="rId2"/>
                 <a:stretch>
-                  <a:fillRect l="-464" t="-1684"/>
+                  <a:fillRect l="-812" t="-2114"/>
                 </a:stretch>
               </a:blipFill>
             </p:spPr>
@@ -29026,7 +30198,7 @@
           <p:cNvPr id="4" name="日期占位符 3">
             <a:extLst>
               <a:ext uri="{FF2B5EF4-FFF2-40B4-BE49-F238E27FC236}">
-                <a16:creationId xmlns:a16="http://schemas.microsoft.com/office/drawing/2014/main" id="{615F4677-C992-226D-CF81-5AFD38415B7A}"/>
+                <a16:creationId xmlns:a16="http://schemas.microsoft.com/office/drawing/2014/main" id="{47B35C28-A830-C0BD-C4A1-1F135594DECA}"/>
               </a:ext>
             </a:extLst>
           </p:cNvPr>
@@ -29042,9 +30214,9 @@
           <a:bodyPr/>
           <a:lstStyle/>
           <a:p>
-            <a:fld id="{BBCE70C7-BC16-498F-BFC4-7961AF2E0FAC}" type="datetime2">
+            <a:fld id="{74362831-6955-48B9-8E5A-4FCA466B858A}" type="datetime2">
               <a:rPr lang="en-US" altLang="zh-CN" smtClean="0"/>
-              <a:t>Tuesday, November 28, 2023</a:t>
+              <a:t>Tuesday, December 5, 2023</a:t>
             </a:fld>
             <a:endParaRPr lang="en-US" dirty="0"/>
           </a:p>
@@ -29055,7 +30227,7 @@
           <p:cNvPr id="5" name="页脚占位符 4">
             <a:extLst>
               <a:ext uri="{FF2B5EF4-FFF2-40B4-BE49-F238E27FC236}">
-                <a16:creationId xmlns:a16="http://schemas.microsoft.com/office/drawing/2014/main" id="{0C147EF3-28D7-B67B-F0DF-29DB3834F357}"/>
+                <a16:creationId xmlns:a16="http://schemas.microsoft.com/office/drawing/2014/main" id="{F0C2C8FC-86CA-2BFA-56E0-4A6F88591C08}"/>
               </a:ext>
             </a:extLst>
           </p:cNvPr>
@@ -29088,7 +30260,7 @@
           <p:cNvPr id="6" name="灯片编号占位符 5">
             <a:extLst>
               <a:ext uri="{FF2B5EF4-FFF2-40B4-BE49-F238E27FC236}">
-                <a16:creationId xmlns:a16="http://schemas.microsoft.com/office/drawing/2014/main" id="{6BBD6B71-E679-7591-CA19-830BE757D560}"/>
+                <a16:creationId xmlns:a16="http://schemas.microsoft.com/office/drawing/2014/main" id="{52617ED6-183C-DFAB-8B48-73BAF3F88256}"/>
               </a:ext>
             </a:extLst>
           </p:cNvPr>
@@ -29106,7 +30278,7 @@
           <a:p>
             <a:fld id="{69E57DC2-970A-4B3E-BB1C-7A09969E49DF}" type="slidenum">
               <a:rPr lang="en-US" smtClean="0"/>
-              <a:t>45</a:t>
+              <a:t>47</a:t>
             </a:fld>
             <a:endParaRPr lang="en-US" dirty="0"/>
           </a:p>
@@ -29115,7 +30287,7 @@
     </p:spTree>
     <p:extLst>
       <p:ext uri="{BB962C8B-B14F-4D97-AF65-F5344CB8AC3E}">
-        <p14:creationId xmlns:p14="http://schemas.microsoft.com/office/powerpoint/2010/main" val="2583142024"/>
+        <p14:creationId xmlns:p14="http://schemas.microsoft.com/office/powerpoint/2010/main" val="1136445785"/>
       </p:ext>
     </p:extLst>
   </p:cSld>
@@ -29424,1238 +30596,6 @@
                       </p:childTnLst>
                     </p:cTn>
                   </p:par>
-                </p:childTnLst>
-              </p:cTn>
-              <p:prevCondLst>
-                <p:cond evt="onPrev" delay="0">
-                  <p:tgtEl>
-                    <p:sldTgt/>
-                  </p:tgtEl>
-                </p:cond>
-              </p:prevCondLst>
-              <p:nextCondLst>
-                <p:cond evt="onNext" delay="0">
-                  <p:tgtEl>
-                    <p:sldTgt/>
-                  </p:tgtEl>
-                </p:cond>
-              </p:nextCondLst>
-            </p:seq>
-          </p:childTnLst>
-        </p:cTn>
-      </p:par>
-    </p:tnLst>
-    <p:bldLst>
-      <p:bldP spid="3" grpId="0" build="p"/>
-    </p:bldLst>
-  </p:timing>
-</p:sld>
-</file>
-
-<file path=ppt/slides/slide46.xml><?xml version="1.0" encoding="utf-8"?>
-<p:sld xmlns:a="http://schemas.openxmlformats.org/drawingml/2006/main" xmlns:r="http://schemas.openxmlformats.org/officeDocument/2006/relationships" xmlns:p="http://schemas.openxmlformats.org/presentationml/2006/main">
-  <p:cSld>
-    <p:spTree>
-      <p:nvGrpSpPr>
-        <p:cNvPr id="1" name=""/>
-        <p:cNvGrpSpPr/>
-        <p:nvPr/>
-      </p:nvGrpSpPr>
-      <p:grpSpPr>
-        <a:xfrm>
-          <a:off x="0" y="0"/>
-          <a:ext cx="0" cy="0"/>
-          <a:chOff x="0" y="0"/>
-          <a:chExt cx="0" cy="0"/>
-        </a:xfrm>
-      </p:grpSpPr>
-      <p:sp>
-        <p:nvSpPr>
-          <p:cNvPr id="2" name="标题 1">
-            <a:extLst>
-              <a:ext uri="{FF2B5EF4-FFF2-40B4-BE49-F238E27FC236}">
-                <a16:creationId xmlns:a16="http://schemas.microsoft.com/office/drawing/2014/main" id="{960F86D0-2FFA-B7BB-D0CA-552E8A40922D}"/>
-              </a:ext>
-            </a:extLst>
-          </p:cNvPr>
-          <p:cNvSpPr>
-            <a:spLocks noGrp="1"/>
-          </p:cNvSpPr>
-          <p:nvPr>
-            <p:ph type="title"/>
-          </p:nvPr>
-        </p:nvSpPr>
-        <p:spPr/>
-        <p:txBody>
-          <a:bodyPr/>
-          <a:lstStyle/>
-          <a:p>
-            <a:r>
-              <a:rPr lang="zh-CN" altLang="en-US" dirty="0"/>
-              <a:t>算法 </a:t>
-            </a:r>
-            <a:r>
-              <a:rPr lang="en-US" altLang="zh-CN" dirty="0"/>
-              <a:t>3</a:t>
-            </a:r>
-            <a:endParaRPr lang="zh-CN" altLang="en-US" dirty="0"/>
-          </a:p>
-        </p:txBody>
-      </p:sp>
-      <mc:AlternateContent xmlns:mc="http://schemas.openxmlformats.org/markup-compatibility/2006" xmlns:a14="http://schemas.microsoft.com/office/drawing/2010/main">
-        <mc:Choice Requires="a14">
-          <p:sp>
-            <p:nvSpPr>
-              <p:cNvPr id="3" name="内容占位符 2">
-                <a:extLst>
-                  <a:ext uri="{FF2B5EF4-FFF2-40B4-BE49-F238E27FC236}">
-                    <a16:creationId xmlns:a16="http://schemas.microsoft.com/office/drawing/2014/main" id="{20F8BB65-9D58-B310-D7D0-D5C9283B3BCB}"/>
-                  </a:ext>
-                </a:extLst>
-              </p:cNvPr>
-              <p:cNvSpPr>
-                <a:spLocks noGrp="1"/>
-              </p:cNvSpPr>
-              <p:nvPr>
-                <p:ph idx="1"/>
-              </p:nvPr>
-            </p:nvSpPr>
-            <p:spPr>
-              <a:xfrm>
-                <a:off x="838200" y="1825625"/>
-                <a:ext cx="10515600" cy="4901051"/>
-              </a:xfrm>
-            </p:spPr>
-            <p:txBody>
-              <a:bodyPr>
-                <a:normAutofit/>
-              </a:bodyPr>
-              <a:lstStyle/>
-              <a:p>
-                <a:r>
-                  <a:rPr lang="zh-CN" altLang="en-US" sz="2400" dirty="0"/>
-                  <a:t>我会观察性质！</a:t>
-                </a:r>
-                <a:endParaRPr lang="en-US" altLang="zh-CN" sz="2400" dirty="0"/>
-              </a:p>
-              <a:p>
-                <a:r>
-                  <a:rPr lang="zh-CN" altLang="en-US" sz="2400" dirty="0"/>
-                  <a:t>注意到 </a:t>
-                </a:r>
-                <a14:m>
-                  <m:oMath xmlns:m="http://schemas.openxmlformats.org/officeDocument/2006/math">
-                    <m:sSub>
-                      <m:sSubPr>
-                        <m:ctrlPr>
-                          <a:rPr lang="en-US" altLang="zh-CN" sz="2400" i="1" dirty="0">
-                            <a:latin typeface="Cambria Math" panose="02040503050406030204" pitchFamily="18" charset="0"/>
-                          </a:rPr>
-                        </m:ctrlPr>
-                      </m:sSubPr>
-                      <m:e>
-                        <m:r>
-                          <a:rPr lang="en-US" altLang="zh-CN" sz="2400" i="1" dirty="0">
-                            <a:latin typeface="Cambria Math" panose="02040503050406030204" pitchFamily="18" charset="0"/>
-                          </a:rPr>
-                          <m:t>𝑣</m:t>
-                        </m:r>
-                      </m:e>
-                      <m:sub>
-                        <m:r>
-                          <a:rPr lang="en-US" altLang="zh-CN" sz="2400" i="1" dirty="0">
-                            <a:latin typeface="Cambria Math" panose="02040503050406030204" pitchFamily="18" charset="0"/>
-                          </a:rPr>
-                          <m:t>𝑖</m:t>
-                        </m:r>
-                      </m:sub>
-                    </m:sSub>
-                    <m:r>
-                      <a:rPr lang="en-US" altLang="zh-CN" sz="2400" i="1" dirty="0">
-                        <a:latin typeface="Cambria Math" panose="02040503050406030204" pitchFamily="18" charset="0"/>
-                      </a:rPr>
-                      <m:t>=1, 3</m:t>
-                    </m:r>
-                  </m:oMath>
-                </a14:m>
-                <a:r>
-                  <a:rPr lang="zh-CN" altLang="en-US" sz="2400" dirty="0"/>
-                  <a:t>，所以整个序列可以只填 </a:t>
-                </a:r>
-                <a14:m>
-                  <m:oMath xmlns:m="http://schemas.openxmlformats.org/officeDocument/2006/math">
-                    <m:r>
-                      <a:rPr lang="en-US" altLang="zh-CN" sz="2400" i="1" dirty="0">
-                        <a:latin typeface="Cambria Math" panose="02040503050406030204" pitchFamily="18" charset="0"/>
-                      </a:rPr>
-                      <m:t>1</m:t>
-                    </m:r>
-                  </m:oMath>
-                </a14:m>
-                <a:r>
-                  <a:rPr lang="en-US" altLang="zh-CN" sz="2400" dirty="0"/>
-                  <a:t> </a:t>
-                </a:r>
-                <a:r>
-                  <a:rPr lang="zh-CN" altLang="en-US" sz="2400" dirty="0"/>
-                  <a:t>或 </a:t>
-                </a:r>
-                <a14:m>
-                  <m:oMath xmlns:m="http://schemas.openxmlformats.org/officeDocument/2006/math">
-                    <m:r>
-                      <a:rPr lang="en-US" altLang="zh-CN" sz="2400" i="1" dirty="0">
-                        <a:latin typeface="Cambria Math" panose="02040503050406030204" pitchFamily="18" charset="0"/>
-                      </a:rPr>
-                      <m:t>3</m:t>
-                    </m:r>
-                  </m:oMath>
-                </a14:m>
-                <a:r>
-                  <a:rPr lang="zh-CN" altLang="en-US" sz="2400" dirty="0"/>
-                  <a:t>。</a:t>
-                </a:r>
-                <a:endParaRPr lang="en-US" altLang="zh-CN" sz="2400" dirty="0"/>
-              </a:p>
-              <a:p>
-                <a:r>
-                  <a:rPr lang="zh-CN" altLang="en-US" sz="2400" dirty="0"/>
-                  <a:t>考虑设 </a:t>
-                </a:r>
-                <a14:m>
-                  <m:oMath xmlns:m="http://schemas.openxmlformats.org/officeDocument/2006/math">
-                    <m:sSub>
-                      <m:sSubPr>
-                        <m:ctrlPr>
-                          <a:rPr lang="en-US" altLang="zh-CN" sz="2400" i="1" dirty="0">
-                            <a:latin typeface="Cambria Math" panose="02040503050406030204" pitchFamily="18" charset="0"/>
-                          </a:rPr>
-                        </m:ctrlPr>
-                      </m:sSubPr>
-                      <m:e>
-                        <m:r>
-                          <a:rPr lang="en-US" altLang="zh-CN" sz="2400" i="1" dirty="0">
-                            <a:latin typeface="Cambria Math" panose="02040503050406030204" pitchFamily="18" charset="0"/>
-                          </a:rPr>
-                          <m:t>𝑥</m:t>
-                        </m:r>
-                      </m:e>
-                      <m:sub>
-                        <m:r>
-                          <a:rPr lang="en-US" altLang="zh-CN" sz="2400" i="1" dirty="0">
-                            <a:latin typeface="Cambria Math" panose="02040503050406030204" pitchFamily="18" charset="0"/>
-                          </a:rPr>
-                          <m:t>𝑖</m:t>
-                        </m:r>
-                      </m:sub>
-                    </m:sSub>
-                  </m:oMath>
-                </a14:m>
-                <a:r>
-                  <a:rPr lang="en-US" altLang="zh-CN" sz="2400" dirty="0"/>
-                  <a:t> </a:t>
-                </a:r>
-                <a:r>
-                  <a:rPr lang="zh-CN" altLang="en-US" sz="2400" dirty="0"/>
-                  <a:t>代表第 </a:t>
-                </a:r>
-                <a14:m>
-                  <m:oMath xmlns:m="http://schemas.openxmlformats.org/officeDocument/2006/math">
-                    <m:r>
-                      <a:rPr lang="en-US" altLang="zh-CN" sz="2400" i="1" dirty="0">
-                        <a:latin typeface="Cambria Math" panose="02040503050406030204" pitchFamily="18" charset="0"/>
-                      </a:rPr>
-                      <m:t>𝑖</m:t>
-                    </m:r>
-                  </m:oMath>
-                </a14:m>
-                <a:r>
-                  <a:rPr lang="en-US" altLang="zh-CN" sz="2400" dirty="0"/>
-                  <a:t> </a:t>
-                </a:r>
-                <a:r>
-                  <a:rPr lang="zh-CN" altLang="en-US" sz="2400" dirty="0"/>
-                  <a:t>个位置填 </a:t>
-                </a:r>
-                <a14:m>
-                  <m:oMath xmlns:m="http://schemas.openxmlformats.org/officeDocument/2006/math">
-                    <m:r>
-                      <a:rPr lang="en-US" altLang="zh-CN" sz="2400" i="1" dirty="0">
-                        <a:latin typeface="Cambria Math" panose="02040503050406030204" pitchFamily="18" charset="0"/>
-                      </a:rPr>
-                      <m:t>1</m:t>
-                    </m:r>
-                  </m:oMath>
-                </a14:m>
-                <a:r>
-                  <a:rPr lang="en-US" altLang="zh-CN" sz="2400" dirty="0"/>
-                  <a:t> </a:t>
-                </a:r>
-                <a:r>
-                  <a:rPr lang="zh-CN" altLang="en-US" sz="2400" dirty="0"/>
-                  <a:t>或 </a:t>
-                </a:r>
-                <a14:m>
-                  <m:oMath xmlns:m="http://schemas.openxmlformats.org/officeDocument/2006/math">
-                    <m:r>
-                      <a:rPr lang="en-US" altLang="zh-CN" sz="2400" i="1" dirty="0">
-                        <a:latin typeface="Cambria Math" panose="02040503050406030204" pitchFamily="18" charset="0"/>
-                      </a:rPr>
-                      <m:t>3</m:t>
-                    </m:r>
-                  </m:oMath>
-                </a14:m>
-                <a:r>
-                  <a:rPr lang="zh-CN" altLang="en-US" sz="2400" dirty="0"/>
-                  <a:t>，分别为 </a:t>
-                </a:r>
-                <a14:m>
-                  <m:oMath xmlns:m="http://schemas.openxmlformats.org/officeDocument/2006/math">
-                    <m:r>
-                      <a:rPr lang="en-US" altLang="zh-CN" sz="2400" i="1" dirty="0">
-                        <a:latin typeface="Cambria Math" panose="02040503050406030204" pitchFamily="18" charset="0"/>
-                      </a:rPr>
-                      <m:t>0</m:t>
-                    </m:r>
-                  </m:oMath>
-                </a14:m>
-                <a:r>
-                  <a:rPr lang="en-US" altLang="zh-CN" sz="2400" dirty="0"/>
-                  <a:t> </a:t>
-                </a:r>
-                <a:r>
-                  <a:rPr lang="zh-CN" altLang="en-US" sz="2400" dirty="0"/>
-                  <a:t>或 </a:t>
-                </a:r>
-                <a14:m>
-                  <m:oMath xmlns:m="http://schemas.openxmlformats.org/officeDocument/2006/math">
-                    <m:r>
-                      <a:rPr lang="en-US" altLang="zh-CN" sz="2400" i="1" dirty="0">
-                        <a:latin typeface="Cambria Math" panose="02040503050406030204" pitchFamily="18" charset="0"/>
-                      </a:rPr>
-                      <m:t>1</m:t>
-                    </m:r>
-                  </m:oMath>
-                </a14:m>
-                <a:r>
-                  <a:rPr lang="zh-CN" altLang="en-US" sz="2400" dirty="0"/>
-                  <a:t>。</a:t>
-                </a:r>
-                <a:endParaRPr lang="en-US" altLang="zh-CN" sz="2400" dirty="0"/>
-              </a:p>
-              <a:p>
-                <a14:m>
-                  <m:oMath xmlns:m="http://schemas.openxmlformats.org/officeDocument/2006/math">
-                    <m:sSub>
-                      <m:sSubPr>
-                        <m:ctrlPr>
-                          <a:rPr lang="en-US" altLang="zh-CN" sz="2400" i="1" dirty="0">
-                            <a:latin typeface="Cambria Math" panose="02040503050406030204" pitchFamily="18" charset="0"/>
-                          </a:rPr>
-                        </m:ctrlPr>
-                      </m:sSubPr>
-                      <m:e>
-                        <m:r>
-                          <a:rPr lang="en-US" altLang="zh-CN" sz="2400" i="1" dirty="0">
-                            <a:latin typeface="Cambria Math" panose="02040503050406030204" pitchFamily="18" charset="0"/>
-                          </a:rPr>
-                          <m:t>𝑣</m:t>
-                        </m:r>
-                      </m:e>
-                      <m:sub>
-                        <m:r>
-                          <a:rPr lang="en-US" altLang="zh-CN" sz="2400" i="1" dirty="0">
-                            <a:latin typeface="Cambria Math" panose="02040503050406030204" pitchFamily="18" charset="0"/>
-                          </a:rPr>
-                          <m:t>𝑖</m:t>
-                        </m:r>
-                      </m:sub>
-                    </m:sSub>
-                    <m:r>
-                      <a:rPr lang="en-US" altLang="zh-CN" sz="2400" i="1" dirty="0">
-                        <a:latin typeface="Cambria Math" panose="02040503050406030204" pitchFamily="18" charset="0"/>
-                      </a:rPr>
-                      <m:t> = 1</m:t>
-                    </m:r>
-                  </m:oMath>
-                </a14:m>
-                <a:r>
-                  <a:rPr lang="en-US" altLang="zh-CN" sz="2400" dirty="0"/>
-                  <a:t> </a:t>
-                </a:r>
-                <a:r>
-                  <a:rPr lang="zh-CN" altLang="en-US" sz="2400" dirty="0"/>
-                  <a:t>代表有偶数个 </a:t>
-                </a:r>
-                <a14:m>
-                  <m:oMath xmlns:m="http://schemas.openxmlformats.org/officeDocument/2006/math">
-                    <m:sSub>
-                      <m:sSubPr>
-                        <m:ctrlPr>
-                          <a:rPr lang="en-US" altLang="zh-CN" sz="2400" i="1" dirty="0">
-                            <a:latin typeface="Cambria Math" panose="02040503050406030204" pitchFamily="18" charset="0"/>
-                          </a:rPr>
-                        </m:ctrlPr>
-                      </m:sSubPr>
-                      <m:e>
-                        <m:r>
-                          <a:rPr lang="en-US" altLang="zh-CN" sz="2400" i="1" dirty="0">
-                            <a:latin typeface="Cambria Math" panose="02040503050406030204" pitchFamily="18" charset="0"/>
-                          </a:rPr>
-                          <m:t>𝑥</m:t>
-                        </m:r>
-                      </m:e>
-                      <m:sub>
-                        <m:r>
-                          <a:rPr lang="en-US" altLang="zh-CN" sz="2400" i="1" dirty="0">
-                            <a:latin typeface="Cambria Math" panose="02040503050406030204" pitchFamily="18" charset="0"/>
-                          </a:rPr>
-                          <m:t>𝑖</m:t>
-                        </m:r>
-                      </m:sub>
-                    </m:sSub>
-                  </m:oMath>
-                </a14:m>
-                <a:r>
-                  <a:rPr lang="en-US" altLang="zh-CN" sz="2400" dirty="0"/>
-                  <a:t> </a:t>
-                </a:r>
-                <a:r>
-                  <a:rPr lang="zh-CN" altLang="en-US" sz="2400" dirty="0"/>
-                  <a:t>为 </a:t>
-                </a:r>
-                <a14:m>
-                  <m:oMath xmlns:m="http://schemas.openxmlformats.org/officeDocument/2006/math">
-                    <m:r>
-                      <a:rPr lang="en-US" altLang="zh-CN" sz="2400" i="1" dirty="0">
-                        <a:latin typeface="Cambria Math" panose="02040503050406030204" pitchFamily="18" charset="0"/>
-                      </a:rPr>
-                      <m:t>3</m:t>
-                    </m:r>
-                  </m:oMath>
-                </a14:m>
-                <a:r>
-                  <a:rPr lang="zh-CN" altLang="en-US" sz="2400" dirty="0"/>
-                  <a:t>，而 </a:t>
-                </a:r>
-                <a14:m>
-                  <m:oMath xmlns:m="http://schemas.openxmlformats.org/officeDocument/2006/math">
-                    <m:sSub>
-                      <m:sSubPr>
-                        <m:ctrlPr>
-                          <a:rPr lang="en-US" altLang="zh-CN" sz="2400" i="1" dirty="0">
-                            <a:latin typeface="Cambria Math" panose="02040503050406030204" pitchFamily="18" charset="0"/>
-                          </a:rPr>
-                        </m:ctrlPr>
-                      </m:sSubPr>
-                      <m:e>
-                        <m:r>
-                          <a:rPr lang="en-US" altLang="zh-CN" sz="2400" i="1" dirty="0">
-                            <a:latin typeface="Cambria Math" panose="02040503050406030204" pitchFamily="18" charset="0"/>
-                          </a:rPr>
-                          <m:t>𝑣</m:t>
-                        </m:r>
-                      </m:e>
-                      <m:sub>
-                        <m:r>
-                          <a:rPr lang="en-US" altLang="zh-CN" sz="2400" i="1" dirty="0">
-                            <a:latin typeface="Cambria Math" panose="02040503050406030204" pitchFamily="18" charset="0"/>
-                          </a:rPr>
-                          <m:t>𝑖</m:t>
-                        </m:r>
-                      </m:sub>
-                    </m:sSub>
-                    <m:r>
-                      <a:rPr lang="en-US" altLang="zh-CN" sz="2400" i="1" dirty="0">
-                        <a:latin typeface="Cambria Math" panose="02040503050406030204" pitchFamily="18" charset="0"/>
-                      </a:rPr>
-                      <m:t>=3</m:t>
-                    </m:r>
-                  </m:oMath>
-                </a14:m>
-                <a:r>
-                  <a:rPr lang="zh-CN" altLang="en-US" sz="2400" dirty="0"/>
-                  <a:t> 代表有奇数个 </a:t>
-                </a:r>
-                <a14:m>
-                  <m:oMath xmlns:m="http://schemas.openxmlformats.org/officeDocument/2006/math">
-                    <m:sSub>
-                      <m:sSubPr>
-                        <m:ctrlPr>
-                          <a:rPr lang="en-US" altLang="zh-CN" sz="2400" i="1" dirty="0">
-                            <a:latin typeface="Cambria Math" panose="02040503050406030204" pitchFamily="18" charset="0"/>
-                          </a:rPr>
-                        </m:ctrlPr>
-                      </m:sSubPr>
-                      <m:e>
-                        <m:r>
-                          <a:rPr lang="en-US" altLang="zh-CN" sz="2400" i="1" dirty="0">
-                            <a:latin typeface="Cambria Math" panose="02040503050406030204" pitchFamily="18" charset="0"/>
-                          </a:rPr>
-                          <m:t>𝑥</m:t>
-                        </m:r>
-                      </m:e>
-                      <m:sub>
-                        <m:r>
-                          <a:rPr lang="en-US" altLang="zh-CN" sz="2400" i="1" dirty="0">
-                            <a:latin typeface="Cambria Math" panose="02040503050406030204" pitchFamily="18" charset="0"/>
-                          </a:rPr>
-                          <m:t>𝑖</m:t>
-                        </m:r>
-                      </m:sub>
-                    </m:sSub>
-                  </m:oMath>
-                </a14:m>
-                <a:r>
-                  <a:rPr lang="en-US" altLang="zh-CN" sz="2400" dirty="0"/>
-                  <a:t> </a:t>
-                </a:r>
-                <a:r>
-                  <a:rPr lang="zh-CN" altLang="en-US" sz="2400" dirty="0"/>
-                  <a:t>为 </a:t>
-                </a:r>
-                <a14:m>
-                  <m:oMath xmlns:m="http://schemas.openxmlformats.org/officeDocument/2006/math">
-                    <m:r>
-                      <a:rPr lang="en-US" altLang="zh-CN" sz="2400" i="1" dirty="0">
-                        <a:latin typeface="Cambria Math" panose="02040503050406030204" pitchFamily="18" charset="0"/>
-                      </a:rPr>
-                      <m:t>1</m:t>
-                    </m:r>
-                  </m:oMath>
-                </a14:m>
-                <a:r>
-                  <a:rPr lang="zh-CN" altLang="en-US" sz="2400" dirty="0"/>
-                  <a:t>。</a:t>
-                </a:r>
-                <a:endParaRPr lang="en-US" altLang="zh-CN" sz="2400" dirty="0"/>
-              </a:p>
-              <a:p>
-                <a:r>
-                  <a:rPr lang="zh-CN" altLang="en-US" sz="2400" dirty="0"/>
-                  <a:t>考虑 </a:t>
-                </a:r>
-                <a14:m>
-                  <m:oMath xmlns:m="http://schemas.openxmlformats.org/officeDocument/2006/math">
-                    <m:r>
-                      <a:rPr lang="en-US" altLang="zh-CN" sz="2400" i="1" dirty="0">
-                        <a:latin typeface="Cambria Math" panose="02040503050406030204" pitchFamily="18" charset="0"/>
-                      </a:rPr>
-                      <m:t>𝑞</m:t>
-                    </m:r>
-                  </m:oMath>
-                </a14:m>
-                <a:r>
-                  <a:rPr lang="en-US" altLang="zh-CN" sz="2400" dirty="0"/>
-                  <a:t> </a:t>
-                </a:r>
-                <a:r>
-                  <a:rPr lang="zh-CN" altLang="en-US" sz="2400" dirty="0"/>
-                  <a:t>个异或方程：</a:t>
-                </a:r>
-                <a:endParaRPr lang="en-US" altLang="zh-CN" sz="2400" dirty="0"/>
-              </a:p>
-              <a:p>
-                <a:endParaRPr lang="en-US" altLang="zh-CN" sz="2400" dirty="0"/>
-              </a:p>
-              <a:p>
-                <a:pPr marL="0" indent="0" algn="ctr">
-                  <a:buNone/>
-                </a:pPr>
-                <a14:m>
-                  <m:oMathPara xmlns:m="http://schemas.openxmlformats.org/officeDocument/2006/math">
-                    <m:oMathParaPr>
-                      <m:jc m:val="centerGroup"/>
-                    </m:oMathParaPr>
-                    <m:oMath xmlns:m="http://schemas.openxmlformats.org/officeDocument/2006/math">
-                      <m:sSub>
-                        <m:sSubPr>
-                          <m:ctrlPr>
-                            <a:rPr lang="en-US" altLang="zh-CN" sz="2400" i="1" dirty="0">
-                              <a:latin typeface="Cambria Math" panose="02040503050406030204" pitchFamily="18" charset="0"/>
-                            </a:rPr>
-                          </m:ctrlPr>
-                        </m:sSubPr>
-                        <m:e>
-                          <m:r>
-                            <a:rPr lang="en-US" altLang="zh-CN" sz="2400" i="1" dirty="0">
-                              <a:latin typeface="Cambria Math" panose="02040503050406030204" pitchFamily="18" charset="0"/>
-                            </a:rPr>
-                            <m:t>𝑥</m:t>
-                          </m:r>
-                        </m:e>
-                        <m:sub>
-                          <m:r>
-                            <a:rPr lang="en-US" altLang="zh-CN" sz="2400" i="1" dirty="0">
-                              <a:latin typeface="Cambria Math" panose="02040503050406030204" pitchFamily="18" charset="0"/>
-                            </a:rPr>
-                            <m:t>𝑙</m:t>
-                          </m:r>
-                        </m:sub>
-                      </m:sSub>
-                      <m:r>
-                        <a:rPr lang="en-US" altLang="zh-CN" sz="2400" i="1" dirty="0">
-                          <a:latin typeface="Cambria Math" panose="02040503050406030204" pitchFamily="18" charset="0"/>
-                        </a:rPr>
-                        <m:t>⊕</m:t>
-                      </m:r>
-                      <m:sSub>
-                        <m:sSubPr>
-                          <m:ctrlPr>
-                            <a:rPr lang="en-US" altLang="zh-CN" sz="2400" i="1" dirty="0">
-                              <a:latin typeface="Cambria Math" panose="02040503050406030204" pitchFamily="18" charset="0"/>
-                            </a:rPr>
-                          </m:ctrlPr>
-                        </m:sSubPr>
-                        <m:e>
-                          <m:r>
-                            <a:rPr lang="en-US" altLang="zh-CN" sz="2400" i="1" dirty="0">
-                              <a:latin typeface="Cambria Math" panose="02040503050406030204" pitchFamily="18" charset="0"/>
-                            </a:rPr>
-                            <m:t>𝑥</m:t>
-                          </m:r>
-                        </m:e>
-                        <m:sub>
-                          <m:r>
-                            <a:rPr lang="en-US" altLang="zh-CN" sz="2400" i="1" dirty="0">
-                              <a:latin typeface="Cambria Math" panose="02040503050406030204" pitchFamily="18" charset="0"/>
-                            </a:rPr>
-                            <m:t>𝑙</m:t>
-                          </m:r>
-                          <m:r>
-                            <a:rPr lang="en-US" altLang="zh-CN" sz="2400" i="1" dirty="0">
-                              <a:latin typeface="Cambria Math" panose="02040503050406030204" pitchFamily="18" charset="0"/>
-                            </a:rPr>
-                            <m:t>+1</m:t>
-                          </m:r>
-                        </m:sub>
-                      </m:sSub>
-                      <m:r>
-                        <a:rPr lang="en-US" altLang="zh-CN" sz="2400" i="1" dirty="0">
-                          <a:latin typeface="Cambria Math" panose="02040503050406030204" pitchFamily="18" charset="0"/>
-                        </a:rPr>
-                        <m:t>⊕⋯⊕</m:t>
-                      </m:r>
-                      <m:sSub>
-                        <m:sSubPr>
-                          <m:ctrlPr>
-                            <a:rPr lang="en-US" altLang="zh-CN" sz="2400" i="1" dirty="0">
-                              <a:latin typeface="Cambria Math" panose="02040503050406030204" pitchFamily="18" charset="0"/>
-                            </a:rPr>
-                          </m:ctrlPr>
-                        </m:sSubPr>
-                        <m:e>
-                          <m:r>
-                            <a:rPr lang="en-US" altLang="zh-CN" sz="2400" i="1" dirty="0" err="1">
-                              <a:latin typeface="Cambria Math" panose="02040503050406030204" pitchFamily="18" charset="0"/>
-                            </a:rPr>
-                            <m:t>𝑥</m:t>
-                          </m:r>
-                        </m:e>
-                        <m:sub>
-                          <m:r>
-                            <a:rPr lang="en-US" altLang="zh-CN" sz="2400" i="1" dirty="0" err="1">
-                              <a:latin typeface="Cambria Math" panose="02040503050406030204" pitchFamily="18" charset="0"/>
-                            </a:rPr>
-                            <m:t>𝑟</m:t>
-                          </m:r>
-                        </m:sub>
-                      </m:sSub>
-                      <m:r>
-                        <a:rPr lang="en-US" altLang="zh-CN" sz="2400" i="1" dirty="0">
-                          <a:latin typeface="Cambria Math" panose="02040503050406030204" pitchFamily="18" charset="0"/>
-                        </a:rPr>
-                        <m:t> = </m:t>
-                      </m:r>
-                      <m:r>
-                        <a:rPr lang="en-US" altLang="zh-CN" sz="2400" dirty="0">
-                          <a:latin typeface="Cambria Math" panose="02040503050406030204" pitchFamily="18" charset="0"/>
-                        </a:rPr>
-                        <m:t>0 </m:t>
-                      </m:r>
-                      <m:r>
-                        <m:rPr>
-                          <m:sty m:val="p"/>
-                        </m:rPr>
-                        <a:rPr lang="en-US" altLang="zh-CN" sz="2400" dirty="0">
-                          <a:latin typeface="Cambria Math" panose="02040503050406030204" pitchFamily="18" charset="0"/>
-                        </a:rPr>
-                        <m:t>or</m:t>
-                      </m:r>
-                      <m:r>
-                        <a:rPr lang="en-US" altLang="zh-CN" sz="2400" dirty="0">
-                          <a:latin typeface="Cambria Math" panose="02040503050406030204" pitchFamily="18" charset="0"/>
-                        </a:rPr>
-                        <m:t> 1</m:t>
-                      </m:r>
-                    </m:oMath>
-                  </m:oMathPara>
-                </a14:m>
-                <a:endParaRPr lang="en-US" altLang="zh-CN" sz="2400" dirty="0"/>
-              </a:p>
-              <a:p>
-                <a:pPr marL="0" indent="0">
-                  <a:buNone/>
-                </a:pPr>
-                <a:endParaRPr lang="en-US" altLang="zh-CN" sz="2400" dirty="0"/>
-              </a:p>
-              <a:p>
-                <a:r>
-                  <a:rPr lang="en-US" altLang="zh-CN" sz="2400" dirty="0" err="1"/>
-                  <a:t>Bitset</a:t>
-                </a:r>
-                <a:r>
-                  <a:rPr lang="en-US" altLang="zh-CN" sz="2400" dirty="0"/>
-                  <a:t> </a:t>
-                </a:r>
-                <a:r>
-                  <a:rPr lang="zh-CN" altLang="en-US" sz="2400" dirty="0"/>
-                  <a:t>优化高斯消元解异或方程组即可。</a:t>
-                </a:r>
-                <a:endParaRPr lang="en-US" altLang="zh-CN" sz="2400" dirty="0"/>
-              </a:p>
-              <a:p>
-                <a:r>
-                  <a:rPr lang="zh-CN" altLang="en-US" sz="2400" dirty="0"/>
-                  <a:t>时间复杂度为 </a:t>
-                </a:r>
-                <a14:m>
-                  <m:oMath xmlns:m="http://schemas.openxmlformats.org/officeDocument/2006/math">
-                    <m:r>
-                      <a:rPr lang="en-US" altLang="zh-CN" sz="2400" i="1" dirty="0">
-                        <a:latin typeface="Cambria Math" panose="02040503050406030204" pitchFamily="18" charset="0"/>
-                      </a:rPr>
-                      <m:t>𝑂</m:t>
-                    </m:r>
-                    <m:r>
-                      <a:rPr lang="en-US" altLang="zh-CN" sz="2400" i="1" dirty="0">
-                        <a:latin typeface="Cambria Math" panose="02040503050406030204" pitchFamily="18" charset="0"/>
-                      </a:rPr>
-                      <m:t>(</m:t>
-                    </m:r>
-                    <m:f>
-                      <m:fPr>
-                        <m:ctrlPr>
-                          <a:rPr lang="en-US" altLang="zh-CN" sz="2400" i="1" dirty="0">
-                            <a:latin typeface="Cambria Math" panose="02040503050406030204" pitchFamily="18" charset="0"/>
-                          </a:rPr>
-                        </m:ctrlPr>
-                      </m:fPr>
-                      <m:num>
-                        <m:sSup>
-                          <m:sSupPr>
-                            <m:ctrlPr>
-                              <a:rPr lang="en-US" altLang="zh-CN" sz="2400" i="1" dirty="0">
-                                <a:latin typeface="Cambria Math" panose="02040503050406030204" pitchFamily="18" charset="0"/>
-                              </a:rPr>
-                            </m:ctrlPr>
-                          </m:sSupPr>
-                          <m:e>
-                            <m:r>
-                              <a:rPr lang="en-US" altLang="zh-CN" sz="2400" i="1" dirty="0">
-                                <a:latin typeface="Cambria Math" panose="02040503050406030204" pitchFamily="18" charset="0"/>
-                              </a:rPr>
-                              <m:t>𝑛</m:t>
-                            </m:r>
-                          </m:e>
-                          <m:sup>
-                            <m:r>
-                              <a:rPr lang="en-US" altLang="zh-CN" sz="2400" i="1" dirty="0">
-                                <a:latin typeface="Cambria Math" panose="02040503050406030204" pitchFamily="18" charset="0"/>
-                              </a:rPr>
-                              <m:t>3</m:t>
-                            </m:r>
-                          </m:sup>
-                        </m:sSup>
-                      </m:num>
-                      <m:den>
-                        <m:r>
-                          <a:rPr lang="en-US" altLang="zh-CN" sz="2400" i="1" dirty="0">
-                            <a:latin typeface="Cambria Math" panose="02040503050406030204" pitchFamily="18" charset="0"/>
-                          </a:rPr>
-                          <m:t>𝑤</m:t>
-                        </m:r>
-                      </m:den>
-                    </m:f>
-                    <m:r>
-                      <a:rPr lang="en-US" altLang="zh-CN" sz="2400" i="1" dirty="0">
-                        <a:latin typeface="Cambria Math" panose="02040503050406030204" pitchFamily="18" charset="0"/>
-                      </a:rPr>
-                      <m:t> )</m:t>
-                    </m:r>
-                  </m:oMath>
-                </a14:m>
-                <a:r>
-                  <a:rPr lang="zh-CN" altLang="en-US" sz="2400" dirty="0"/>
-                  <a:t>。结合算法 </a:t>
-                </a:r>
-                <a:r>
-                  <a:rPr lang="en-US" altLang="zh-CN" sz="2400" dirty="0"/>
-                  <a:t>0, 1, 2 </a:t>
-                </a:r>
-                <a:r>
-                  <a:rPr lang="zh-CN" altLang="en-US" sz="2400" dirty="0"/>
-                  <a:t>期望得到 </a:t>
-                </a:r>
-                <a:r>
-                  <a:rPr lang="en-US" altLang="zh-CN" sz="2400" dirty="0"/>
-                  <a:t>59 </a:t>
-                </a:r>
-                <a:r>
-                  <a:rPr lang="zh-CN" altLang="en-US" sz="2400" dirty="0"/>
-                  <a:t>分。</a:t>
-                </a:r>
-                <a:endParaRPr lang="zh-CN" altLang="en-US" sz="4800" dirty="0"/>
-              </a:p>
-            </p:txBody>
-          </p:sp>
-        </mc:Choice>
-        <mc:Fallback xmlns="">
-          <p:sp>
-            <p:nvSpPr>
-              <p:cNvPr id="3" name="内容占位符 2">
-                <a:extLst>
-                  <a:ext uri="{FF2B5EF4-FFF2-40B4-BE49-F238E27FC236}">
-                    <a16:creationId xmlns:a16="http://schemas.microsoft.com/office/drawing/2014/main" id="{20F8BB65-9D58-B310-D7D0-D5C9283B3BCB}"/>
-                  </a:ext>
-                </a:extLst>
-              </p:cNvPr>
-              <p:cNvSpPr>
-                <a:spLocks noGrp="1" noRot="1" noChangeAspect="1" noMove="1" noResize="1" noEditPoints="1" noAdjustHandles="1" noChangeArrowheads="1" noChangeShapeType="1" noTextEdit="1"/>
-              </p:cNvSpPr>
-              <p:nvPr>
-                <p:ph idx="1"/>
-              </p:nvPr>
-            </p:nvSpPr>
-            <p:spPr>
-              <a:xfrm>
-                <a:off x="838200" y="1825625"/>
-                <a:ext cx="10515600" cy="4901051"/>
-              </a:xfrm>
-              <a:blipFill>
-                <a:blip r:embed="rId2"/>
-                <a:stretch>
-                  <a:fillRect l="-812" t="-2114"/>
-                </a:stretch>
-              </a:blipFill>
-            </p:spPr>
-            <p:txBody>
-              <a:bodyPr/>
-              <a:lstStyle/>
-              <a:p>
-                <a:r>
-                  <a:rPr lang="zh-CN" altLang="en-US">
-                    <a:noFill/>
-                  </a:rPr>
-                  <a:t> </a:t>
-                </a:r>
-              </a:p>
-            </p:txBody>
-          </p:sp>
-        </mc:Fallback>
-      </mc:AlternateContent>
-      <p:sp>
-        <p:nvSpPr>
-          <p:cNvPr id="4" name="日期占位符 3">
-            <a:extLst>
-              <a:ext uri="{FF2B5EF4-FFF2-40B4-BE49-F238E27FC236}">
-                <a16:creationId xmlns:a16="http://schemas.microsoft.com/office/drawing/2014/main" id="{47B35C28-A830-C0BD-C4A1-1F135594DECA}"/>
-              </a:ext>
-            </a:extLst>
-          </p:cNvPr>
-          <p:cNvSpPr>
-            <a:spLocks noGrp="1"/>
-          </p:cNvSpPr>
-          <p:nvPr>
-            <p:ph type="dt" sz="half" idx="10"/>
-          </p:nvPr>
-        </p:nvSpPr>
-        <p:spPr/>
-        <p:txBody>
-          <a:bodyPr/>
-          <a:lstStyle/>
-          <a:p>
-            <a:fld id="{74362831-6955-48B9-8E5A-4FCA466B858A}" type="datetime2">
-              <a:rPr lang="en-US" altLang="zh-CN" smtClean="0"/>
-              <a:t>Tuesday, November 28, 2023</a:t>
-            </a:fld>
-            <a:endParaRPr lang="en-US" dirty="0"/>
-          </a:p>
-        </p:txBody>
-      </p:sp>
-      <p:sp>
-        <p:nvSpPr>
-          <p:cNvPr id="5" name="页脚占位符 4">
-            <a:extLst>
-              <a:ext uri="{FF2B5EF4-FFF2-40B4-BE49-F238E27FC236}">
-                <a16:creationId xmlns:a16="http://schemas.microsoft.com/office/drawing/2014/main" id="{F0C2C8FC-86CA-2BFA-56E0-4A6F88591C08}"/>
-              </a:ext>
-            </a:extLst>
-          </p:cNvPr>
-          <p:cNvSpPr>
-            <a:spLocks noGrp="1"/>
-          </p:cNvSpPr>
-          <p:nvPr>
-            <p:ph type="ftr" sz="quarter" idx="11"/>
-          </p:nvPr>
-        </p:nvSpPr>
-        <p:spPr/>
-        <p:txBody>
-          <a:bodyPr/>
-          <a:lstStyle/>
-          <a:p>
-            <a:r>
-              <a:rPr lang="en-US"/>
-              <a:t>NNSZCP-2023 </a:t>
-            </a:r>
-            <a:r>
-              <a:rPr lang="zh-CN" altLang="en-US"/>
-              <a:t>赛后题解</a:t>
-            </a:r>
-            <a:endParaRPr lang="en-US" dirty="0"/>
-          </a:p>
-        </p:txBody>
-      </p:sp>
-      <p:sp>
-        <p:nvSpPr>
-          <p:cNvPr id="6" name="灯片编号占位符 5">
-            <a:extLst>
-              <a:ext uri="{FF2B5EF4-FFF2-40B4-BE49-F238E27FC236}">
-                <a16:creationId xmlns:a16="http://schemas.microsoft.com/office/drawing/2014/main" id="{52617ED6-183C-DFAB-8B48-73BAF3F88256}"/>
-              </a:ext>
-            </a:extLst>
-          </p:cNvPr>
-          <p:cNvSpPr>
-            <a:spLocks noGrp="1"/>
-          </p:cNvSpPr>
-          <p:nvPr>
-            <p:ph type="sldNum" sz="quarter" idx="12"/>
-          </p:nvPr>
-        </p:nvSpPr>
-        <p:spPr/>
-        <p:txBody>
-          <a:bodyPr/>
-          <a:lstStyle/>
-          <a:p>
-            <a:fld id="{69E57DC2-970A-4B3E-BB1C-7A09969E49DF}" type="slidenum">
-              <a:rPr lang="en-US" smtClean="0"/>
-              <a:t>46</a:t>
-            </a:fld>
-            <a:endParaRPr lang="en-US" dirty="0"/>
-          </a:p>
-        </p:txBody>
-      </p:sp>
-    </p:spTree>
-    <p:extLst>
-      <p:ext uri="{BB962C8B-B14F-4D97-AF65-F5344CB8AC3E}">
-        <p14:creationId xmlns:p14="http://schemas.microsoft.com/office/powerpoint/2010/main" val="1136445785"/>
-      </p:ext>
-    </p:extLst>
-  </p:cSld>
-  <p:clrMapOvr>
-    <a:masterClrMapping/>
-  </p:clrMapOvr>
-  <p:timing>
-    <p:tnLst>
-      <p:par>
-        <p:cTn id="1" dur="indefinite" restart="never" nodeType="tmRoot">
-          <p:childTnLst>
-            <p:seq concurrent="1" nextAc="seek">
-              <p:cTn id="2" dur="indefinite" nodeType="mainSeq">
-                <p:childTnLst>
-                  <p:par>
-                    <p:cTn id="3" fill="hold">
-                      <p:stCondLst>
-                        <p:cond delay="indefinite"/>
-                      </p:stCondLst>
-                      <p:childTnLst>
-                        <p:par>
-                          <p:cTn id="4" fill="hold">
-                            <p:stCondLst>
-                              <p:cond delay="0"/>
-                            </p:stCondLst>
-                            <p:childTnLst>
-                              <p:par>
-                                <p:cTn id="5" presetID="1" presetClass="entr" presetSubtype="0" fill="hold" grpId="0" nodeType="clickEffect">
-                                  <p:stCondLst>
-                                    <p:cond delay="0"/>
-                                  </p:stCondLst>
-                                  <p:childTnLst>
-                                    <p:set>
-                                      <p:cBhvr>
-                                        <p:cTn id="6" dur="1" fill="hold">
-                                          <p:stCondLst>
-                                            <p:cond delay="0"/>
-                                          </p:stCondLst>
-                                        </p:cTn>
-                                        <p:tgtEl>
-                                          <p:spTgt spid="3">
-                                            <p:txEl>
-                                              <p:pRg st="0" end="0"/>
-                                            </p:txEl>
-                                          </p:spTgt>
-                                        </p:tgtEl>
-                                        <p:attrNameLst>
-                                          <p:attrName>style.visibility</p:attrName>
-                                        </p:attrNameLst>
-                                      </p:cBhvr>
-                                      <p:to>
-                                        <p:strVal val="visible"/>
-                                      </p:to>
-                                    </p:set>
-                                  </p:childTnLst>
-                                </p:cTn>
-                              </p:par>
-                            </p:childTnLst>
-                          </p:cTn>
-                        </p:par>
-                      </p:childTnLst>
-                    </p:cTn>
-                  </p:par>
-                  <p:par>
-                    <p:cTn id="7" fill="hold">
-                      <p:stCondLst>
-                        <p:cond delay="indefinite"/>
-                      </p:stCondLst>
-                      <p:childTnLst>
-                        <p:par>
-                          <p:cTn id="8" fill="hold">
-                            <p:stCondLst>
-                              <p:cond delay="0"/>
-                            </p:stCondLst>
-                            <p:childTnLst>
-                              <p:par>
-                                <p:cTn id="9" presetID="1" presetClass="entr" presetSubtype="0" fill="hold" grpId="0" nodeType="clickEffect">
-                                  <p:stCondLst>
-                                    <p:cond delay="0"/>
-                                  </p:stCondLst>
-                                  <p:childTnLst>
-                                    <p:set>
-                                      <p:cBhvr>
-                                        <p:cTn id="10" dur="1" fill="hold">
-                                          <p:stCondLst>
-                                            <p:cond delay="0"/>
-                                          </p:stCondLst>
-                                        </p:cTn>
-                                        <p:tgtEl>
-                                          <p:spTgt spid="3">
-                                            <p:txEl>
-                                              <p:pRg st="1" end="1"/>
-                                            </p:txEl>
-                                          </p:spTgt>
-                                        </p:tgtEl>
-                                        <p:attrNameLst>
-                                          <p:attrName>style.visibility</p:attrName>
-                                        </p:attrNameLst>
-                                      </p:cBhvr>
-                                      <p:to>
-                                        <p:strVal val="visible"/>
-                                      </p:to>
-                                    </p:set>
-                                  </p:childTnLst>
-                                </p:cTn>
-                              </p:par>
-                            </p:childTnLst>
-                          </p:cTn>
-                        </p:par>
-                      </p:childTnLst>
-                    </p:cTn>
-                  </p:par>
-                  <p:par>
-                    <p:cTn id="11" fill="hold">
-                      <p:stCondLst>
-                        <p:cond delay="indefinite"/>
-                      </p:stCondLst>
-                      <p:childTnLst>
-                        <p:par>
-                          <p:cTn id="12" fill="hold">
-                            <p:stCondLst>
-                              <p:cond delay="0"/>
-                            </p:stCondLst>
-                            <p:childTnLst>
-                              <p:par>
-                                <p:cTn id="13" presetID="1" presetClass="entr" presetSubtype="0" fill="hold" grpId="0" nodeType="clickEffect">
-                                  <p:stCondLst>
-                                    <p:cond delay="0"/>
-                                  </p:stCondLst>
-                                  <p:childTnLst>
-                                    <p:set>
-                                      <p:cBhvr>
-                                        <p:cTn id="14" dur="1" fill="hold">
-                                          <p:stCondLst>
-                                            <p:cond delay="0"/>
-                                          </p:stCondLst>
-                                        </p:cTn>
-                                        <p:tgtEl>
-                                          <p:spTgt spid="3">
-                                            <p:txEl>
-                                              <p:pRg st="2" end="2"/>
-                                            </p:txEl>
-                                          </p:spTgt>
-                                        </p:tgtEl>
-                                        <p:attrNameLst>
-                                          <p:attrName>style.visibility</p:attrName>
-                                        </p:attrNameLst>
-                                      </p:cBhvr>
-                                      <p:to>
-                                        <p:strVal val="visible"/>
-                                      </p:to>
-                                    </p:set>
-                                  </p:childTnLst>
-                                </p:cTn>
-                              </p:par>
-                            </p:childTnLst>
-                          </p:cTn>
-                        </p:par>
-                      </p:childTnLst>
-                    </p:cTn>
-                  </p:par>
-                  <p:par>
-                    <p:cTn id="15" fill="hold">
-                      <p:stCondLst>
-                        <p:cond delay="indefinite"/>
-                      </p:stCondLst>
-                      <p:childTnLst>
-                        <p:par>
-                          <p:cTn id="16" fill="hold">
-                            <p:stCondLst>
-                              <p:cond delay="0"/>
-                            </p:stCondLst>
-                            <p:childTnLst>
-                              <p:par>
-                                <p:cTn id="17" presetID="1" presetClass="entr" presetSubtype="0" fill="hold" grpId="0" nodeType="clickEffect">
-                                  <p:stCondLst>
-                                    <p:cond delay="0"/>
-                                  </p:stCondLst>
-                                  <p:childTnLst>
-                                    <p:set>
-                                      <p:cBhvr>
-                                        <p:cTn id="18" dur="1" fill="hold">
-                                          <p:stCondLst>
-                                            <p:cond delay="0"/>
-                                          </p:stCondLst>
-                                        </p:cTn>
-                                        <p:tgtEl>
-                                          <p:spTgt spid="3">
-                                            <p:txEl>
-                                              <p:pRg st="3" end="3"/>
-                                            </p:txEl>
-                                          </p:spTgt>
-                                        </p:tgtEl>
-                                        <p:attrNameLst>
-                                          <p:attrName>style.visibility</p:attrName>
-                                        </p:attrNameLst>
-                                      </p:cBhvr>
-                                      <p:to>
-                                        <p:strVal val="visible"/>
-                                      </p:to>
-                                    </p:set>
-                                  </p:childTnLst>
-                                </p:cTn>
-                              </p:par>
-                            </p:childTnLst>
-                          </p:cTn>
-                        </p:par>
-                      </p:childTnLst>
-                    </p:cTn>
-                  </p:par>
-                  <p:par>
-                    <p:cTn id="19" fill="hold">
-                      <p:stCondLst>
-                        <p:cond delay="indefinite"/>
-                      </p:stCondLst>
-                      <p:childTnLst>
-                        <p:par>
-                          <p:cTn id="20" fill="hold">
-                            <p:stCondLst>
-                              <p:cond delay="0"/>
-                            </p:stCondLst>
-                            <p:childTnLst>
-                              <p:par>
-                                <p:cTn id="21" presetID="1" presetClass="entr" presetSubtype="0" fill="hold" grpId="0" nodeType="clickEffect">
-                                  <p:stCondLst>
-                                    <p:cond delay="0"/>
-                                  </p:stCondLst>
-                                  <p:childTnLst>
-                                    <p:set>
-                                      <p:cBhvr>
-                                        <p:cTn id="22" dur="1" fill="hold">
-                                          <p:stCondLst>
-                                            <p:cond delay="0"/>
-                                          </p:stCondLst>
-                                        </p:cTn>
-                                        <p:tgtEl>
-                                          <p:spTgt spid="3">
-                                            <p:txEl>
-                                              <p:pRg st="4" end="4"/>
-                                            </p:txEl>
-                                          </p:spTgt>
-                                        </p:tgtEl>
-                                        <p:attrNameLst>
-                                          <p:attrName>style.visibility</p:attrName>
-                                        </p:attrNameLst>
-                                      </p:cBhvr>
-                                      <p:to>
-                                        <p:strVal val="visible"/>
-                                      </p:to>
-                                    </p:set>
-                                  </p:childTnLst>
-                                </p:cTn>
-                              </p:par>
-                            </p:childTnLst>
-                          </p:cTn>
-                        </p:par>
-                      </p:childTnLst>
-                    </p:cTn>
-                  </p:par>
-                  <p:par>
-                    <p:cTn id="23" fill="hold">
-                      <p:stCondLst>
-                        <p:cond delay="indefinite"/>
-                      </p:stCondLst>
-                      <p:childTnLst>
-                        <p:par>
-                          <p:cTn id="24" fill="hold">
-                            <p:stCondLst>
-                              <p:cond delay="0"/>
-                            </p:stCondLst>
-                            <p:childTnLst>
-                              <p:par>
-                                <p:cTn id="25" presetID="1" presetClass="entr" presetSubtype="0" fill="hold" grpId="0" nodeType="clickEffect">
-                                  <p:stCondLst>
-                                    <p:cond delay="0"/>
-                                  </p:stCondLst>
-                                  <p:childTnLst>
-                                    <p:set>
-                                      <p:cBhvr>
-                                        <p:cTn id="26" dur="1" fill="hold">
-                                          <p:stCondLst>
-                                            <p:cond delay="0"/>
-                                          </p:stCondLst>
-                                        </p:cTn>
-                                        <p:tgtEl>
-                                          <p:spTgt spid="3">
-                                            <p:txEl>
-                                              <p:pRg st="6" end="6"/>
-                                            </p:txEl>
-                                          </p:spTgt>
-                                        </p:tgtEl>
-                                        <p:attrNameLst>
-                                          <p:attrName>style.visibility</p:attrName>
-                                        </p:attrNameLst>
-                                      </p:cBhvr>
-                                      <p:to>
-                                        <p:strVal val="visible"/>
-                                      </p:to>
-                                    </p:set>
-                                  </p:childTnLst>
-                                </p:cTn>
-                              </p:par>
-                            </p:childTnLst>
-                          </p:cTn>
-                        </p:par>
-                      </p:childTnLst>
-                    </p:cTn>
-                  </p:par>
                   <p:par>
                     <p:cTn id="27" fill="hold">
                       <p:stCondLst>
@@ -30705,55 +30645,6 @@
                       </p:childTnLst>
                     </p:cTn>
                   </p:par>
-                  <p:par>
-                    <p:cTn id="31" fill="hold">
-                      <p:stCondLst>
-                        <p:cond delay="indefinite"/>
-                      </p:stCondLst>
-                      <p:childTnLst>
-                        <p:par>
-                          <p:cTn id="32" fill="hold">
-                            <p:stCondLst>
-                              <p:cond delay="0"/>
-                            </p:stCondLst>
-                            <p:childTnLst>
-                              <p:par>
-                                <p:cTn id="33" presetID="1" presetClass="entr" presetSubtype="0" fill="hold" grpId="0" nodeType="clickEffect">
-                                  <p:stCondLst>
-                                    <p:cond delay="0"/>
-                                  </p:stCondLst>
-                                  <p:childTnLst>
-                                    <p:set>
-                                      <p:cBhvr>
-                                        <p:cTn id="34" dur="1" fill="hold">
-                                          <p:stCondLst>
-                                            <p:cond delay="0"/>
-                                          </p:stCondLst>
-                                        </p:cTn>
-                                        <p:tgtEl>
-                                          <p:spTgt spid="3">
-                                            <p:txEl>
-                                              <p:pRg st="9" end="9"/>
-                                            </p:txEl>
-                                          </p:spTgt>
-                                        </p:tgtEl>
-                                        <p:attrNameLst>
-                                          <p:attrName>style.visibility</p:attrName>
-                                        </p:attrNameLst>
-                                      </p:cBhvr>
-                                      <p:to>
-                                        <p:strVal val="visible"/>
-                                      </p:to>
-                                    </p:set>
-                                  </p:childTnLst>
-                                </p:cTn>
-                              </p:par>
-                            </p:childTnLst>
-                          </p:cTn>
-                        </p:par>
-                      </p:childTnLst>
-                    </p:cTn>
-                  </p:par>
                 </p:childTnLst>
               </p:cTn>
               <p:prevCondLst>
@@ -30782,7 +30673,7 @@
 </p:sld>
 </file>
 
-<file path=ppt/slides/slide47.xml><?xml version="1.0" encoding="utf-8"?>
+<file path=ppt/slides/slide48.xml><?xml version="1.0" encoding="utf-8"?>
 <p:sld xmlns:a="http://schemas.openxmlformats.org/drawingml/2006/main" xmlns:r="http://schemas.openxmlformats.org/officeDocument/2006/relationships" xmlns:p="http://schemas.openxmlformats.org/presentationml/2006/main">
   <p:cSld>
     <p:spTree>
@@ -30832,8 +30723,8 @@
           </a:p>
         </p:txBody>
       </p:sp>
-      <mc:AlternateContent xmlns:mc="http://schemas.openxmlformats.org/markup-compatibility/2006" xmlns:a14="http://schemas.microsoft.com/office/drawing/2010/main">
-        <mc:Choice Requires="a14">
+      <mc:AlternateContent xmlns:mc="http://schemas.openxmlformats.org/markup-compatibility/2006">
+        <mc:Choice xmlns:a14="http://schemas.microsoft.com/office/drawing/2010/main" Requires="a14">
           <p:sp>
             <p:nvSpPr>
               <p:cNvPr id="3" name="内容占位符 2">
@@ -31189,56 +31080,7 @@
                 </a:r>
                 <a:r>
                   <a:rPr lang="zh-CN" altLang="en-US" sz="2400" dirty="0"/>
-                  <a:t>，这部分就完成了。</a:t>
-                </a:r>
-                <a:endParaRPr lang="en-US" altLang="zh-CN" sz="2400" dirty="0"/>
-              </a:p>
-              <a:p>
-                <a:r>
-                  <a:rPr lang="zh-CN" altLang="en-US" sz="2400" dirty="0"/>
-                  <a:t>对于填 </a:t>
-                </a:r>
-                <a14:m>
-                  <m:oMath xmlns:m="http://schemas.openxmlformats.org/officeDocument/2006/math">
-                    <m:r>
-                      <a:rPr lang="en-US" altLang="zh-CN" sz="2400" i="1" dirty="0">
-                        <a:latin typeface="Cambria Math" panose="02040503050406030204" pitchFamily="18" charset="0"/>
-                      </a:rPr>
-                      <m:t>2</m:t>
-                    </m:r>
-                  </m:oMath>
-                </a14:m>
-                <a:r>
-                  <a:rPr lang="en-US" altLang="zh-CN" sz="2400" dirty="0"/>
-                  <a:t> </a:t>
-                </a:r>
-                <a:r>
-                  <a:rPr lang="zh-CN" altLang="en-US" sz="2400" dirty="0"/>
-                  <a:t>的情况，实际上是限制区间里 </a:t>
-                </a:r>
-                <a14:m>
-                  <m:oMath xmlns:m="http://schemas.openxmlformats.org/officeDocument/2006/math">
-                    <m:r>
-                      <a:rPr lang="en-US" altLang="zh-CN" sz="2400" i="1" dirty="0">
-                        <a:latin typeface="Cambria Math" panose="02040503050406030204" pitchFamily="18" charset="0"/>
-                      </a:rPr>
-                      <m:t>2</m:t>
-                    </m:r>
-                  </m:oMath>
-                </a14:m>
-                <a:r>
-                  <a:rPr lang="en-US" altLang="zh-CN" sz="2400" dirty="0"/>
-                  <a:t> </a:t>
-                </a:r>
-                <a:r>
-                  <a:rPr lang="zh-CN" altLang="en-US" sz="2400" dirty="0"/>
-                  <a:t>的个数。</a:t>
-                </a:r>
-              </a:p>
-              <a:p>
-                <a:r>
-                  <a:rPr lang="zh-CN" altLang="en-US" sz="2400" dirty="0"/>
-                  <a:t>建图跑差分约束即可。</a:t>
+                  <a:t>。</a:t>
                 </a:r>
                 <a:endParaRPr lang="en-US" altLang="zh-CN" sz="2400" dirty="0"/>
               </a:p>
@@ -31271,18 +31113,6 @@
                       <a:rPr lang="en-US" altLang="zh-CN" sz="2400" i="1">
                         <a:latin typeface="Cambria Math" panose="02040503050406030204" pitchFamily="18" charset="0"/>
                       </a:rPr>
-                      <m:t>+</m:t>
-                    </m:r>
-                    <m:r>
-                      <a:rPr lang="en-US" altLang="zh-CN" sz="2400" i="1">
-                        <a:latin typeface="Cambria Math" panose="02040503050406030204" pitchFamily="18" charset="0"/>
-                      </a:rPr>
-                      <m:t>𝑛𝑞</m:t>
-                    </m:r>
-                    <m:r>
-                      <a:rPr lang="en-US" altLang="zh-CN" sz="2400" i="1">
-                        <a:latin typeface="Cambria Math" panose="02040503050406030204" pitchFamily="18" charset="0"/>
-                      </a:rPr>
                       <m:t>)</m:t>
                     </m:r>
                   </m:oMath>
@@ -31306,7 +31136,7 @@
             </p:txBody>
           </p:sp>
         </mc:Choice>
-        <mc:Fallback xmlns="">
+        <mc:Fallback>
           <p:sp>
             <p:nvSpPr>
               <p:cNvPr id="3" name="内容占位符 2">
@@ -31373,7 +31203,7 @@
           <a:p>
             <a:fld id="{18DBB2C7-438A-4690-AF52-682D507498C7}" type="datetime2">
               <a:rPr lang="en-US" altLang="zh-CN" smtClean="0"/>
-              <a:t>Tuesday, November 28, 2023</a:t>
+              <a:t>Tuesday, December 5, 2023</a:t>
             </a:fld>
             <a:endParaRPr lang="en-US" dirty="0"/>
           </a:p>
@@ -31435,7 +31265,7 @@
           <a:p>
             <a:fld id="{69E57DC2-970A-4B3E-BB1C-7A09969E49DF}" type="slidenum">
               <a:rPr lang="en-US" smtClean="0"/>
-              <a:t>47</a:t>
+              <a:t>48</a:t>
             </a:fld>
             <a:endParaRPr lang="en-US" dirty="0"/>
           </a:p>
@@ -31753,104 +31583,6 @@
                       </p:childTnLst>
                     </p:cTn>
                   </p:par>
-                  <p:par>
-                    <p:cTn id="27" fill="hold">
-                      <p:stCondLst>
-                        <p:cond delay="indefinite"/>
-                      </p:stCondLst>
-                      <p:childTnLst>
-                        <p:par>
-                          <p:cTn id="28" fill="hold">
-                            <p:stCondLst>
-                              <p:cond delay="0"/>
-                            </p:stCondLst>
-                            <p:childTnLst>
-                              <p:par>
-                                <p:cTn id="29" presetID="1" presetClass="entr" presetSubtype="0" fill="hold" grpId="0" nodeType="clickEffect">
-                                  <p:stCondLst>
-                                    <p:cond delay="0"/>
-                                  </p:stCondLst>
-                                  <p:childTnLst>
-                                    <p:set>
-                                      <p:cBhvr>
-                                        <p:cTn id="30" dur="1" fill="hold">
-                                          <p:stCondLst>
-                                            <p:cond delay="0"/>
-                                          </p:stCondLst>
-                                        </p:cTn>
-                                        <p:tgtEl>
-                                          <p:spTgt spid="3">
-                                            <p:txEl>
-                                              <p:pRg st="6" end="6"/>
-                                            </p:txEl>
-                                          </p:spTgt>
-                                        </p:tgtEl>
-                                        <p:attrNameLst>
-                                          <p:attrName>style.visibility</p:attrName>
-                                        </p:attrNameLst>
-                                      </p:cBhvr>
-                                      <p:to>
-                                        <p:strVal val="visible"/>
-                                      </p:to>
-                                    </p:set>
-                                  </p:childTnLst>
-                                </p:cTn>
-                              </p:par>
-                            </p:childTnLst>
-                          </p:cTn>
-                        </p:par>
-                      </p:childTnLst>
-                    </p:cTn>
-                  </p:par>
-                  <p:par>
-                    <p:cTn id="31" fill="hold">
-                      <p:stCondLst>
-                        <p:cond delay="indefinite"/>
-                      </p:stCondLst>
-                      <p:childTnLst>
-                        <p:par>
-                          <p:cTn id="32" fill="hold">
-                            <p:stCondLst>
-                              <p:cond delay="0"/>
-                            </p:stCondLst>
-                            <p:childTnLst>
-                              <p:par>
-                                <p:cTn id="33" presetID="1" presetClass="entr" presetSubtype="0" fill="hold" grpId="0" nodeType="clickEffect">
-                                  <p:stCondLst>
-                                    <p:cond delay="0"/>
-                                  </p:stCondLst>
-                                  <p:childTnLst>
-                                    <p:set>
-                                      <p:cBhvr>
-                                        <p:cTn id="34" dur="1" fill="hold">
-                                          <p:stCondLst>
-                                            <p:cond delay="0"/>
-                                          </p:stCondLst>
-                                        </p:cTn>
-                                        <p:tgtEl>
-                                          <p:spTgt spid="3">
-                                            <p:txEl>
-                                              <p:pRg st="7" end="7"/>
-                                            </p:txEl>
-                                          </p:spTgt>
-                                        </p:tgtEl>
-                                        <p:attrNameLst>
-                                          <p:attrName>style.visibility</p:attrName>
-                                        </p:attrNameLst>
-                                      </p:cBhvr>
-                                      <p:to>
-                                        <p:strVal val="visible"/>
-                                      </p:to>
-                                    </p:set>
-                                  </p:childTnLst>
-                                </p:cTn>
-                              </p:par>
-                            </p:childTnLst>
-                          </p:cTn>
-                        </p:par>
-                      </p:childTnLst>
-                    </p:cTn>
-                  </p:par>
                 </p:childTnLst>
               </p:cTn>
               <p:prevCondLst>
@@ -31879,7 +31611,7 @@
 </p:sld>
 </file>
 
-<file path=ppt/slides/slide48.xml><?xml version="1.0" encoding="utf-8"?>
+<file path=ppt/slides/slide49.xml><?xml version="1.0" encoding="utf-8"?>
 <p:sld xmlns:a="http://schemas.openxmlformats.org/drawingml/2006/main" xmlns:r="http://schemas.openxmlformats.org/officeDocument/2006/relationships" xmlns:p="http://schemas.openxmlformats.org/presentationml/2006/main">
   <p:cSld>
     <p:spTree>
@@ -31953,7 +31685,7 @@
           <a:p>
             <a:fld id="{9465277C-38E9-41E1-B431-AF9E5C593FB2}" type="datetime2">
               <a:rPr lang="en-US" altLang="zh-CN" smtClean="0"/>
-              <a:t>Tuesday, November 28, 2023</a:t>
+              <a:t>Tuesday, December 5, 2023</a:t>
             </a:fld>
             <a:endParaRPr lang="en-US" dirty="0"/>
           </a:p>
@@ -32016,7 +31748,7 @@
             <a:fld id="{69E57DC2-970A-4B3E-BB1C-7A09969E49DF}" type="slidenum">
               <a:rPr lang="en-US" smtClean="0"/>
               <a:pPr/>
-              <a:t>48</a:t>
+              <a:t>49</a:t>
             </a:fld>
             <a:endParaRPr lang="en-US" dirty="0"/>
           </a:p>
@@ -32035,7 +31767,378 @@
 </p:sld>
 </file>
 
-<file path=ppt/slides/slide49.xml><?xml version="1.0" encoding="utf-8"?>
+<file path=ppt/slides/slide5.xml><?xml version="1.0" encoding="utf-8"?>
+<p:sld xmlns:a="http://schemas.openxmlformats.org/drawingml/2006/main" xmlns:r="http://schemas.openxmlformats.org/officeDocument/2006/relationships" xmlns:p="http://schemas.openxmlformats.org/presentationml/2006/main">
+  <p:cSld>
+    <p:spTree>
+      <p:nvGrpSpPr>
+        <p:cNvPr id="1" name=""/>
+        <p:cNvGrpSpPr/>
+        <p:nvPr/>
+      </p:nvGrpSpPr>
+      <p:grpSpPr>
+        <a:xfrm>
+          <a:off x="0" y="0"/>
+          <a:ext cx="0" cy="0"/>
+          <a:chOff x="0" y="0"/>
+          <a:chExt cx="0" cy="0"/>
+        </a:xfrm>
+      </p:grpSpPr>
+      <p:sp>
+        <p:nvSpPr>
+          <p:cNvPr id="4" name="标题 3">
+            <a:extLst>
+              <a:ext uri="{FF2B5EF4-FFF2-40B4-BE49-F238E27FC236}">
+                <a16:creationId xmlns:a16="http://schemas.microsoft.com/office/drawing/2014/main" id="{FDD5F90C-50DF-9CD1-03A6-905187AE2B33}"/>
+              </a:ext>
+            </a:extLst>
+          </p:cNvPr>
+          <p:cNvSpPr>
+            <a:spLocks noGrp="1"/>
+          </p:cNvSpPr>
+          <p:nvPr>
+            <p:ph type="title"/>
+          </p:nvPr>
+        </p:nvSpPr>
+        <p:spPr/>
+        <p:txBody>
+          <a:bodyPr/>
+          <a:lstStyle/>
+          <a:p>
+            <a:r>
+              <a:rPr lang="zh-CN" altLang="en-US" dirty="0"/>
+              <a:t>代码实现</a:t>
+            </a:r>
+          </a:p>
+        </p:txBody>
+      </p:sp>
+      <p:sp>
+        <p:nvSpPr>
+          <p:cNvPr id="5" name="内容占位符 4">
+            <a:extLst>
+              <a:ext uri="{FF2B5EF4-FFF2-40B4-BE49-F238E27FC236}">
+                <a16:creationId xmlns:a16="http://schemas.microsoft.com/office/drawing/2014/main" id="{935B4962-8D41-AE1A-157F-FEA3AC84269F}"/>
+              </a:ext>
+            </a:extLst>
+          </p:cNvPr>
+          <p:cNvSpPr>
+            <a:spLocks noGrp="1"/>
+          </p:cNvSpPr>
+          <p:nvPr>
+            <p:ph idx="1"/>
+          </p:nvPr>
+        </p:nvSpPr>
+        <p:spPr>
+          <a:xfrm>
+            <a:off x="2718094" y="3211951"/>
+            <a:ext cx="6755822" cy="434108"/>
+          </a:xfrm>
+          <a:noFill/>
+          <a:ln w="25400">
+            <a:solidFill>
+              <a:schemeClr val="bg2">
+                <a:lumMod val="50000"/>
+              </a:schemeClr>
+            </a:solidFill>
+          </a:ln>
+        </p:spPr>
+        <p:txBody>
+          <a:bodyPr>
+            <a:normAutofit/>
+          </a:bodyPr>
+          <a:lstStyle/>
+          <a:p>
+            <a:pPr marL="0" indent="0">
+              <a:buNone/>
+            </a:pPr>
+            <a:r>
+              <a:rPr lang="en-US" altLang="zh-CN" sz="2400" dirty="0">
+                <a:solidFill>
+                  <a:srgbClr val="795E26"/>
+                </a:solidFill>
+                <a:latin typeface="Ubuntu Mono" panose="020B0509030602030204" pitchFamily="49" charset="0"/>
+                <a:cs typeface="Fira Code" pitchFamily="1" charset="0"/>
+              </a:rPr>
+              <a:t>print</a:t>
+            </a:r>
+            <a:r>
+              <a:rPr lang="en-US" altLang="zh-CN" sz="2400" dirty="0">
+                <a:solidFill>
+                  <a:srgbClr val="000000"/>
+                </a:solidFill>
+                <a:latin typeface="Ubuntu Mono" panose="020B0509030602030204" pitchFamily="49" charset="0"/>
+                <a:cs typeface="Fira Code" pitchFamily="1" charset="0"/>
+              </a:rPr>
+              <a:t>(</a:t>
+            </a:r>
+            <a:r>
+              <a:rPr lang="en-US" altLang="zh-CN" sz="2400" dirty="0">
+                <a:solidFill>
+                  <a:srgbClr val="A31515"/>
+                </a:solidFill>
+                <a:latin typeface="Ubuntu Mono" panose="020B0509030602030204" pitchFamily="49" charset="0"/>
+                <a:cs typeface="Fira Code" pitchFamily="1" charset="0"/>
+              </a:rPr>
+              <a:t>"yes"</a:t>
+            </a:r>
+            <a:r>
+              <a:rPr lang="en-US" altLang="zh-CN" sz="2400" dirty="0">
+                <a:solidFill>
+                  <a:srgbClr val="000000"/>
+                </a:solidFill>
+                <a:latin typeface="Ubuntu Mono" panose="020B0509030602030204" pitchFamily="49" charset="0"/>
+                <a:cs typeface="Fira Code" pitchFamily="1" charset="0"/>
+              </a:rPr>
+              <a:t> </a:t>
+            </a:r>
+            <a:r>
+              <a:rPr lang="en-US" altLang="zh-CN" sz="2400" dirty="0">
+                <a:solidFill>
+                  <a:srgbClr val="AF00DB"/>
+                </a:solidFill>
+                <a:latin typeface="Ubuntu Mono" panose="020B0509030602030204" pitchFamily="49" charset="0"/>
+                <a:cs typeface="Fira Code" pitchFamily="1" charset="0"/>
+              </a:rPr>
+              <a:t>if</a:t>
+            </a:r>
+            <a:r>
+              <a:rPr lang="en-US" altLang="zh-CN" sz="2400" dirty="0">
+                <a:solidFill>
+                  <a:srgbClr val="000000"/>
+                </a:solidFill>
+                <a:latin typeface="Ubuntu Mono" panose="020B0509030602030204" pitchFamily="49" charset="0"/>
+                <a:cs typeface="Fira Code" pitchFamily="1" charset="0"/>
+              </a:rPr>
+              <a:t> </a:t>
+            </a:r>
+            <a:r>
+              <a:rPr lang="en-US" altLang="zh-CN" sz="2400" dirty="0">
+                <a:solidFill>
+                  <a:srgbClr val="A31515"/>
+                </a:solidFill>
+                <a:latin typeface="Ubuntu Mono" panose="020B0509030602030204" pitchFamily="49" charset="0"/>
+                <a:cs typeface="Fira Code" pitchFamily="1" charset="0"/>
+              </a:rPr>
+              <a:t>"</a:t>
+            </a:r>
+            <a:r>
+              <a:rPr lang="en-US" altLang="zh-CN" sz="2400" dirty="0" err="1">
+                <a:solidFill>
+                  <a:srgbClr val="A31515"/>
+                </a:solidFill>
+                <a:latin typeface="Ubuntu Mono" panose="020B0509030602030204" pitchFamily="49" charset="0"/>
+                <a:cs typeface="Fira Code" pitchFamily="1" charset="0"/>
+              </a:rPr>
+              <a:t>nnsz</a:t>
+            </a:r>
+            <a:r>
+              <a:rPr lang="en-US" altLang="zh-CN" sz="2400" dirty="0">
+                <a:solidFill>
+                  <a:srgbClr val="A31515"/>
+                </a:solidFill>
+                <a:latin typeface="Ubuntu Mono" panose="020B0509030602030204" pitchFamily="49" charset="0"/>
+                <a:cs typeface="Fira Code" pitchFamily="1" charset="0"/>
+              </a:rPr>
+              <a:t>"</a:t>
+            </a:r>
+            <a:r>
+              <a:rPr lang="en-US" altLang="zh-CN" sz="2400" dirty="0">
+                <a:solidFill>
+                  <a:srgbClr val="000000"/>
+                </a:solidFill>
+                <a:latin typeface="Ubuntu Mono" panose="020B0509030602030204" pitchFamily="49" charset="0"/>
+                <a:cs typeface="Fira Code" pitchFamily="1" charset="0"/>
+              </a:rPr>
+              <a:t> </a:t>
+            </a:r>
+            <a:r>
+              <a:rPr lang="en-US" altLang="zh-CN" sz="2400" dirty="0">
+                <a:solidFill>
+                  <a:srgbClr val="AF00DB"/>
+                </a:solidFill>
+                <a:latin typeface="Ubuntu Mono" panose="020B0509030602030204" pitchFamily="49" charset="0"/>
+                <a:cs typeface="Fira Code" pitchFamily="1" charset="0"/>
+              </a:rPr>
+              <a:t>in</a:t>
+            </a:r>
+            <a:r>
+              <a:rPr lang="en-US" altLang="zh-CN" sz="2400" dirty="0">
+                <a:solidFill>
+                  <a:srgbClr val="000000"/>
+                </a:solidFill>
+                <a:latin typeface="Ubuntu Mono" panose="020B0509030602030204" pitchFamily="49" charset="0"/>
+                <a:cs typeface="Fira Code" pitchFamily="1" charset="0"/>
+              </a:rPr>
+              <a:t> </a:t>
+            </a:r>
+            <a:r>
+              <a:rPr lang="en-US" altLang="zh-CN" sz="2400" dirty="0">
+                <a:solidFill>
+                  <a:srgbClr val="795E26"/>
+                </a:solidFill>
+                <a:latin typeface="Ubuntu Mono" panose="020B0509030602030204" pitchFamily="49" charset="0"/>
+                <a:cs typeface="Fira Code" pitchFamily="1" charset="0"/>
+              </a:rPr>
+              <a:t>input</a:t>
+            </a:r>
+            <a:r>
+              <a:rPr lang="en-US" altLang="zh-CN" sz="2400" dirty="0">
+                <a:solidFill>
+                  <a:srgbClr val="000000"/>
+                </a:solidFill>
+                <a:latin typeface="Ubuntu Mono" panose="020B0509030602030204" pitchFamily="49" charset="0"/>
+                <a:cs typeface="Fira Code" pitchFamily="1" charset="0"/>
+              </a:rPr>
+              <a:t>() </a:t>
+            </a:r>
+            <a:r>
+              <a:rPr lang="en-US" altLang="zh-CN" sz="2400" dirty="0">
+                <a:solidFill>
+                  <a:srgbClr val="AF00DB"/>
+                </a:solidFill>
+                <a:latin typeface="Ubuntu Mono" panose="020B0509030602030204" pitchFamily="49" charset="0"/>
+                <a:cs typeface="Fira Code" pitchFamily="1" charset="0"/>
+              </a:rPr>
+              <a:t>else</a:t>
+            </a:r>
+            <a:r>
+              <a:rPr lang="en-US" altLang="zh-CN" sz="2400" dirty="0">
+                <a:solidFill>
+                  <a:srgbClr val="000000"/>
+                </a:solidFill>
+                <a:latin typeface="Ubuntu Mono" panose="020B0509030602030204" pitchFamily="49" charset="0"/>
+                <a:cs typeface="Fira Code" pitchFamily="1" charset="0"/>
+              </a:rPr>
+              <a:t> </a:t>
+            </a:r>
+            <a:r>
+              <a:rPr lang="en-US" altLang="zh-CN" sz="2400" dirty="0">
+                <a:solidFill>
+                  <a:srgbClr val="A31515"/>
+                </a:solidFill>
+                <a:latin typeface="Ubuntu Mono" panose="020B0509030602030204" pitchFamily="49" charset="0"/>
+                <a:cs typeface="Fira Code" pitchFamily="1" charset="0"/>
+              </a:rPr>
+              <a:t>"no"</a:t>
+            </a:r>
+            <a:r>
+              <a:rPr lang="en-US" altLang="zh-CN" sz="2400" dirty="0">
+                <a:solidFill>
+                  <a:srgbClr val="000000"/>
+                </a:solidFill>
+                <a:latin typeface="Ubuntu Mono" panose="020B0509030602030204" pitchFamily="49" charset="0"/>
+                <a:cs typeface="Fira Code" pitchFamily="1" charset="0"/>
+              </a:rPr>
+              <a:t>)</a:t>
+            </a:r>
+          </a:p>
+        </p:txBody>
+      </p:sp>
+      <p:sp>
+        <p:nvSpPr>
+          <p:cNvPr id="2" name="日期占位符 1">
+            <a:extLst>
+              <a:ext uri="{FF2B5EF4-FFF2-40B4-BE49-F238E27FC236}">
+                <a16:creationId xmlns:a16="http://schemas.microsoft.com/office/drawing/2014/main" id="{70106F32-4DDB-6B85-9CAB-81E4E8F9EBAA}"/>
+              </a:ext>
+            </a:extLst>
+          </p:cNvPr>
+          <p:cNvSpPr>
+            <a:spLocks noGrp="1"/>
+          </p:cNvSpPr>
+          <p:nvPr>
+            <p:ph type="dt" sz="half" idx="10"/>
+          </p:nvPr>
+        </p:nvSpPr>
+        <p:spPr/>
+        <p:txBody>
+          <a:bodyPr/>
+          <a:lstStyle/>
+          <a:p>
+            <a:fld id="{2A21492B-D129-47EB-84E3-9242E84BF81D}" type="datetime2">
+              <a:rPr lang="en-US" altLang="zh-CN" smtClean="0"/>
+              <a:t>Tuesday, December 5, 2023</a:t>
+            </a:fld>
+            <a:endParaRPr lang="en-US" dirty="0"/>
+          </a:p>
+        </p:txBody>
+      </p:sp>
+      <p:sp>
+        <p:nvSpPr>
+          <p:cNvPr id="3" name="页脚占位符 2">
+            <a:extLst>
+              <a:ext uri="{FF2B5EF4-FFF2-40B4-BE49-F238E27FC236}">
+                <a16:creationId xmlns:a16="http://schemas.microsoft.com/office/drawing/2014/main" id="{CDE8469A-72A6-36F1-7A63-AB258116F64A}"/>
+              </a:ext>
+            </a:extLst>
+          </p:cNvPr>
+          <p:cNvSpPr>
+            <a:spLocks noGrp="1"/>
+          </p:cNvSpPr>
+          <p:nvPr>
+            <p:ph type="ftr" sz="quarter" idx="11"/>
+          </p:nvPr>
+        </p:nvSpPr>
+        <p:spPr/>
+        <p:txBody>
+          <a:bodyPr/>
+          <a:lstStyle/>
+          <a:p>
+            <a:r>
+              <a:rPr lang="en-US"/>
+              <a:t>NNSZCP-2023 </a:t>
+            </a:r>
+            <a:r>
+              <a:rPr lang="zh-CN" altLang="en-US"/>
+              <a:t>赛后题解</a:t>
+            </a:r>
+            <a:endParaRPr lang="en-US" dirty="0"/>
+          </a:p>
+        </p:txBody>
+      </p:sp>
+      <p:sp>
+        <p:nvSpPr>
+          <p:cNvPr id="6" name="灯片编号占位符 5">
+            <a:extLst>
+              <a:ext uri="{FF2B5EF4-FFF2-40B4-BE49-F238E27FC236}">
+                <a16:creationId xmlns:a16="http://schemas.microsoft.com/office/drawing/2014/main" id="{E2394325-287C-F5E4-EAF0-C468E2BD7E62}"/>
+              </a:ext>
+            </a:extLst>
+          </p:cNvPr>
+          <p:cNvSpPr>
+            <a:spLocks noGrp="1"/>
+          </p:cNvSpPr>
+          <p:nvPr>
+            <p:ph type="sldNum" sz="quarter" idx="12"/>
+          </p:nvPr>
+        </p:nvSpPr>
+        <p:spPr/>
+        <p:txBody>
+          <a:bodyPr/>
+          <a:lstStyle/>
+          <a:p>
+            <a:fld id="{69E57DC2-970A-4B3E-BB1C-7A09969E49DF}" type="slidenum">
+              <a:rPr lang="en-US" smtClean="0"/>
+              <a:t>5</a:t>
+            </a:fld>
+            <a:endParaRPr lang="en-US" dirty="0"/>
+          </a:p>
+        </p:txBody>
+      </p:sp>
+    </p:spTree>
+    <p:extLst>
+      <p:ext uri="{BB962C8B-B14F-4D97-AF65-F5344CB8AC3E}">
+        <p14:creationId xmlns:p14="http://schemas.microsoft.com/office/powerpoint/2010/main" val="2424190534"/>
+      </p:ext>
+    </p:extLst>
+  </p:cSld>
+  <p:clrMapOvr>
+    <a:masterClrMapping/>
+  </p:clrMapOvr>
+</p:sld>
+</file>
+
+<file path=ppt/slides/slide50.xml><?xml version="1.0" encoding="utf-8"?>
 <p:sld xmlns:a="http://schemas.openxmlformats.org/drawingml/2006/main" xmlns:r="http://schemas.openxmlformats.org/officeDocument/2006/relationships" xmlns:p="http://schemas.openxmlformats.org/presentationml/2006/main">
   <p:cSld>
     <p:spTree>
@@ -32651,7 +32754,7 @@
           <a:p>
             <a:fld id="{5BEBCF23-4B19-44DB-BC16-F3C9378463E5}" type="datetime2">
               <a:rPr lang="en-US" altLang="zh-CN" smtClean="0"/>
-              <a:t>Tuesday, November 28, 2023</a:t>
+              <a:t>Tuesday, December 5, 2023</a:t>
             </a:fld>
             <a:endParaRPr lang="en-US" dirty="0"/>
           </a:p>
@@ -32713,7 +32816,7 @@
           <a:p>
             <a:fld id="{69E57DC2-970A-4B3E-BB1C-7A09969E49DF}" type="slidenum">
               <a:rPr lang="en-US" smtClean="0"/>
-              <a:t>49</a:t>
+              <a:t>50</a:t>
             </a:fld>
             <a:endParaRPr lang="en-US" dirty="0"/>
           </a:p>
@@ -33072,378 +33175,7 @@
 </p:sld>
 </file>
 
-<file path=ppt/slides/slide5.xml><?xml version="1.0" encoding="utf-8"?>
-<p:sld xmlns:a="http://schemas.openxmlformats.org/drawingml/2006/main" xmlns:r="http://schemas.openxmlformats.org/officeDocument/2006/relationships" xmlns:p="http://schemas.openxmlformats.org/presentationml/2006/main">
-  <p:cSld>
-    <p:spTree>
-      <p:nvGrpSpPr>
-        <p:cNvPr id="1" name=""/>
-        <p:cNvGrpSpPr/>
-        <p:nvPr/>
-      </p:nvGrpSpPr>
-      <p:grpSpPr>
-        <a:xfrm>
-          <a:off x="0" y="0"/>
-          <a:ext cx="0" cy="0"/>
-          <a:chOff x="0" y="0"/>
-          <a:chExt cx="0" cy="0"/>
-        </a:xfrm>
-      </p:grpSpPr>
-      <p:sp>
-        <p:nvSpPr>
-          <p:cNvPr id="4" name="标题 3">
-            <a:extLst>
-              <a:ext uri="{FF2B5EF4-FFF2-40B4-BE49-F238E27FC236}">
-                <a16:creationId xmlns:a16="http://schemas.microsoft.com/office/drawing/2014/main" id="{FDD5F90C-50DF-9CD1-03A6-905187AE2B33}"/>
-              </a:ext>
-            </a:extLst>
-          </p:cNvPr>
-          <p:cNvSpPr>
-            <a:spLocks noGrp="1"/>
-          </p:cNvSpPr>
-          <p:nvPr>
-            <p:ph type="title"/>
-          </p:nvPr>
-        </p:nvSpPr>
-        <p:spPr/>
-        <p:txBody>
-          <a:bodyPr/>
-          <a:lstStyle/>
-          <a:p>
-            <a:r>
-              <a:rPr lang="zh-CN" altLang="en-US" dirty="0"/>
-              <a:t>代码实现</a:t>
-            </a:r>
-          </a:p>
-        </p:txBody>
-      </p:sp>
-      <p:sp>
-        <p:nvSpPr>
-          <p:cNvPr id="5" name="内容占位符 4">
-            <a:extLst>
-              <a:ext uri="{FF2B5EF4-FFF2-40B4-BE49-F238E27FC236}">
-                <a16:creationId xmlns:a16="http://schemas.microsoft.com/office/drawing/2014/main" id="{935B4962-8D41-AE1A-157F-FEA3AC84269F}"/>
-              </a:ext>
-            </a:extLst>
-          </p:cNvPr>
-          <p:cNvSpPr>
-            <a:spLocks noGrp="1"/>
-          </p:cNvSpPr>
-          <p:nvPr>
-            <p:ph idx="1"/>
-          </p:nvPr>
-        </p:nvSpPr>
-        <p:spPr>
-          <a:xfrm>
-            <a:off x="2718094" y="3211951"/>
-            <a:ext cx="6755822" cy="434108"/>
-          </a:xfrm>
-          <a:noFill/>
-          <a:ln w="25400">
-            <a:solidFill>
-              <a:schemeClr val="bg2">
-                <a:lumMod val="50000"/>
-              </a:schemeClr>
-            </a:solidFill>
-          </a:ln>
-        </p:spPr>
-        <p:txBody>
-          <a:bodyPr>
-            <a:normAutofit/>
-          </a:bodyPr>
-          <a:lstStyle/>
-          <a:p>
-            <a:pPr marL="0" indent="0">
-              <a:buNone/>
-            </a:pPr>
-            <a:r>
-              <a:rPr lang="en-US" altLang="zh-CN" sz="2400" dirty="0">
-                <a:solidFill>
-                  <a:srgbClr val="795E26"/>
-                </a:solidFill>
-                <a:latin typeface="Ubuntu Mono" panose="020B0509030602030204" pitchFamily="49" charset="0"/>
-                <a:cs typeface="Fira Code" pitchFamily="1" charset="0"/>
-              </a:rPr>
-              <a:t>print</a:t>
-            </a:r>
-            <a:r>
-              <a:rPr lang="en-US" altLang="zh-CN" sz="2400" dirty="0">
-                <a:solidFill>
-                  <a:srgbClr val="000000"/>
-                </a:solidFill>
-                <a:latin typeface="Ubuntu Mono" panose="020B0509030602030204" pitchFamily="49" charset="0"/>
-                <a:cs typeface="Fira Code" pitchFamily="1" charset="0"/>
-              </a:rPr>
-              <a:t>(</a:t>
-            </a:r>
-            <a:r>
-              <a:rPr lang="en-US" altLang="zh-CN" sz="2400" dirty="0">
-                <a:solidFill>
-                  <a:srgbClr val="A31515"/>
-                </a:solidFill>
-                <a:latin typeface="Ubuntu Mono" panose="020B0509030602030204" pitchFamily="49" charset="0"/>
-                <a:cs typeface="Fira Code" pitchFamily="1" charset="0"/>
-              </a:rPr>
-              <a:t>"yes"</a:t>
-            </a:r>
-            <a:r>
-              <a:rPr lang="en-US" altLang="zh-CN" sz="2400" dirty="0">
-                <a:solidFill>
-                  <a:srgbClr val="000000"/>
-                </a:solidFill>
-                <a:latin typeface="Ubuntu Mono" panose="020B0509030602030204" pitchFamily="49" charset="0"/>
-                <a:cs typeface="Fira Code" pitchFamily="1" charset="0"/>
-              </a:rPr>
-              <a:t> </a:t>
-            </a:r>
-            <a:r>
-              <a:rPr lang="en-US" altLang="zh-CN" sz="2400" dirty="0">
-                <a:solidFill>
-                  <a:srgbClr val="AF00DB"/>
-                </a:solidFill>
-                <a:latin typeface="Ubuntu Mono" panose="020B0509030602030204" pitchFamily="49" charset="0"/>
-                <a:cs typeface="Fira Code" pitchFamily="1" charset="0"/>
-              </a:rPr>
-              <a:t>if</a:t>
-            </a:r>
-            <a:r>
-              <a:rPr lang="en-US" altLang="zh-CN" sz="2400" dirty="0">
-                <a:solidFill>
-                  <a:srgbClr val="000000"/>
-                </a:solidFill>
-                <a:latin typeface="Ubuntu Mono" panose="020B0509030602030204" pitchFamily="49" charset="0"/>
-                <a:cs typeface="Fira Code" pitchFamily="1" charset="0"/>
-              </a:rPr>
-              <a:t> </a:t>
-            </a:r>
-            <a:r>
-              <a:rPr lang="en-US" altLang="zh-CN" sz="2400" dirty="0">
-                <a:solidFill>
-                  <a:srgbClr val="A31515"/>
-                </a:solidFill>
-                <a:latin typeface="Ubuntu Mono" panose="020B0509030602030204" pitchFamily="49" charset="0"/>
-                <a:cs typeface="Fira Code" pitchFamily="1" charset="0"/>
-              </a:rPr>
-              <a:t>"</a:t>
-            </a:r>
-            <a:r>
-              <a:rPr lang="en-US" altLang="zh-CN" sz="2400" dirty="0" err="1">
-                <a:solidFill>
-                  <a:srgbClr val="A31515"/>
-                </a:solidFill>
-                <a:latin typeface="Ubuntu Mono" panose="020B0509030602030204" pitchFamily="49" charset="0"/>
-                <a:cs typeface="Fira Code" pitchFamily="1" charset="0"/>
-              </a:rPr>
-              <a:t>nnsz</a:t>
-            </a:r>
-            <a:r>
-              <a:rPr lang="en-US" altLang="zh-CN" sz="2400" dirty="0">
-                <a:solidFill>
-                  <a:srgbClr val="A31515"/>
-                </a:solidFill>
-                <a:latin typeface="Ubuntu Mono" panose="020B0509030602030204" pitchFamily="49" charset="0"/>
-                <a:cs typeface="Fira Code" pitchFamily="1" charset="0"/>
-              </a:rPr>
-              <a:t>"</a:t>
-            </a:r>
-            <a:r>
-              <a:rPr lang="en-US" altLang="zh-CN" sz="2400" dirty="0">
-                <a:solidFill>
-                  <a:srgbClr val="000000"/>
-                </a:solidFill>
-                <a:latin typeface="Ubuntu Mono" panose="020B0509030602030204" pitchFamily="49" charset="0"/>
-                <a:cs typeface="Fira Code" pitchFamily="1" charset="0"/>
-              </a:rPr>
-              <a:t> </a:t>
-            </a:r>
-            <a:r>
-              <a:rPr lang="en-US" altLang="zh-CN" sz="2400" dirty="0">
-                <a:solidFill>
-                  <a:srgbClr val="AF00DB"/>
-                </a:solidFill>
-                <a:latin typeface="Ubuntu Mono" panose="020B0509030602030204" pitchFamily="49" charset="0"/>
-                <a:cs typeface="Fira Code" pitchFamily="1" charset="0"/>
-              </a:rPr>
-              <a:t>in</a:t>
-            </a:r>
-            <a:r>
-              <a:rPr lang="en-US" altLang="zh-CN" sz="2400" dirty="0">
-                <a:solidFill>
-                  <a:srgbClr val="000000"/>
-                </a:solidFill>
-                <a:latin typeface="Ubuntu Mono" panose="020B0509030602030204" pitchFamily="49" charset="0"/>
-                <a:cs typeface="Fira Code" pitchFamily="1" charset="0"/>
-              </a:rPr>
-              <a:t> </a:t>
-            </a:r>
-            <a:r>
-              <a:rPr lang="en-US" altLang="zh-CN" sz="2400" dirty="0">
-                <a:solidFill>
-                  <a:srgbClr val="795E26"/>
-                </a:solidFill>
-                <a:latin typeface="Ubuntu Mono" panose="020B0509030602030204" pitchFamily="49" charset="0"/>
-                <a:cs typeface="Fira Code" pitchFamily="1" charset="0"/>
-              </a:rPr>
-              <a:t>input</a:t>
-            </a:r>
-            <a:r>
-              <a:rPr lang="en-US" altLang="zh-CN" sz="2400" dirty="0">
-                <a:solidFill>
-                  <a:srgbClr val="000000"/>
-                </a:solidFill>
-                <a:latin typeface="Ubuntu Mono" panose="020B0509030602030204" pitchFamily="49" charset="0"/>
-                <a:cs typeface="Fira Code" pitchFamily="1" charset="0"/>
-              </a:rPr>
-              <a:t>() </a:t>
-            </a:r>
-            <a:r>
-              <a:rPr lang="en-US" altLang="zh-CN" sz="2400" dirty="0">
-                <a:solidFill>
-                  <a:srgbClr val="AF00DB"/>
-                </a:solidFill>
-                <a:latin typeface="Ubuntu Mono" panose="020B0509030602030204" pitchFamily="49" charset="0"/>
-                <a:cs typeface="Fira Code" pitchFamily="1" charset="0"/>
-              </a:rPr>
-              <a:t>else</a:t>
-            </a:r>
-            <a:r>
-              <a:rPr lang="en-US" altLang="zh-CN" sz="2400" dirty="0">
-                <a:solidFill>
-                  <a:srgbClr val="000000"/>
-                </a:solidFill>
-                <a:latin typeface="Ubuntu Mono" panose="020B0509030602030204" pitchFamily="49" charset="0"/>
-                <a:cs typeface="Fira Code" pitchFamily="1" charset="0"/>
-              </a:rPr>
-              <a:t> </a:t>
-            </a:r>
-            <a:r>
-              <a:rPr lang="en-US" altLang="zh-CN" sz="2400" dirty="0">
-                <a:solidFill>
-                  <a:srgbClr val="A31515"/>
-                </a:solidFill>
-                <a:latin typeface="Ubuntu Mono" panose="020B0509030602030204" pitchFamily="49" charset="0"/>
-                <a:cs typeface="Fira Code" pitchFamily="1" charset="0"/>
-              </a:rPr>
-              <a:t>"no"</a:t>
-            </a:r>
-            <a:r>
-              <a:rPr lang="en-US" altLang="zh-CN" sz="2400" dirty="0">
-                <a:solidFill>
-                  <a:srgbClr val="000000"/>
-                </a:solidFill>
-                <a:latin typeface="Ubuntu Mono" panose="020B0509030602030204" pitchFamily="49" charset="0"/>
-                <a:cs typeface="Fira Code" pitchFamily="1" charset="0"/>
-              </a:rPr>
-              <a:t>)</a:t>
-            </a:r>
-          </a:p>
-        </p:txBody>
-      </p:sp>
-      <p:sp>
-        <p:nvSpPr>
-          <p:cNvPr id="2" name="日期占位符 1">
-            <a:extLst>
-              <a:ext uri="{FF2B5EF4-FFF2-40B4-BE49-F238E27FC236}">
-                <a16:creationId xmlns:a16="http://schemas.microsoft.com/office/drawing/2014/main" id="{70106F32-4DDB-6B85-9CAB-81E4E8F9EBAA}"/>
-              </a:ext>
-            </a:extLst>
-          </p:cNvPr>
-          <p:cNvSpPr>
-            <a:spLocks noGrp="1"/>
-          </p:cNvSpPr>
-          <p:nvPr>
-            <p:ph type="dt" sz="half" idx="10"/>
-          </p:nvPr>
-        </p:nvSpPr>
-        <p:spPr/>
-        <p:txBody>
-          <a:bodyPr/>
-          <a:lstStyle/>
-          <a:p>
-            <a:fld id="{2A21492B-D129-47EB-84E3-9242E84BF81D}" type="datetime2">
-              <a:rPr lang="en-US" altLang="zh-CN" smtClean="0"/>
-              <a:t>Tuesday, November 28, 2023</a:t>
-            </a:fld>
-            <a:endParaRPr lang="en-US" dirty="0"/>
-          </a:p>
-        </p:txBody>
-      </p:sp>
-      <p:sp>
-        <p:nvSpPr>
-          <p:cNvPr id="3" name="页脚占位符 2">
-            <a:extLst>
-              <a:ext uri="{FF2B5EF4-FFF2-40B4-BE49-F238E27FC236}">
-                <a16:creationId xmlns:a16="http://schemas.microsoft.com/office/drawing/2014/main" id="{CDE8469A-72A6-36F1-7A63-AB258116F64A}"/>
-              </a:ext>
-            </a:extLst>
-          </p:cNvPr>
-          <p:cNvSpPr>
-            <a:spLocks noGrp="1"/>
-          </p:cNvSpPr>
-          <p:nvPr>
-            <p:ph type="ftr" sz="quarter" idx="11"/>
-          </p:nvPr>
-        </p:nvSpPr>
-        <p:spPr/>
-        <p:txBody>
-          <a:bodyPr/>
-          <a:lstStyle/>
-          <a:p>
-            <a:r>
-              <a:rPr lang="en-US"/>
-              <a:t>NNSZCP-2023 </a:t>
-            </a:r>
-            <a:r>
-              <a:rPr lang="zh-CN" altLang="en-US"/>
-              <a:t>赛后题解</a:t>
-            </a:r>
-            <a:endParaRPr lang="en-US" dirty="0"/>
-          </a:p>
-        </p:txBody>
-      </p:sp>
-      <p:sp>
-        <p:nvSpPr>
-          <p:cNvPr id="6" name="灯片编号占位符 5">
-            <a:extLst>
-              <a:ext uri="{FF2B5EF4-FFF2-40B4-BE49-F238E27FC236}">
-                <a16:creationId xmlns:a16="http://schemas.microsoft.com/office/drawing/2014/main" id="{E2394325-287C-F5E4-EAF0-C468E2BD7E62}"/>
-              </a:ext>
-            </a:extLst>
-          </p:cNvPr>
-          <p:cNvSpPr>
-            <a:spLocks noGrp="1"/>
-          </p:cNvSpPr>
-          <p:nvPr>
-            <p:ph type="sldNum" sz="quarter" idx="12"/>
-          </p:nvPr>
-        </p:nvSpPr>
-        <p:spPr/>
-        <p:txBody>
-          <a:bodyPr/>
-          <a:lstStyle/>
-          <a:p>
-            <a:fld id="{69E57DC2-970A-4B3E-BB1C-7A09969E49DF}" type="slidenum">
-              <a:rPr lang="en-US" smtClean="0"/>
-              <a:t>5</a:t>
-            </a:fld>
-            <a:endParaRPr lang="en-US" dirty="0"/>
-          </a:p>
-        </p:txBody>
-      </p:sp>
-    </p:spTree>
-    <p:extLst>
-      <p:ext uri="{BB962C8B-B14F-4D97-AF65-F5344CB8AC3E}">
-        <p14:creationId xmlns:p14="http://schemas.microsoft.com/office/powerpoint/2010/main" val="2424190534"/>
-      </p:ext>
-    </p:extLst>
-  </p:cSld>
-  <p:clrMapOvr>
-    <a:masterClrMapping/>
-  </p:clrMapOvr>
-</p:sld>
-</file>
-
-<file path=ppt/slides/slide50.xml><?xml version="1.0" encoding="utf-8"?>
+<file path=ppt/slides/slide51.xml><?xml version="1.0" encoding="utf-8"?>
 <p:sld xmlns:a="http://schemas.openxmlformats.org/drawingml/2006/main" xmlns:r="http://schemas.openxmlformats.org/officeDocument/2006/relationships" xmlns:p="http://schemas.openxmlformats.org/presentationml/2006/main">
   <p:cSld>
     <p:spTree>
@@ -34090,7 +33822,7 @@
           <a:p>
             <a:fld id="{D839B953-4E08-4A48-ACE3-0ACBCE5CFBEA}" type="datetime2">
               <a:rPr lang="en-US" altLang="zh-CN" smtClean="0"/>
-              <a:t>Tuesday, November 28, 2023</a:t>
+              <a:t>Tuesday, December 5, 2023</a:t>
             </a:fld>
             <a:endParaRPr lang="en-US" dirty="0"/>
           </a:p>
@@ -34152,7 +33884,7 @@
           <a:p>
             <a:fld id="{69E57DC2-970A-4B3E-BB1C-7A09969E49DF}" type="slidenum">
               <a:rPr lang="en-US" smtClean="0"/>
-              <a:t>50</a:t>
+              <a:t>51</a:t>
             </a:fld>
             <a:endParaRPr lang="en-US" dirty="0"/>
           </a:p>
@@ -34498,7 +34230,7 @@
 </p:sld>
 </file>
 
-<file path=ppt/slides/slide51.xml><?xml version="1.0" encoding="utf-8"?>
+<file path=ppt/slides/slide52.xml><?xml version="1.0" encoding="utf-8"?>
 <p:sld xmlns:a="http://schemas.openxmlformats.org/drawingml/2006/main" xmlns:r="http://schemas.openxmlformats.org/officeDocument/2006/relationships" xmlns:p="http://schemas.openxmlformats.org/presentationml/2006/main">
   <p:cSld>
     <p:spTree>
@@ -34764,7 +34496,7 @@
           <a:p>
             <a:fld id="{399A3C7B-103A-4EA3-A519-FD19AEA37209}" type="datetime2">
               <a:rPr lang="en-US" altLang="zh-CN" smtClean="0"/>
-              <a:t>Tuesday, November 28, 2023</a:t>
+              <a:t>Tuesday, December 5, 2023</a:t>
             </a:fld>
             <a:endParaRPr lang="en-US" dirty="0"/>
           </a:p>
@@ -34826,7 +34558,7 @@
           <a:p>
             <a:fld id="{69E57DC2-970A-4B3E-BB1C-7A09969E49DF}" type="slidenum">
               <a:rPr lang="en-US" smtClean="0"/>
-              <a:t>51</a:t>
+              <a:t>52</a:t>
             </a:fld>
             <a:endParaRPr lang="en-US" dirty="0"/>
           </a:p>
@@ -34976,7 +34708,7 @@
 </p:sld>
 </file>
 
-<file path=ppt/slides/slide52.xml><?xml version="1.0" encoding="utf-8"?>
+<file path=ppt/slides/slide53.xml><?xml version="1.0" encoding="utf-8"?>
 <p:sld xmlns:a="http://schemas.openxmlformats.org/drawingml/2006/main" xmlns:r="http://schemas.openxmlformats.org/officeDocument/2006/relationships" xmlns:p="http://schemas.openxmlformats.org/presentationml/2006/main">
   <p:cSld>
     <p:spTree>
@@ -35576,7 +35308,7 @@
           <a:p>
             <a:fld id="{A6AD7878-9DFA-499B-AC2D-EB3E2DD78926}" type="datetime2">
               <a:rPr lang="en-US" altLang="zh-CN" smtClean="0"/>
-              <a:t>Tuesday, November 28, 2023</a:t>
+              <a:t>Tuesday, December 5, 2023</a:t>
             </a:fld>
             <a:endParaRPr lang="en-US" dirty="0"/>
           </a:p>
@@ -35638,7 +35370,7 @@
           <a:p>
             <a:fld id="{69E57DC2-970A-4B3E-BB1C-7A09969E49DF}" type="slidenum">
               <a:rPr lang="en-US" smtClean="0"/>
-              <a:t>52</a:t>
+              <a:t>53</a:t>
             </a:fld>
             <a:endParaRPr lang="en-US" dirty="0"/>
           </a:p>
@@ -35935,7 +35667,7 @@
 </p:sld>
 </file>
 
-<file path=ppt/slides/slide53.xml><?xml version="1.0" encoding="utf-8"?>
+<file path=ppt/slides/slide54.xml><?xml version="1.0" encoding="utf-8"?>
 <p:sld xmlns:a="http://schemas.openxmlformats.org/drawingml/2006/main" xmlns:r="http://schemas.openxmlformats.org/officeDocument/2006/relationships" xmlns:p="http://schemas.openxmlformats.org/presentationml/2006/main">
   <p:cSld>
     <p:spTree>
@@ -36359,7 +36091,7 @@
           <a:p>
             <a:fld id="{8FC984EE-F8AD-4FE5-8C37-76E4A45DBDA0}" type="datetime2">
               <a:rPr lang="en-US" altLang="zh-CN" smtClean="0"/>
-              <a:t>Tuesday, November 28, 2023</a:t>
+              <a:t>Tuesday, December 5, 2023</a:t>
             </a:fld>
             <a:endParaRPr lang="en-US" dirty="0"/>
           </a:p>
@@ -36421,7 +36153,7 @@
           <a:p>
             <a:fld id="{69E57DC2-970A-4B3E-BB1C-7A09969E49DF}" type="slidenum">
               <a:rPr lang="en-US" smtClean="0"/>
-              <a:t>53</a:t>
+              <a:t>54</a:t>
             </a:fld>
             <a:endParaRPr lang="en-US" dirty="0"/>
           </a:p>
@@ -36669,7 +36401,7 @@
 </p:sld>
 </file>
 
-<file path=ppt/slides/slide54.xml><?xml version="1.0" encoding="utf-8"?>
+<file path=ppt/slides/slide55.xml><?xml version="1.0" encoding="utf-8"?>
 <p:sld xmlns:a="http://schemas.openxmlformats.org/drawingml/2006/main" xmlns:r="http://schemas.openxmlformats.org/officeDocument/2006/relationships" xmlns:p="http://schemas.openxmlformats.org/presentationml/2006/main">
   <p:cSld>
     <p:spTree>
@@ -37247,7 +36979,7 @@
           <a:p>
             <a:fld id="{29EC8221-5E92-4E51-A1F2-3944CF90436F}" type="datetime2">
               <a:rPr lang="en-US" altLang="zh-CN" smtClean="0"/>
-              <a:t>Tuesday, November 28, 2023</a:t>
+              <a:t>Tuesday, December 5, 2023</a:t>
             </a:fld>
             <a:endParaRPr lang="en-US" dirty="0"/>
           </a:p>
@@ -37309,7 +37041,7 @@
           <a:p>
             <a:fld id="{69E57DC2-970A-4B3E-BB1C-7A09969E49DF}" type="slidenum">
               <a:rPr lang="en-US" smtClean="0"/>
-              <a:t>54</a:t>
+              <a:t>55</a:t>
             </a:fld>
             <a:endParaRPr lang="en-US" dirty="0"/>
           </a:p>
@@ -37680,7 +37412,7 @@
           <a:p>
             <a:fld id="{A2E6424D-F182-485F-8975-25752488FED6}" type="datetime2">
               <a:rPr lang="en-US" altLang="zh-CN" smtClean="0"/>
-              <a:t>Tuesday, November 28, 2023</a:t>
+              <a:t>Tuesday, December 5, 2023</a:t>
             </a:fld>
             <a:endParaRPr lang="en-US" dirty="0"/>
           </a:p>
@@ -38034,7 +37766,7 @@
           <a:p>
             <a:fld id="{83980B34-30F2-487F-8A34-B7CB5743750D}" type="datetime2">
               <a:rPr lang="en-US" altLang="zh-CN" smtClean="0"/>
-              <a:t>Tuesday, November 28, 2023</a:t>
+              <a:t>Tuesday, December 5, 2023</a:t>
             </a:fld>
             <a:endParaRPr lang="en-US" dirty="0"/>
           </a:p>
@@ -38283,7 +38015,7 @@
           <a:p>
             <a:fld id="{40FF67EB-C545-4DA3-9306-7EA51C743E4D}" type="datetime2">
               <a:rPr lang="en-US" altLang="zh-CN" smtClean="0"/>
-              <a:t>Tuesday, November 28, 2023</a:t>
+              <a:t>Tuesday, December 5, 2023</a:t>
             </a:fld>
             <a:endParaRPr lang="en-US" dirty="0"/>
           </a:p>
@@ -39084,7 +38816,7 @@
           <a:p>
             <a:fld id="{95C8694F-675C-4EF7-A04D-B15B19676530}" type="datetime2">
               <a:rPr lang="en-US" altLang="zh-CN" smtClean="0"/>
-              <a:t>Tuesday, November 28, 2023</a:t>
+              <a:t>Tuesday, December 5, 2023</a:t>
             </a:fld>
             <a:endParaRPr lang="en-US" dirty="0"/>
           </a:p>

--- a/Editorial/Overall/Editorial_of_NNSZCP-2023.pptx
+++ b/Editorial/Overall/Editorial_of_NNSZCP-2023.pptx
@@ -369,7 +369,7 @@
           <a:p>
             <a:fld id="{73758899-22E7-4591-BDD7-C8AA5B876820}" type="datetimeFigureOut">
               <a:rPr lang="zh-CN" altLang="en-US" smtClean="0"/>
-              <a:t>2023/12/5</a:t>
+              <a:t>2023/12/6</a:t>
             </a:fld>
             <a:endParaRPr lang="zh-CN" altLang="en-US"/>
           </a:p>
@@ -547,7 +547,7 @@
           <a:p>
             <a:fld id="{DFDF4618-D8AC-490D-BA34-3334B1630D16}" type="datetimeFigureOut">
               <a:rPr lang="zh-CN" altLang="en-US" smtClean="0"/>
-              <a:t>2023/12/5</a:t>
+              <a:t>2023/12/6</a:t>
             </a:fld>
             <a:endParaRPr lang="zh-CN" altLang="en-US"/>
           </a:p>
@@ -962,7 +962,7 @@
           <a:p>
             <a:fld id="{65D60EDF-DA54-473C-BED2-689F224E51C8}" type="datetime2">
               <a:rPr lang="en-US" altLang="zh-CN" smtClean="0"/>
-              <a:t>Tuesday, December 5, 2023</a:t>
+              <a:t>Wednesday, December 6, 2023</a:t>
             </a:fld>
             <a:endParaRPr lang="zh-CN" altLang="en-US"/>
           </a:p>
@@ -1167,7 +1167,7 @@
           <a:p>
             <a:fld id="{FEE83AAF-7E1E-43AF-A9D6-A6CB33A705CD}" type="datetime2">
               <a:rPr lang="en-US" altLang="zh-CN" smtClean="0"/>
-              <a:t>Tuesday, December 5, 2023</a:t>
+              <a:t>Wednesday, December 6, 2023</a:t>
             </a:fld>
             <a:endParaRPr lang="zh-CN" altLang="en-US"/>
           </a:p>
@@ -1382,7 +1382,7 @@
           <a:p>
             <a:fld id="{60DB73B5-112B-491F-8974-6C4093E8476D}" type="datetime2">
               <a:rPr lang="en-US" altLang="zh-CN" smtClean="0"/>
-              <a:t>Tuesday, December 5, 2023</a:t>
+              <a:t>Wednesday, December 6, 2023</a:t>
             </a:fld>
             <a:endParaRPr lang="zh-CN" altLang="en-US"/>
           </a:p>
@@ -1587,7 +1587,7 @@
           <a:p>
             <a:fld id="{B37DC8DE-B46A-4467-94E3-12962304A7C6}" type="datetime2">
               <a:rPr lang="en-US" altLang="zh-CN" smtClean="0"/>
-              <a:t>Tuesday, December 5, 2023</a:t>
+              <a:t>Wednesday, December 6, 2023</a:t>
             </a:fld>
             <a:endParaRPr lang="zh-CN" altLang="en-US"/>
           </a:p>
@@ -1869,7 +1869,7 @@
           <a:p>
             <a:fld id="{5932CE07-503A-4A78-8286-F9F47CD19219}" type="datetime2">
               <a:rPr lang="en-US" altLang="zh-CN" smtClean="0"/>
-              <a:t>Tuesday, December 5, 2023</a:t>
+              <a:t>Wednesday, December 6, 2023</a:t>
             </a:fld>
             <a:endParaRPr lang="zh-CN" altLang="en-US"/>
           </a:p>
@@ -2141,7 +2141,7 @@
           <a:p>
             <a:fld id="{2CF6E99F-A71E-4150-88CE-A814DF3FF534}" type="datetime2">
               <a:rPr lang="en-US" altLang="zh-CN" smtClean="0"/>
-              <a:t>Tuesday, December 5, 2023</a:t>
+              <a:t>Wednesday, December 6, 2023</a:t>
             </a:fld>
             <a:endParaRPr lang="zh-CN" altLang="en-US"/>
           </a:p>
@@ -2560,7 +2560,7 @@
           <a:p>
             <a:fld id="{B5671570-65F3-41AC-9941-22A92A9326F2}" type="datetime2">
               <a:rPr lang="en-US" altLang="zh-CN" smtClean="0"/>
-              <a:t>Tuesday, December 5, 2023</a:t>
+              <a:t>Wednesday, December 6, 2023</a:t>
             </a:fld>
             <a:endParaRPr lang="zh-CN" altLang="en-US"/>
           </a:p>
@@ -2708,7 +2708,7 @@
           <a:p>
             <a:fld id="{B50D074F-576F-4AAB-87BC-DF8D6F697AF6}" type="datetime2">
               <a:rPr lang="en-US" altLang="zh-CN" smtClean="0"/>
-              <a:t>Tuesday, December 5, 2023</a:t>
+              <a:t>Wednesday, December 6, 2023</a:t>
             </a:fld>
             <a:endParaRPr lang="zh-CN" altLang="en-US"/>
           </a:p>
@@ -2828,7 +2828,7 @@
           <a:p>
             <a:fld id="{388C3B57-FBB1-4335-86BE-50F0CEBDB920}" type="datetime2">
               <a:rPr lang="en-US" altLang="zh-CN" smtClean="0"/>
-              <a:t>Tuesday, December 5, 2023</a:t>
+              <a:t>Wednesday, December 6, 2023</a:t>
             </a:fld>
             <a:endParaRPr lang="zh-CN" altLang="en-US"/>
           </a:p>
@@ -3146,7 +3146,7 @@
           <a:p>
             <a:fld id="{3BDF29C3-078F-4F7F-815A-22EA00A1AAD8}" type="datetime2">
               <a:rPr lang="en-US" altLang="zh-CN" smtClean="0"/>
-              <a:t>Tuesday, December 5, 2023</a:t>
+              <a:t>Wednesday, December 6, 2023</a:t>
             </a:fld>
             <a:endParaRPr lang="zh-CN" altLang="en-US"/>
           </a:p>
@@ -3441,7 +3441,7 @@
           <a:p>
             <a:fld id="{7B1D2B56-0052-433A-AAFE-52187A34CB57}" type="datetime2">
               <a:rPr lang="en-US" altLang="zh-CN" smtClean="0"/>
-              <a:t>Tuesday, December 5, 2023</a:t>
+              <a:t>Wednesday, December 6, 2023</a:t>
             </a:fld>
             <a:endParaRPr lang="zh-CN" altLang="en-US"/>
           </a:p>
@@ -3697,7 +3697,7 @@
           <a:p>
             <a:fld id="{F62504C5-F577-439D-98AD-CB45D4708AF1}" type="datetime2">
               <a:rPr lang="en-US" altLang="zh-CN" smtClean="0"/>
-              <a:t>Tuesday, December 5, 2023</a:t>
+              <a:t>Wednesday, December 6, 2023</a:t>
             </a:fld>
             <a:endParaRPr lang="zh-CN" altLang="en-US"/>
           </a:p>
@@ -4284,7 +4284,7 @@
           <a:p>
             <a:fld id="{82D464C3-3737-405E-AC0A-3AA7C23B611C}" type="datetime2">
               <a:rPr lang="en-US" altLang="zh-CN" smtClean="0"/>
-              <a:t>Tuesday, December 5, 2023</a:t>
+              <a:t>Wednesday, December 6, 2023</a:t>
             </a:fld>
             <a:endParaRPr lang="en-US" dirty="0"/>
           </a:p>
@@ -4939,7 +4939,7 @@
           <a:p>
             <a:fld id="{83BB475F-BA1F-4010-9108-34F0F2424F25}" type="datetime2">
               <a:rPr lang="en-US" altLang="zh-CN" smtClean="0"/>
-              <a:t>Tuesday, December 5, 2023</a:t>
+              <a:t>Wednesday, December 6, 2023</a:t>
             </a:fld>
             <a:endParaRPr lang="en-US" dirty="0"/>
           </a:p>
@@ -5356,7 +5356,7 @@
           <a:p>
             <a:fld id="{D7F5DE1C-971E-41EC-B2C7-C9FEF32A8A80}" type="datetime2">
               <a:rPr lang="en-US" altLang="zh-CN" smtClean="0"/>
-              <a:t>Tuesday, December 5, 2023</a:t>
+              <a:t>Wednesday, December 6, 2023</a:t>
             </a:fld>
             <a:endParaRPr lang="en-US" dirty="0"/>
           </a:p>
@@ -6321,7 +6321,7 @@
           <a:p>
             <a:fld id="{0D900A54-6163-4DE4-8B6D-283B5097EF7A}" type="datetime2">
               <a:rPr lang="en-US" altLang="zh-CN" smtClean="0"/>
-              <a:t>Tuesday, December 5, 2023</a:t>
+              <a:t>Wednesday, December 6, 2023</a:t>
             </a:fld>
             <a:endParaRPr lang="en-US" dirty="0"/>
           </a:p>
@@ -7519,7 +7519,7 @@
           <a:p>
             <a:fld id="{AFCF2D4A-709C-4945-9F35-22E1EFFB5B95}" type="datetime2">
               <a:rPr lang="en-US" altLang="zh-CN" smtClean="0"/>
-              <a:t>Tuesday, December 5, 2023</a:t>
+              <a:t>Wednesday, December 6, 2023</a:t>
             </a:fld>
             <a:endParaRPr lang="en-US" dirty="0"/>
           </a:p>
@@ -7674,7 +7674,7 @@
           <a:p>
             <a:fld id="{0EC92A74-4158-4E34-8A41-299AB263769D}" type="datetime2">
               <a:rPr lang="en-US" altLang="zh-CN" smtClean="0"/>
-              <a:t>Tuesday, December 5, 2023</a:t>
+              <a:t>Wednesday, December 6, 2023</a:t>
             </a:fld>
             <a:endParaRPr lang="en-US" dirty="0"/>
           </a:p>
@@ -7955,7 +7955,7 @@
           <a:p>
             <a:fld id="{B434508E-625F-4BDD-8936-371A8BFB8F0E}" type="datetime2">
               <a:rPr lang="en-US" altLang="zh-CN" smtClean="0"/>
-              <a:t>Tuesday, December 5, 2023</a:t>
+              <a:t>Wednesday, December 6, 2023</a:t>
             </a:fld>
             <a:endParaRPr lang="en-US" dirty="0"/>
           </a:p>
@@ -8271,7 +8271,7 @@
           <a:p>
             <a:fld id="{B238BAF6-2056-4044-9F12-01C9EF86860A}" type="datetime2">
               <a:rPr lang="en-US" altLang="zh-CN" smtClean="0"/>
-              <a:t>Tuesday, December 5, 2023</a:t>
+              <a:t>Wednesday, December 6, 2023</a:t>
             </a:fld>
             <a:endParaRPr lang="en-US" dirty="0"/>
           </a:p>
@@ -10152,7 +10152,7 @@
           <a:p>
             <a:fld id="{5692E47A-E8CA-4837-A31F-B0443D31B584}" type="datetime2">
               <a:rPr lang="en-US" altLang="zh-CN" smtClean="0"/>
-              <a:t>Tuesday, December 5, 2023</a:t>
+              <a:t>Wednesday, December 6, 2023</a:t>
             </a:fld>
             <a:endParaRPr lang="en-US" dirty="0"/>
           </a:p>
@@ -10307,7 +10307,7 @@
           <a:p>
             <a:fld id="{153EF9B0-5B6F-4B8A-B05A-2E35459CDBB2}" type="datetime2">
               <a:rPr lang="en-US" altLang="zh-CN" smtClean="0"/>
-              <a:t>Tuesday, December 5, 2023</a:t>
+              <a:t>Wednesday, December 6, 2023</a:t>
             </a:fld>
             <a:endParaRPr lang="en-US" dirty="0"/>
           </a:p>
@@ -10463,7 +10463,7 @@
           <a:p>
             <a:fld id="{606886CF-AA41-4483-869D-B97B93D80DA2}" type="datetime2">
               <a:rPr lang="en-US" altLang="zh-CN" smtClean="0"/>
-              <a:t>Tuesday, December 5, 2023</a:t>
+              <a:t>Wednesday, December 6, 2023</a:t>
             </a:fld>
             <a:endParaRPr lang="en-US" dirty="0"/>
           </a:p>
@@ -10822,7 +10822,7 @@
           <a:p>
             <a:fld id="{1509B516-0134-417A-8851-C89355BA2FE9}" type="datetime2">
               <a:rPr lang="en-US" altLang="zh-CN" smtClean="0"/>
-              <a:t>Tuesday, December 5, 2023</a:t>
+              <a:t>Wednesday, December 6, 2023</a:t>
             </a:fld>
             <a:endParaRPr lang="en-US" dirty="0"/>
           </a:p>
@@ -11506,7 +11506,7 @@
           <a:p>
             <a:fld id="{E0779AC6-A35C-4EE0-B876-8BEEA548038B}" type="datetime2">
               <a:rPr lang="en-US" altLang="zh-CN" smtClean="0"/>
-              <a:t>Tuesday, December 5, 2023</a:t>
+              <a:t>Wednesday, December 6, 2023</a:t>
             </a:fld>
             <a:endParaRPr lang="en-US" dirty="0"/>
           </a:p>
@@ -12207,7 +12207,7 @@
           <a:p>
             <a:fld id="{1D1877BB-88BC-472D-B523-33E2E0D9BBC8}" type="datetime2">
               <a:rPr lang="en-US" altLang="zh-CN" smtClean="0"/>
-              <a:t>Tuesday, December 5, 2023</a:t>
+              <a:t>Wednesday, December 6, 2023</a:t>
             </a:fld>
             <a:endParaRPr lang="en-US" dirty="0"/>
           </a:p>
@@ -13778,7 +13778,7 @@
           <a:p>
             <a:fld id="{4019BF4C-61F7-4978-8238-C84E8DFB0C45}" type="datetime2">
               <a:rPr lang="en-US" altLang="zh-CN" smtClean="0"/>
-              <a:t>Tuesday, December 5, 2023</a:t>
+              <a:t>Wednesday, December 6, 2023</a:t>
             </a:fld>
             <a:endParaRPr lang="en-US" dirty="0"/>
           </a:p>
@@ -13933,7 +13933,7 @@
           <a:p>
             <a:fld id="{BC49EFA3-9D48-4087-9951-0CD5222E6A70}" type="datetime2">
               <a:rPr lang="en-US" altLang="zh-CN" smtClean="0"/>
-              <a:t>Tuesday, December 5, 2023</a:t>
+              <a:t>Wednesday, December 6, 2023</a:t>
             </a:fld>
             <a:endParaRPr lang="en-US" dirty="0"/>
           </a:p>
@@ -14479,7 +14479,7 @@
           <a:p>
             <a:fld id="{24C36ACC-8CDF-4F30-BAE5-BA42AAAE183B}" type="datetime2">
               <a:rPr lang="en-US" altLang="zh-CN" smtClean="0"/>
-              <a:t>Tuesday, December 5, 2023</a:t>
+              <a:t>Wednesday, December 6, 2023</a:t>
             </a:fld>
             <a:endParaRPr lang="en-US" dirty="0"/>
           </a:p>
@@ -14605,8 +14605,8 @@
           </a:p>
         </p:txBody>
       </p:sp>
-      <mc:AlternateContent xmlns:mc="http://schemas.openxmlformats.org/markup-compatibility/2006" xmlns:a14="http://schemas.microsoft.com/office/drawing/2010/main">
-        <mc:Choice Requires="a14">
+      <mc:AlternateContent xmlns:mc="http://schemas.openxmlformats.org/markup-compatibility/2006">
+        <mc:Choice xmlns:a14="http://schemas.microsoft.com/office/drawing/2010/main" Requires="a14">
           <p:sp>
             <p:nvSpPr>
               <p:cNvPr id="5" name="内容占位符 4">
@@ -15280,56 +15280,86 @@
                               </a:rPr>
                               <m:t>+1,</m:t>
                             </m:r>
-                            <m:f>
-                              <m:fPr>
+                            <m:sSup>
+                              <m:sSupPr>
                                 <m:ctrlPr>
-                                  <a:rPr lang="en-US" altLang="zh-CN" sz="2400" i="1" dirty="0" smtClean="0">
+                                  <a:rPr lang="en-US" altLang="zh-CN" sz="2400" b="0" i="1" dirty="0" smtClean="0">
                                     <a:latin typeface="Cambria Math" panose="02040503050406030204" pitchFamily="18" charset="0"/>
                                   </a:rPr>
                                 </m:ctrlPr>
-                              </m:fPr>
-                              <m:num>
-                                <m:sSup>
-                                  <m:sSupPr>
+                              </m:sSupPr>
+                              <m:e>
+                                <m:d>
+                                  <m:dPr>
                                     <m:ctrlPr>
-                                      <a:rPr lang="en-US" altLang="zh-CN" sz="2400" i="1" dirty="0">
+                                      <a:rPr lang="en-US" altLang="zh-CN" sz="2400" b="0" i="1" dirty="0" smtClean="0">
                                         <a:latin typeface="Cambria Math" panose="02040503050406030204" pitchFamily="18" charset="0"/>
                                       </a:rPr>
                                     </m:ctrlPr>
-                                  </m:sSupPr>
+                                  </m:dPr>
                                   <m:e>
+                                    <m:f>
+                                      <m:fPr>
+                                        <m:ctrlPr>
+                                          <a:rPr lang="en-US" altLang="zh-CN" sz="2400" i="1" dirty="0">
+                                            <a:latin typeface="Cambria Math" panose="02040503050406030204" pitchFamily="18" charset="0"/>
+                                          </a:rPr>
+                                        </m:ctrlPr>
+                                      </m:fPr>
+                                      <m:num>
+                                        <m:sSup>
+                                          <m:sSupPr>
+                                            <m:ctrlPr>
+                                              <a:rPr lang="en-US" altLang="zh-CN" sz="2400" i="1" dirty="0">
+                                                <a:latin typeface="Cambria Math" panose="02040503050406030204" pitchFamily="18" charset="0"/>
+                                              </a:rPr>
+                                            </m:ctrlPr>
+                                          </m:sSupPr>
+                                          <m:e>
+                                            <m:r>
+                                              <a:rPr lang="en-US" altLang="zh-CN" sz="2400" i="1" dirty="0">
+                                                <a:latin typeface="Cambria Math" panose="02040503050406030204" pitchFamily="18" charset="0"/>
+                                              </a:rPr>
+                                              <m:t>𝑘</m:t>
+                                            </m:r>
+                                          </m:e>
+                                          <m:sup>
+                                            <m:r>
+                                              <a:rPr lang="en-US" altLang="zh-CN" sz="2400" i="1" dirty="0">
+                                                <a:latin typeface="Cambria Math" panose="02040503050406030204" pitchFamily="18" charset="0"/>
+                                              </a:rPr>
+                                              <m:t>2</m:t>
+                                            </m:r>
+                                          </m:sup>
+                                        </m:sSup>
+                                      </m:num>
+                                      <m:den>
+                                        <m:r>
+                                          <a:rPr lang="en-US" altLang="zh-CN" sz="2400" i="1" dirty="0">
+                                            <a:latin typeface="Cambria Math" panose="02040503050406030204" pitchFamily="18" charset="0"/>
+                                          </a:rPr>
+                                          <m:t>4</m:t>
+                                        </m:r>
+                                      </m:den>
+                                    </m:f>
                                     <m:r>
                                       <a:rPr lang="en-US" altLang="zh-CN" sz="2400" i="1" dirty="0">
                                         <a:latin typeface="Cambria Math" panose="02040503050406030204" pitchFamily="18" charset="0"/>
                                       </a:rPr>
-                                      <m:t>𝑘</m:t>
+                                      <m:t>+1</m:t>
                                     </m:r>
                                   </m:e>
-                                  <m:sup>
-                                    <m:r>
-                                      <a:rPr lang="en-US" altLang="zh-CN" sz="2400" i="1" dirty="0">
-                                        <a:latin typeface="Cambria Math" panose="02040503050406030204" pitchFamily="18" charset="0"/>
-                                      </a:rPr>
-                                      <m:t>2</m:t>
-                                    </m:r>
-                                  </m:sup>
-                                </m:sSup>
-                              </m:num>
-                              <m:den>
+                                </m:d>
+                              </m:e>
+                              <m:sup>
                                 <m:r>
-                                  <a:rPr lang="en-US" altLang="zh-CN" sz="2400" i="1" dirty="0">
+                                  <a:rPr lang="en-US" altLang="zh-CN" sz="2400" b="0" i="1" dirty="0" smtClean="0">
                                     <a:latin typeface="Cambria Math" panose="02040503050406030204" pitchFamily="18" charset="0"/>
                                   </a:rPr>
-                                  <m:t>4</m:t>
+                                  <m:t>2</m:t>
                                 </m:r>
-                              </m:den>
-                            </m:f>
-                            <m:r>
-                              <a:rPr lang="en-US" altLang="zh-CN" sz="2400" i="1" dirty="0">
-                                <a:latin typeface="Cambria Math" panose="02040503050406030204" pitchFamily="18" charset="0"/>
-                              </a:rPr>
-                              <m:t>+1</m:t>
-                            </m:r>
+                              </m:sup>
+                            </m:sSup>
                           </m:e>
                         </m:d>
                       </m:e>
@@ -15350,7 +15380,7 @@
             </p:txBody>
           </p:sp>
         </mc:Choice>
-        <mc:Fallback xmlns="">
+        <mc:Fallback>
           <p:sp>
             <p:nvSpPr>
               <p:cNvPr id="5" name="内容占位符 4">
@@ -15417,7 +15447,7 @@
           <a:p>
             <a:fld id="{648105FB-ACA2-41BA-9DC0-EA522E82CA6A}" type="datetime2">
               <a:rPr lang="en-US" altLang="zh-CN" smtClean="0"/>
-              <a:t>Tuesday, December 5, 2023</a:t>
+              <a:t>Wednesday, December 6, 2023</a:t>
             </a:fld>
             <a:endParaRPr lang="en-US" dirty="0"/>
           </a:p>
@@ -16396,7 +16426,7 @@
           <a:p>
             <a:fld id="{AE503A1F-880E-4E32-853C-C6E0255D1161}" type="datetime2">
               <a:rPr lang="en-US" altLang="zh-CN" smtClean="0"/>
-              <a:t>Tuesday, December 5, 2023</a:t>
+              <a:t>Wednesday, December 6, 2023</a:t>
             </a:fld>
             <a:endParaRPr lang="en-US" dirty="0"/>
           </a:p>
@@ -16551,7 +16581,7 @@
           <a:p>
             <a:fld id="{C3438D52-E9E4-46FF-A4D3-F7679275C909}" type="datetime2">
               <a:rPr lang="en-US" altLang="zh-CN" smtClean="0"/>
-              <a:t>Tuesday, December 5, 2023</a:t>
+              <a:t>Wednesday, December 6, 2023</a:t>
             </a:fld>
             <a:endParaRPr lang="en-US" dirty="0"/>
           </a:p>
@@ -17002,7 +17032,7 @@
           <a:p>
             <a:fld id="{9C374B08-6258-4EED-8BE8-4E0AF61A3600}" type="datetime2">
               <a:rPr lang="en-US" altLang="zh-CN" smtClean="0"/>
-              <a:t>Tuesday, December 5, 2023</a:t>
+              <a:t>Wednesday, December 6, 2023</a:t>
             </a:fld>
             <a:endParaRPr lang="en-US" dirty="0"/>
           </a:p>
@@ -17848,7 +17878,7 @@
           <a:p>
             <a:fld id="{D26B74AE-47AB-4757-BCF2-49AF53191564}" type="datetime2">
               <a:rPr lang="en-US" altLang="zh-CN" smtClean="0"/>
-              <a:t>Tuesday, December 5, 2023</a:t>
+              <a:t>Wednesday, December 6, 2023</a:t>
             </a:fld>
             <a:endParaRPr lang="en-US" dirty="0"/>
           </a:p>
@@ -18177,7 +18207,7 @@
           <a:p>
             <a:fld id="{A02688F3-E544-436D-9043-E5C459751A9D}" type="datetime2">
               <a:rPr lang="en-US" altLang="zh-CN" smtClean="0"/>
-              <a:t>Tuesday, December 5, 2023</a:t>
+              <a:t>Wednesday, December 6, 2023</a:t>
             </a:fld>
             <a:endParaRPr lang="en-US" dirty="0"/>
           </a:p>
@@ -19050,7 +19080,7 @@
           <a:p>
             <a:fld id="{A7959756-58A0-488F-94EE-2822D7C42B55}" type="datetime2">
               <a:rPr lang="en-US" altLang="zh-CN" smtClean="0"/>
-              <a:t>Tuesday, December 5, 2023</a:t>
+              <a:t>Wednesday, December 6, 2023</a:t>
             </a:fld>
             <a:endParaRPr lang="en-US" dirty="0"/>
           </a:p>
@@ -19836,7 +19866,7 @@
           <a:p>
             <a:fld id="{5A640763-96C5-44E4-A979-9C62B793A665}" type="datetime2">
               <a:rPr lang="en-US" altLang="zh-CN" smtClean="0"/>
-              <a:t>Tuesday, December 5, 2023</a:t>
+              <a:t>Wednesday, December 6, 2023</a:t>
             </a:fld>
             <a:endParaRPr lang="en-US" dirty="0"/>
           </a:p>
@@ -20349,7 +20379,7 @@
           <a:p>
             <a:fld id="{5AB32416-6ADA-4293-BC8C-CB9C3A16C4E0}" type="datetime2">
               <a:rPr lang="en-US" altLang="zh-CN" smtClean="0"/>
-              <a:t>Tuesday, December 5, 2023</a:t>
+              <a:t>Wednesday, December 6, 2023</a:t>
             </a:fld>
             <a:endParaRPr lang="en-US" dirty="0"/>
           </a:p>
@@ -20504,7 +20534,7 @@
           <a:p>
             <a:fld id="{518DD105-C958-46E2-9073-D994991209C9}" type="datetime2">
               <a:rPr lang="en-US" altLang="zh-CN" smtClean="0"/>
-              <a:t>Tuesday, December 5, 2023</a:t>
+              <a:t>Wednesday, December 6, 2023</a:t>
             </a:fld>
             <a:endParaRPr lang="en-US" dirty="0"/>
           </a:p>
@@ -20875,7 +20905,7 @@
           <a:p>
             <a:fld id="{645FA6F8-7AF1-4AE1-B12F-44E5EB3F4DAA}" type="datetime2">
               <a:rPr lang="en-US" altLang="zh-CN" smtClean="0"/>
-              <a:t>Tuesday, December 5, 2023</a:t>
+              <a:t>Wednesday, December 6, 2023</a:t>
             </a:fld>
             <a:endParaRPr lang="en-US" dirty="0"/>
           </a:p>
@@ -21177,7 +21207,7 @@
           <a:p>
             <a:fld id="{0BC61FCC-6412-4E22-B85F-F72C0920CA91}" type="datetime2">
               <a:rPr lang="en-US" altLang="zh-CN" smtClean="0"/>
-              <a:t>Tuesday, December 5, 2023</a:t>
+              <a:t>Wednesday, December 6, 2023</a:t>
             </a:fld>
             <a:endParaRPr lang="en-US" dirty="0"/>
           </a:p>
@@ -21752,7 +21782,7 @@
           <a:p>
             <a:fld id="{960718B3-B82E-4EC7-87FB-4F1033D532CC}" type="datetime2">
               <a:rPr lang="en-US" altLang="zh-CN" smtClean="0"/>
-              <a:t>Tuesday, December 5, 2023</a:t>
+              <a:t>Wednesday, December 6, 2023</a:t>
             </a:fld>
             <a:endParaRPr lang="en-US" dirty="0"/>
           </a:p>
@@ -22412,7 +22442,7 @@
           <a:p>
             <a:fld id="{C98F11B9-1AAF-47F3-9D34-A9317C50C62F}" type="datetime2">
               <a:rPr lang="en-US" altLang="zh-CN" smtClean="0"/>
-              <a:t>Tuesday, December 5, 2023</a:t>
+              <a:t>Wednesday, December 6, 2023</a:t>
             </a:fld>
             <a:endParaRPr lang="en-US" dirty="0"/>
           </a:p>
@@ -23831,7 +23861,7 @@
           <a:p>
             <a:fld id="{7A4372DE-4919-4B11-81BD-5A63526C220A}" type="datetime2">
               <a:rPr lang="en-US" altLang="zh-CN" smtClean="0"/>
-              <a:t>Tuesday, December 5, 2023</a:t>
+              <a:t>Wednesday, December 6, 2023</a:t>
             </a:fld>
             <a:endParaRPr lang="en-US" dirty="0"/>
           </a:p>
@@ -24626,7 +24656,7 @@
           <a:p>
             <a:fld id="{B719E099-0212-4082-89FA-C8F21D9DAF84}" type="datetime2">
               <a:rPr lang="en-US" altLang="zh-CN" smtClean="0"/>
-              <a:t>Tuesday, December 5, 2023</a:t>
+              <a:t>Wednesday, December 6, 2023</a:t>
             </a:fld>
             <a:endParaRPr lang="en-US" dirty="0"/>
           </a:p>
@@ -25993,7 +26023,7 @@
           <a:p>
             <a:fld id="{B9C14B13-0BC0-43D8-A9C4-AFEE37688083}" type="datetime2">
               <a:rPr lang="en-US" altLang="zh-CN" smtClean="0"/>
-              <a:t>Tuesday, December 5, 2023</a:t>
+              <a:t>Wednesday, December 6, 2023</a:t>
             </a:fld>
             <a:endParaRPr lang="en-US" dirty="0"/>
           </a:p>
@@ -26573,7 +26603,7 @@
           <a:p>
             <a:fld id="{9AC3B265-EB6B-42CF-9B04-A65B0439A0FC}" type="datetime2">
               <a:rPr lang="en-US" altLang="zh-CN" smtClean="0"/>
-              <a:t>Tuesday, December 5, 2023</a:t>
+              <a:t>Wednesday, December 6, 2023</a:t>
             </a:fld>
             <a:endParaRPr lang="en-US" dirty="0"/>
           </a:p>
@@ -26700,8 +26730,8 @@
           </a:p>
         </p:txBody>
       </p:sp>
-      <mc:AlternateContent xmlns:mc="http://schemas.openxmlformats.org/markup-compatibility/2006">
-        <mc:Choice xmlns:a14="http://schemas.microsoft.com/office/drawing/2010/main" Requires="a14">
+      <mc:AlternateContent xmlns:mc="http://schemas.openxmlformats.org/markup-compatibility/2006" xmlns:a14="http://schemas.microsoft.com/office/drawing/2010/main">
+        <mc:Choice Requires="a14">
           <p:sp>
             <p:nvSpPr>
               <p:cNvPr id="5" name="内容占位符 4">
@@ -26815,7 +26845,7 @@
                     <m:d>
                       <m:dPr>
                         <m:ctrlPr>
-                          <a:rPr lang="en-US" altLang="zh-CN" sz="2400" b="0" i="0" dirty="0" smtClean="0">
+                          <a:rPr lang="en-US" altLang="zh-CN" sz="2400" b="0" i="1" dirty="0" smtClean="0">
                             <a:latin typeface="Cambria Math" panose="02040503050406030204" pitchFamily="18" charset="0"/>
                           </a:rPr>
                         </m:ctrlPr>
@@ -26959,7 +26989,7 @@
                     <m:sSub>
                       <m:sSubPr>
                         <m:ctrlPr>
-                          <a:rPr lang="en-US" altLang="zh-CN" sz="2400" b="0" i="0" dirty="0" smtClean="0">
+                          <a:rPr lang="en-US" altLang="zh-CN" sz="2400" b="0" i="1" dirty="0" smtClean="0">
                             <a:latin typeface="Cambria Math" panose="02040503050406030204" pitchFamily="18" charset="0"/>
                           </a:rPr>
                         </m:ctrlPr>
@@ -27066,7 +27096,7 @@
             </p:txBody>
           </p:sp>
         </mc:Choice>
-        <mc:Fallback>
+        <mc:Fallback xmlns="">
           <p:sp>
             <p:nvSpPr>
               <p:cNvPr id="5" name="内容占位符 4">
@@ -27129,7 +27159,7 @@
           <a:p>
             <a:fld id="{113C7600-EA15-482D-B5BB-106F7E1E95A4}" type="datetime2">
               <a:rPr lang="en-US" altLang="zh-CN" smtClean="0"/>
-              <a:t>Tuesday, December 5, 2023</a:t>
+              <a:t>Wednesday, December 6, 2023</a:t>
             </a:fld>
             <a:endParaRPr lang="en-US" dirty="0"/>
           </a:p>
@@ -27260,8 +27290,8 @@
           </a:p>
         </p:txBody>
       </p:sp>
-      <mc:AlternateContent xmlns:mc="http://schemas.openxmlformats.org/markup-compatibility/2006">
-        <mc:Choice xmlns:a14="http://schemas.microsoft.com/office/drawing/2010/main" Requires="a14">
+      <mc:AlternateContent xmlns:mc="http://schemas.openxmlformats.org/markup-compatibility/2006" xmlns:a14="http://schemas.microsoft.com/office/drawing/2010/main">
+        <mc:Choice Requires="a14">
           <p:sp>
             <p:nvSpPr>
               <p:cNvPr id="3" name="内容占位符 2">
@@ -27417,7 +27447,7 @@
             </p:txBody>
           </p:sp>
         </mc:Choice>
-        <mc:Fallback>
+        <mc:Fallback xmlns="">
           <p:sp>
             <p:nvSpPr>
               <p:cNvPr id="3" name="内容占位符 2">
@@ -27480,7 +27510,7 @@
           <a:p>
             <a:fld id="{BBCE70C7-BC16-498F-BFC4-7961AF2E0FAC}" type="datetime2">
               <a:rPr lang="en-US" altLang="zh-CN" smtClean="0"/>
-              <a:t>Tuesday, December 5, 2023</a:t>
+              <a:t>Wednesday, December 6, 2023</a:t>
             </a:fld>
             <a:endParaRPr lang="en-US" dirty="0"/>
           </a:p>
@@ -27857,7 +27887,7 @@
           <a:p>
             <a:fld id="{AC1315BA-7F44-48D2-9DBE-CE4F62DF3782}" type="datetime2">
               <a:rPr lang="en-US" altLang="zh-CN" smtClean="0"/>
-              <a:t>Tuesday, December 5, 2023</a:t>
+              <a:t>Wednesday, December 6, 2023</a:t>
             </a:fld>
             <a:endParaRPr lang="en-US" dirty="0"/>
           </a:p>
@@ -28168,8 +28198,8 @@
           </a:p>
         </p:txBody>
       </p:sp>
-      <mc:AlternateContent xmlns:mc="http://schemas.openxmlformats.org/markup-compatibility/2006">
-        <mc:Choice xmlns:a14="http://schemas.microsoft.com/office/drawing/2010/main" Requires="a14">
+      <mc:AlternateContent xmlns:mc="http://schemas.openxmlformats.org/markup-compatibility/2006" xmlns:a14="http://schemas.microsoft.com/office/drawing/2010/main">
+        <mc:Choice Requires="a14">
           <p:sp>
             <p:nvSpPr>
               <p:cNvPr id="3" name="内容占位符 2">
@@ -28332,7 +28362,7 @@
             </p:txBody>
           </p:sp>
         </mc:Choice>
-        <mc:Fallback>
+        <mc:Fallback xmlns="">
           <p:sp>
             <p:nvSpPr>
               <p:cNvPr id="3" name="内容占位符 2">
@@ -28395,7 +28425,7 @@
           <a:p>
             <a:fld id="{18BC2CA3-27FA-4AE9-A3BA-CA82483E8E1F}" type="datetime2">
               <a:rPr lang="en-US" altLang="zh-CN" smtClean="0"/>
-              <a:t>Tuesday, December 5, 2023</a:t>
+              <a:t>Wednesday, December 6, 2023</a:t>
             </a:fld>
             <a:endParaRPr lang="en-US" dirty="0"/>
           </a:p>
@@ -28755,8 +28785,8 @@
           </a:p>
         </p:txBody>
       </p:sp>
-      <mc:AlternateContent xmlns:mc="http://schemas.openxmlformats.org/markup-compatibility/2006">
-        <mc:Choice xmlns:a14="http://schemas.microsoft.com/office/drawing/2010/main" Requires="a14">
+      <mc:AlternateContent xmlns:mc="http://schemas.openxmlformats.org/markup-compatibility/2006" xmlns:a14="http://schemas.microsoft.com/office/drawing/2010/main">
+        <mc:Choice Requires="a14">
           <p:sp>
             <p:nvSpPr>
               <p:cNvPr id="3" name="内容占位符 2">
@@ -28989,7 +29019,6 @@
                 <a:endParaRPr lang="en-US" altLang="zh-CN" sz="2400" dirty="0"/>
               </a:p>
               <a:p>
-                <a:pPr/>
                 <a:r>
                   <a:rPr lang="zh-CN" altLang="en-US" sz="2400" dirty="0"/>
                   <a:t>并且对 </a:t>
@@ -29056,7 +29085,7 @@
             </p:txBody>
           </p:sp>
         </mc:Choice>
-        <mc:Fallback>
+        <mc:Fallback xmlns="">
           <p:sp>
             <p:nvSpPr>
               <p:cNvPr id="3" name="内容占位符 2">
@@ -29119,7 +29148,7 @@
           <a:p>
             <a:fld id="{BBCE70C7-BC16-498F-BFC4-7961AF2E0FAC}" type="datetime2">
               <a:rPr lang="en-US" altLang="zh-CN" smtClean="0"/>
-              <a:t>Tuesday, December 5, 2023</a:t>
+              <a:t>Wednesday, December 6, 2023</a:t>
             </a:fld>
             <a:endParaRPr lang="en-US" dirty="0"/>
           </a:p>
@@ -29479,8 +29508,8 @@
           </a:p>
         </p:txBody>
       </p:sp>
-      <mc:AlternateContent xmlns:mc="http://schemas.openxmlformats.org/markup-compatibility/2006">
-        <mc:Choice xmlns:a14="http://schemas.microsoft.com/office/drawing/2010/main" Requires="a14">
+      <mc:AlternateContent xmlns:mc="http://schemas.openxmlformats.org/markup-compatibility/2006" xmlns:a14="http://schemas.microsoft.com/office/drawing/2010/main">
+        <mc:Choice Requires="a14">
           <p:sp>
             <p:nvSpPr>
               <p:cNvPr id="3" name="内容占位符 2">
@@ -30149,7 +30178,7 @@
             </p:txBody>
           </p:sp>
         </mc:Choice>
-        <mc:Fallback>
+        <mc:Fallback xmlns="">
           <p:sp>
             <p:nvSpPr>
               <p:cNvPr id="3" name="内容占位符 2">
@@ -30216,7 +30245,7 @@
           <a:p>
             <a:fld id="{74362831-6955-48B9-8E5A-4FCA466B858A}" type="datetime2">
               <a:rPr lang="en-US" altLang="zh-CN" smtClean="0"/>
-              <a:t>Tuesday, December 5, 2023</a:t>
+              <a:t>Wednesday, December 6, 2023</a:t>
             </a:fld>
             <a:endParaRPr lang="en-US" dirty="0"/>
           </a:p>
@@ -30723,8 +30752,8 @@
           </a:p>
         </p:txBody>
       </p:sp>
-      <mc:AlternateContent xmlns:mc="http://schemas.openxmlformats.org/markup-compatibility/2006">
-        <mc:Choice xmlns:a14="http://schemas.microsoft.com/office/drawing/2010/main" Requires="a14">
+      <mc:AlternateContent xmlns:mc="http://schemas.openxmlformats.org/markup-compatibility/2006" xmlns:a14="http://schemas.microsoft.com/office/drawing/2010/main">
+        <mc:Choice Requires="a14">
           <p:sp>
             <p:nvSpPr>
               <p:cNvPr id="3" name="内容占位符 2">
@@ -31136,7 +31165,7 @@
             </p:txBody>
           </p:sp>
         </mc:Choice>
-        <mc:Fallback>
+        <mc:Fallback xmlns="">
           <p:sp>
             <p:nvSpPr>
               <p:cNvPr id="3" name="内容占位符 2">
@@ -31203,7 +31232,7 @@
           <a:p>
             <a:fld id="{18DBB2C7-438A-4690-AF52-682D507498C7}" type="datetime2">
               <a:rPr lang="en-US" altLang="zh-CN" smtClean="0"/>
-              <a:t>Tuesday, December 5, 2023</a:t>
+              <a:t>Wednesday, December 6, 2023</a:t>
             </a:fld>
             <a:endParaRPr lang="en-US" dirty="0"/>
           </a:p>
@@ -31685,7 +31714,7 @@
           <a:p>
             <a:fld id="{9465277C-38E9-41E1-B431-AF9E5C593FB2}" type="datetime2">
               <a:rPr lang="en-US" altLang="zh-CN" smtClean="0"/>
-              <a:t>Tuesday, December 5, 2023</a:t>
+              <a:t>Wednesday, December 6, 2023</a:t>
             </a:fld>
             <a:endParaRPr lang="en-US" dirty="0"/>
           </a:p>
@@ -32057,7 +32086,7 @@
           <a:p>
             <a:fld id="{2A21492B-D129-47EB-84E3-9242E84BF81D}" type="datetime2">
               <a:rPr lang="en-US" altLang="zh-CN" smtClean="0"/>
-              <a:t>Tuesday, December 5, 2023</a:t>
+              <a:t>Wednesday, December 6, 2023</a:t>
             </a:fld>
             <a:endParaRPr lang="en-US" dirty="0"/>
           </a:p>
@@ -32754,7 +32783,7 @@
           <a:p>
             <a:fld id="{5BEBCF23-4B19-44DB-BC16-F3C9378463E5}" type="datetime2">
               <a:rPr lang="en-US" altLang="zh-CN" smtClean="0"/>
-              <a:t>Tuesday, December 5, 2023</a:t>
+              <a:t>Wednesday, December 6, 2023</a:t>
             </a:fld>
             <a:endParaRPr lang="en-US" dirty="0"/>
           </a:p>
@@ -33822,7 +33851,7 @@
           <a:p>
             <a:fld id="{D839B953-4E08-4A48-ACE3-0ACBCE5CFBEA}" type="datetime2">
               <a:rPr lang="en-US" altLang="zh-CN" smtClean="0"/>
-              <a:t>Tuesday, December 5, 2023</a:t>
+              <a:t>Wednesday, December 6, 2023</a:t>
             </a:fld>
             <a:endParaRPr lang="en-US" dirty="0"/>
           </a:p>
@@ -34496,7 +34525,7 @@
           <a:p>
             <a:fld id="{399A3C7B-103A-4EA3-A519-FD19AEA37209}" type="datetime2">
               <a:rPr lang="en-US" altLang="zh-CN" smtClean="0"/>
-              <a:t>Tuesday, December 5, 2023</a:t>
+              <a:t>Wednesday, December 6, 2023</a:t>
             </a:fld>
             <a:endParaRPr lang="en-US" dirty="0"/>
           </a:p>
@@ -35308,7 +35337,7 @@
           <a:p>
             <a:fld id="{A6AD7878-9DFA-499B-AC2D-EB3E2DD78926}" type="datetime2">
               <a:rPr lang="en-US" altLang="zh-CN" smtClean="0"/>
-              <a:t>Tuesday, December 5, 2023</a:t>
+              <a:t>Wednesday, December 6, 2023</a:t>
             </a:fld>
             <a:endParaRPr lang="en-US" dirty="0"/>
           </a:p>
@@ -36091,7 +36120,7 @@
           <a:p>
             <a:fld id="{8FC984EE-F8AD-4FE5-8C37-76E4A45DBDA0}" type="datetime2">
               <a:rPr lang="en-US" altLang="zh-CN" smtClean="0"/>
-              <a:t>Tuesday, December 5, 2023</a:t>
+              <a:t>Wednesday, December 6, 2023</a:t>
             </a:fld>
             <a:endParaRPr lang="en-US" dirty="0"/>
           </a:p>
@@ -36979,7 +37008,7 @@
           <a:p>
             <a:fld id="{29EC8221-5E92-4E51-A1F2-3944CF90436F}" type="datetime2">
               <a:rPr lang="en-US" altLang="zh-CN" smtClean="0"/>
-              <a:t>Tuesday, December 5, 2023</a:t>
+              <a:t>Wednesday, December 6, 2023</a:t>
             </a:fld>
             <a:endParaRPr lang="en-US" dirty="0"/>
           </a:p>
@@ -37412,7 +37441,7 @@
           <a:p>
             <a:fld id="{A2E6424D-F182-485F-8975-25752488FED6}" type="datetime2">
               <a:rPr lang="en-US" altLang="zh-CN" smtClean="0"/>
-              <a:t>Tuesday, December 5, 2023</a:t>
+              <a:t>Wednesday, December 6, 2023</a:t>
             </a:fld>
             <a:endParaRPr lang="en-US" dirty="0"/>
           </a:p>
@@ -37766,7 +37795,7 @@
           <a:p>
             <a:fld id="{83980B34-30F2-487F-8A34-B7CB5743750D}" type="datetime2">
               <a:rPr lang="en-US" altLang="zh-CN" smtClean="0"/>
-              <a:t>Tuesday, December 5, 2023</a:t>
+              <a:t>Wednesday, December 6, 2023</a:t>
             </a:fld>
             <a:endParaRPr lang="en-US" dirty="0"/>
           </a:p>
@@ -38015,7 +38044,7 @@
           <a:p>
             <a:fld id="{40FF67EB-C545-4DA3-9306-7EA51C743E4D}" type="datetime2">
               <a:rPr lang="en-US" altLang="zh-CN" smtClean="0"/>
-              <a:t>Tuesday, December 5, 2023</a:t>
+              <a:t>Wednesday, December 6, 2023</a:t>
             </a:fld>
             <a:endParaRPr lang="en-US" dirty="0"/>
           </a:p>
@@ -38816,7 +38845,7 @@
           <a:p>
             <a:fld id="{95C8694F-675C-4EF7-A04D-B15B19676530}" type="datetime2">
               <a:rPr lang="en-US" altLang="zh-CN" smtClean="0"/>
-              <a:t>Tuesday, December 5, 2023</a:t>
+              <a:t>Wednesday, December 6, 2023</a:t>
             </a:fld>
             <a:endParaRPr lang="en-US" dirty="0"/>
           </a:p>

--- a/Editorial/Overall/Editorial_of_NNSZCP-2023.pptx
+++ b/Editorial/Overall/Editorial_of_NNSZCP-2023.pptx
@@ -5,10 +5,10 @@
     <p:sldMasterId id="2147483648" r:id="rId1"/>
   </p:sldMasterIdLst>
   <p:notesMasterIdLst>
-    <p:notesMasterId r:id="rId57"/>
+    <p:notesMasterId r:id="rId58"/>
   </p:notesMasterIdLst>
   <p:handoutMasterIdLst>
-    <p:handoutMasterId r:id="rId58"/>
+    <p:handoutMasterId r:id="rId59"/>
   </p:handoutMasterIdLst>
   <p:sldIdLst>
     <p:sldId id="257" r:id="rId2"/>
@@ -66,6 +66,7 @@
     <p:sldId id="311" r:id="rId54"/>
     <p:sldId id="312" r:id="rId55"/>
     <p:sldId id="314" r:id="rId56"/>
+    <p:sldId id="318" r:id="rId57"/>
   </p:sldIdLst>
   <p:sldSz cx="12192000" cy="6858000"/>
   <p:notesSz cx="6858000" cy="9144000"/>
@@ -264,6 +265,11 @@
             <p14:sldId id="311"/>
             <p14:sldId id="312"/>
             <p14:sldId id="314"/>
+          </p14:sldIdLst>
+        </p14:section>
+        <p14:section name="Ending" id="{F0C54BCA-AFC9-4596-B530-BBAD2D0B979D}">
+          <p14:sldIdLst>
+            <p14:sldId id="318"/>
           </p14:sldIdLst>
         </p14:section>
       </p14:sectionLst>
@@ -14605,8 +14611,8 @@
           </a:p>
         </p:txBody>
       </p:sp>
-      <mc:AlternateContent xmlns:mc="http://schemas.openxmlformats.org/markup-compatibility/2006">
-        <mc:Choice xmlns:a14="http://schemas.microsoft.com/office/drawing/2010/main" Requires="a14">
+      <mc:AlternateContent xmlns:mc="http://schemas.openxmlformats.org/markup-compatibility/2006" xmlns:a14="http://schemas.microsoft.com/office/drawing/2010/main">
+        <mc:Choice Requires="a14">
           <p:sp>
             <p:nvSpPr>
               <p:cNvPr id="5" name="内容占位符 4">
@@ -15380,7 +15386,7 @@
             </p:txBody>
           </p:sp>
         </mc:Choice>
-        <mc:Fallback>
+        <mc:Fallback xmlns="">
           <p:sp>
             <p:nvSpPr>
               <p:cNvPr id="5" name="内容占位符 4">
@@ -20352,7 +20358,14 @@
               </a:rPr>
               <a:t>https://arxiv.org/pdf/2110.01111.pdf</a:t>
             </a:r>
-            <a:endParaRPr lang="zh-CN" altLang="en-US" sz="2400" dirty="0"/>
+            <a:endParaRPr lang="en-US" altLang="zh-CN" sz="2400" dirty="0"/>
+          </a:p>
+          <a:p>
+            <a:r>
+              <a:rPr lang="zh-CN" altLang="en-US" sz="2400" dirty="0"/>
+              <a:t>出题人出完题后看到了这篇论文，于是决定在这里分享。</a:t>
+            </a:r>
+            <a:endParaRPr lang="en-US" altLang="zh-CN" sz="2400" dirty="0"/>
           </a:p>
         </p:txBody>
       </p:sp>
@@ -37364,6 +37377,265 @@
       <p:bldP spid="3" grpId="0" build="p"/>
     </p:bldLst>
   </p:timing>
+</p:sld>
+</file>
+
+<file path=ppt/slides/slide56.xml><?xml version="1.0" encoding="utf-8"?>
+<p:sld xmlns:a="http://schemas.openxmlformats.org/drawingml/2006/main" xmlns:r="http://schemas.openxmlformats.org/officeDocument/2006/relationships" xmlns:p="http://schemas.openxmlformats.org/presentationml/2006/main">
+  <p:cSld>
+    <p:spTree>
+      <p:nvGrpSpPr>
+        <p:cNvPr id="1" name=""/>
+        <p:cNvGrpSpPr/>
+        <p:nvPr/>
+      </p:nvGrpSpPr>
+      <p:grpSpPr>
+        <a:xfrm>
+          <a:off x="0" y="0"/>
+          <a:ext cx="0" cy="0"/>
+          <a:chOff x="0" y="0"/>
+          <a:chExt cx="0" cy="0"/>
+        </a:xfrm>
+      </p:grpSpPr>
+      <p:sp>
+        <p:nvSpPr>
+          <p:cNvPr id="9" name="标题 8">
+            <a:extLst>
+              <a:ext uri="{FF2B5EF4-FFF2-40B4-BE49-F238E27FC236}">
+                <a16:creationId xmlns:a16="http://schemas.microsoft.com/office/drawing/2014/main" id="{7D52D309-EFB9-17BB-2DA6-92B9BC392E82}"/>
+              </a:ext>
+            </a:extLst>
+          </p:cNvPr>
+          <p:cNvSpPr>
+            <a:spLocks noGrp="1"/>
+          </p:cNvSpPr>
+          <p:nvPr>
+            <p:ph type="title"/>
+          </p:nvPr>
+        </p:nvSpPr>
+        <p:spPr/>
+        <p:txBody>
+          <a:bodyPr/>
+          <a:lstStyle/>
+          <a:p>
+            <a:r>
+              <a:rPr lang="zh-CN" altLang="en-US" dirty="0"/>
+              <a:t>没听明白？</a:t>
+            </a:r>
+          </a:p>
+        </p:txBody>
+      </p:sp>
+      <p:sp>
+        <p:nvSpPr>
+          <p:cNvPr id="10" name="内容占位符 9">
+            <a:extLst>
+              <a:ext uri="{FF2B5EF4-FFF2-40B4-BE49-F238E27FC236}">
+                <a16:creationId xmlns:a16="http://schemas.microsoft.com/office/drawing/2014/main" id="{32F542B2-8C35-EE14-53F9-C773936E46B2}"/>
+              </a:ext>
+            </a:extLst>
+          </p:cNvPr>
+          <p:cNvSpPr>
+            <a:spLocks noGrp="1"/>
+          </p:cNvSpPr>
+          <p:nvPr>
+            <p:ph idx="1"/>
+          </p:nvPr>
+        </p:nvSpPr>
+        <p:spPr/>
+        <p:txBody>
+          <a:bodyPr/>
+          <a:lstStyle/>
+          <a:p>
+            <a:r>
+              <a:rPr lang="zh-CN" altLang="en-US" dirty="0"/>
+              <a:t>访问 </a:t>
+            </a:r>
+            <a:r>
+              <a:rPr lang="en-US" altLang="zh-CN" dirty="0">
+                <a:hlinkClick r:id="rId2"/>
+              </a:rPr>
+              <a:t>https://github.com/nnszoi-team/nnszcp-2023</a:t>
+            </a:r>
+            <a:r>
+              <a:rPr lang="zh-CN" altLang="en-US" dirty="0"/>
+              <a:t>。</a:t>
+            </a:r>
+            <a:endParaRPr lang="en-US" altLang="zh-CN" dirty="0"/>
+          </a:p>
+          <a:p>
+            <a:r>
+              <a:rPr lang="zh-CN" altLang="en-US" dirty="0"/>
+              <a:t>或扫描这个二维码。</a:t>
+            </a:r>
+            <a:endParaRPr lang="en-US" altLang="zh-CN" dirty="0"/>
+          </a:p>
+          <a:p>
+            <a:endParaRPr lang="en-US" altLang="zh-CN" dirty="0"/>
+          </a:p>
+          <a:p>
+            <a:endParaRPr lang="en-US" altLang="zh-CN" dirty="0"/>
+          </a:p>
+          <a:p>
+            <a:endParaRPr lang="en-US" altLang="zh-CN" dirty="0"/>
+          </a:p>
+          <a:p>
+            <a:endParaRPr lang="en-US" altLang="zh-CN" dirty="0"/>
+          </a:p>
+          <a:p>
+            <a:endParaRPr lang="en-US" altLang="zh-CN" dirty="0"/>
+          </a:p>
+          <a:p>
+            <a:r>
+              <a:rPr lang="zh-CN" altLang="en-US" dirty="0"/>
+              <a:t>我们将在 </a:t>
+            </a:r>
+            <a:r>
+              <a:rPr lang="en-US" altLang="zh-CN" dirty="0"/>
+              <a:t>repo </a:t>
+            </a:r>
+            <a:r>
+              <a:rPr lang="zh-CN" altLang="en-US" dirty="0"/>
+              <a:t>里提供完整题解、数据、标程。</a:t>
+            </a:r>
+          </a:p>
+        </p:txBody>
+      </p:sp>
+      <p:sp>
+        <p:nvSpPr>
+          <p:cNvPr id="4" name="日期占位符 3">
+            <a:extLst>
+              <a:ext uri="{FF2B5EF4-FFF2-40B4-BE49-F238E27FC236}">
+                <a16:creationId xmlns:a16="http://schemas.microsoft.com/office/drawing/2014/main" id="{2615EB20-E31F-D9EF-8116-37D29E6EA01E}"/>
+              </a:ext>
+            </a:extLst>
+          </p:cNvPr>
+          <p:cNvSpPr>
+            <a:spLocks noGrp="1"/>
+          </p:cNvSpPr>
+          <p:nvPr>
+            <p:ph type="dt" sz="half" idx="10"/>
+          </p:nvPr>
+        </p:nvSpPr>
+        <p:spPr/>
+        <p:txBody>
+          <a:bodyPr/>
+          <a:lstStyle/>
+          <a:p>
+            <a:fld id="{5932CE07-503A-4A78-8286-F9F47CD19219}" type="datetime2">
+              <a:rPr lang="en-US" altLang="zh-CN" smtClean="0"/>
+              <a:t>Wednesday, December 6, 2023</a:t>
+            </a:fld>
+            <a:endParaRPr lang="zh-CN" altLang="en-US"/>
+          </a:p>
+        </p:txBody>
+      </p:sp>
+      <p:sp>
+        <p:nvSpPr>
+          <p:cNvPr id="5" name="页脚占位符 4">
+            <a:extLst>
+              <a:ext uri="{FF2B5EF4-FFF2-40B4-BE49-F238E27FC236}">
+                <a16:creationId xmlns:a16="http://schemas.microsoft.com/office/drawing/2014/main" id="{E7DE0465-28F2-EAC4-B2F5-8ED5C15E6CD3}"/>
+              </a:ext>
+            </a:extLst>
+          </p:cNvPr>
+          <p:cNvSpPr>
+            <a:spLocks noGrp="1"/>
+          </p:cNvSpPr>
+          <p:nvPr>
+            <p:ph type="ftr" sz="quarter" idx="11"/>
+          </p:nvPr>
+        </p:nvSpPr>
+        <p:spPr/>
+        <p:txBody>
+          <a:bodyPr/>
+          <a:lstStyle/>
+          <a:p>
+            <a:r>
+              <a:rPr lang="en-US" altLang="zh-CN"/>
+              <a:t>NNSZCP-2023 </a:t>
+            </a:r>
+            <a:r>
+              <a:rPr lang="zh-CN" altLang="en-US"/>
+              <a:t>赛后题解</a:t>
+            </a:r>
+          </a:p>
+        </p:txBody>
+      </p:sp>
+      <p:sp>
+        <p:nvSpPr>
+          <p:cNvPr id="6" name="灯片编号占位符 5">
+            <a:extLst>
+              <a:ext uri="{FF2B5EF4-FFF2-40B4-BE49-F238E27FC236}">
+                <a16:creationId xmlns:a16="http://schemas.microsoft.com/office/drawing/2014/main" id="{68546720-B2C8-FF27-07AE-57D035B293F5}"/>
+              </a:ext>
+            </a:extLst>
+          </p:cNvPr>
+          <p:cNvSpPr>
+            <a:spLocks noGrp="1"/>
+          </p:cNvSpPr>
+          <p:nvPr>
+            <p:ph type="sldNum" sz="quarter" idx="12"/>
+          </p:nvPr>
+        </p:nvSpPr>
+        <p:spPr/>
+        <p:txBody>
+          <a:bodyPr/>
+          <a:lstStyle/>
+          <a:p>
+            <a:fld id="{A0644CF0-E45A-4BE0-8348-AA9C5F857889}" type="slidenum">
+              <a:rPr lang="zh-CN" altLang="en-US" smtClean="0"/>
+              <a:t>56</a:t>
+            </a:fld>
+            <a:endParaRPr lang="zh-CN" altLang="en-US" dirty="0"/>
+          </a:p>
+        </p:txBody>
+      </p:sp>
+      <p:pic>
+        <p:nvPicPr>
+          <p:cNvPr id="12" name="图片 11">
+            <a:extLst>
+              <a:ext uri="{FF2B5EF4-FFF2-40B4-BE49-F238E27FC236}">
+                <a16:creationId xmlns:a16="http://schemas.microsoft.com/office/drawing/2014/main" id="{4E43C159-EEFA-5308-6388-2CBB897E420A}"/>
+              </a:ext>
+            </a:extLst>
+          </p:cNvPr>
+          <p:cNvPicPr>
+            <a:picLocks noChangeAspect="1"/>
+          </p:cNvPicPr>
+          <p:nvPr/>
+        </p:nvPicPr>
+        <p:blipFill>
+          <a:blip r:embed="rId3">
+            <a:extLst>
+              <a:ext uri="{28A0092B-C50C-407E-A947-70E740481C1C}">
+                <a14:useLocalDpi xmlns:a14="http://schemas.microsoft.com/office/drawing/2010/main" val="0"/>
+              </a:ext>
+            </a:extLst>
+          </a:blip>
+          <a:stretch>
+            <a:fillRect/>
+          </a:stretch>
+        </p:blipFill>
+        <p:spPr>
+          <a:xfrm>
+            <a:off x="4906153" y="2814098"/>
+            <a:ext cx="2379694" cy="2379694"/>
+          </a:xfrm>
+          <a:prstGeom prst="rect">
+            <a:avLst/>
+          </a:prstGeom>
+        </p:spPr>
+      </p:pic>
+    </p:spTree>
+    <p:extLst>
+      <p:ext uri="{BB962C8B-B14F-4D97-AF65-F5344CB8AC3E}">
+        <p14:creationId xmlns:p14="http://schemas.microsoft.com/office/powerpoint/2010/main" val="2968100061"/>
+      </p:ext>
+    </p:extLst>
+  </p:cSld>
+  <p:clrMapOvr>
+    <a:masterClrMapping/>
+  </p:clrMapOvr>
 </p:sld>
 </file>
 
